--- a/Presentation/powerpoints/The presentation to end all presentations.pptx
+++ b/Presentation/powerpoints/The presentation to end all presentations.pptx
@@ -5,37 +5,35 @@
     <p:sldMasterId id="2147483660" r:id="rId1"/>
   </p:sldMasterIdLst>
   <p:notesMasterIdLst>
-    <p:notesMasterId r:id="rId30"/>
+    <p:notesMasterId r:id="rId28"/>
   </p:notesMasterIdLst>
   <p:sldIdLst>
     <p:sldId id="258" r:id="rId2"/>
     <p:sldId id="271" r:id="rId3"/>
-    <p:sldId id="292" r:id="rId4"/>
-    <p:sldId id="277" r:id="rId5"/>
-    <p:sldId id="278" r:id="rId6"/>
-    <p:sldId id="279" r:id="rId7"/>
-    <p:sldId id="280" r:id="rId8"/>
-    <p:sldId id="281" r:id="rId9"/>
-    <p:sldId id="293" r:id="rId10"/>
-    <p:sldId id="263" r:id="rId11"/>
-    <p:sldId id="260" r:id="rId12"/>
-    <p:sldId id="261" r:id="rId13"/>
-    <p:sldId id="269" r:id="rId14"/>
-    <p:sldId id="282" r:id="rId15"/>
-    <p:sldId id="268" r:id="rId16"/>
-    <p:sldId id="284" r:id="rId17"/>
-    <p:sldId id="286" r:id="rId18"/>
-    <p:sldId id="283" r:id="rId19"/>
-    <p:sldId id="287" r:id="rId20"/>
-    <p:sldId id="296" r:id="rId21"/>
-    <p:sldId id="297" r:id="rId22"/>
-    <p:sldId id="291" r:id="rId23"/>
-    <p:sldId id="285" r:id="rId24"/>
-    <p:sldId id="275" r:id="rId25"/>
-    <p:sldId id="294" r:id="rId26"/>
-    <p:sldId id="290" r:id="rId27"/>
-    <p:sldId id="295" r:id="rId28"/>
-    <p:sldId id="270" r:id="rId29"/>
+    <p:sldId id="277" r:id="rId4"/>
+    <p:sldId id="278" r:id="rId5"/>
+    <p:sldId id="279" r:id="rId6"/>
+    <p:sldId id="280" r:id="rId7"/>
+    <p:sldId id="281" r:id="rId8"/>
+    <p:sldId id="293" r:id="rId9"/>
+    <p:sldId id="263" r:id="rId10"/>
+    <p:sldId id="261" r:id="rId11"/>
+    <p:sldId id="269" r:id="rId12"/>
+    <p:sldId id="282" r:id="rId13"/>
+    <p:sldId id="268" r:id="rId14"/>
+    <p:sldId id="284" r:id="rId15"/>
+    <p:sldId id="286" r:id="rId16"/>
+    <p:sldId id="287" r:id="rId17"/>
+    <p:sldId id="296" r:id="rId18"/>
+    <p:sldId id="297" r:id="rId19"/>
+    <p:sldId id="291" r:id="rId20"/>
+    <p:sldId id="285" r:id="rId21"/>
+    <p:sldId id="275" r:id="rId22"/>
+    <p:sldId id="294" r:id="rId23"/>
+    <p:sldId id="290" r:id="rId24"/>
+    <p:sldId id="295" r:id="rId25"/>
+    <p:sldId id="298" r:id="rId26"/>
+    <p:sldId id="270" r:id="rId27"/>
   </p:sldIdLst>
   <p:sldSz cx="12192000" cy="6858000"/>
   <p:notesSz cx="6858000" cy="9144000"/>
@@ -142,6 +140,3280 @@
 </p:presentation>
 </file>
 
+<file path=ppt/diagrams/colors1.xml><?xml version="1.0" encoding="utf-8"?>
+<dgm:colorsDef xmlns:dgm="http://schemas.openxmlformats.org/drawingml/2006/diagram" xmlns:a="http://schemas.openxmlformats.org/drawingml/2006/main" uniqueId="urn:microsoft.com/office/officeart/2005/8/colors/colorful1">
+  <dgm:title val=""/>
+  <dgm:desc val=""/>
+  <dgm:catLst>
+    <dgm:cat type="colorful" pri="10100"/>
+  </dgm:catLst>
+  <dgm:styleLbl name="node0">
+    <dgm:fillClrLst meth="repeat">
+      <a:schemeClr val="accent1"/>
+    </dgm:fillClrLst>
+    <dgm:linClrLst meth="repeat">
+      <a:schemeClr val="lt1"/>
+    </dgm:linClrLst>
+    <dgm:effectClrLst/>
+    <dgm:txLinClrLst/>
+    <dgm:txFillClrLst/>
+    <dgm:txEffectClrLst/>
+  </dgm:styleLbl>
+  <dgm:styleLbl name="node1">
+    <dgm:fillClrLst meth="repeat">
+      <a:schemeClr val="accent2"/>
+      <a:schemeClr val="accent3"/>
+      <a:schemeClr val="accent4"/>
+      <a:schemeClr val="accent5"/>
+      <a:schemeClr val="accent6"/>
+    </dgm:fillClrLst>
+    <dgm:linClrLst meth="repeat">
+      <a:schemeClr val="lt1"/>
+    </dgm:linClrLst>
+    <dgm:effectClrLst/>
+    <dgm:txLinClrLst/>
+    <dgm:txFillClrLst/>
+    <dgm:txEffectClrLst/>
+  </dgm:styleLbl>
+  <dgm:styleLbl name="alignNode1">
+    <dgm:fillClrLst meth="repeat">
+      <a:schemeClr val="accent2"/>
+      <a:schemeClr val="accent3"/>
+      <a:schemeClr val="accent4"/>
+      <a:schemeClr val="accent5"/>
+      <a:schemeClr val="accent6"/>
+    </dgm:fillClrLst>
+    <dgm:linClrLst meth="repeat">
+      <a:schemeClr val="accent2"/>
+      <a:schemeClr val="accent3"/>
+      <a:schemeClr val="accent4"/>
+      <a:schemeClr val="accent5"/>
+      <a:schemeClr val="accent6"/>
+    </dgm:linClrLst>
+    <dgm:effectClrLst/>
+    <dgm:txLinClrLst/>
+    <dgm:txFillClrLst/>
+    <dgm:txEffectClrLst/>
+  </dgm:styleLbl>
+  <dgm:styleLbl name="lnNode1">
+    <dgm:fillClrLst meth="repeat">
+      <a:schemeClr val="accent2"/>
+      <a:schemeClr val="accent3"/>
+      <a:schemeClr val="accent4"/>
+      <a:schemeClr val="accent5"/>
+      <a:schemeClr val="accent6"/>
+    </dgm:fillClrLst>
+    <dgm:linClrLst meth="repeat">
+      <a:schemeClr val="lt1"/>
+    </dgm:linClrLst>
+    <dgm:effectClrLst/>
+    <dgm:txLinClrLst/>
+    <dgm:txFillClrLst/>
+    <dgm:txEffectClrLst/>
+  </dgm:styleLbl>
+  <dgm:styleLbl name="vennNode1">
+    <dgm:fillClrLst meth="repeat">
+      <a:schemeClr val="accent2">
+        <a:alpha val="50000"/>
+      </a:schemeClr>
+      <a:schemeClr val="accent3">
+        <a:alpha val="50000"/>
+      </a:schemeClr>
+      <a:schemeClr val="accent4">
+        <a:alpha val="50000"/>
+      </a:schemeClr>
+      <a:schemeClr val="accent5">
+        <a:alpha val="50000"/>
+      </a:schemeClr>
+      <a:schemeClr val="accent6">
+        <a:alpha val="50000"/>
+      </a:schemeClr>
+    </dgm:fillClrLst>
+    <dgm:linClrLst meth="repeat">
+      <a:schemeClr val="lt1"/>
+    </dgm:linClrLst>
+    <dgm:effectClrLst/>
+    <dgm:txLinClrLst/>
+    <dgm:txFillClrLst/>
+    <dgm:txEffectClrLst/>
+  </dgm:styleLbl>
+  <dgm:styleLbl name="node2">
+    <dgm:fillClrLst>
+      <a:schemeClr val="accent2"/>
+    </dgm:fillClrLst>
+    <dgm:linClrLst meth="repeat">
+      <a:schemeClr val="lt1"/>
+    </dgm:linClrLst>
+    <dgm:effectClrLst/>
+    <dgm:txLinClrLst/>
+    <dgm:txFillClrLst/>
+    <dgm:txEffectClrLst/>
+  </dgm:styleLbl>
+  <dgm:styleLbl name="node3">
+    <dgm:fillClrLst>
+      <a:schemeClr val="accent3"/>
+    </dgm:fillClrLst>
+    <dgm:linClrLst meth="repeat">
+      <a:schemeClr val="lt1"/>
+    </dgm:linClrLst>
+    <dgm:effectClrLst/>
+    <dgm:txLinClrLst/>
+    <dgm:txFillClrLst/>
+    <dgm:txEffectClrLst/>
+  </dgm:styleLbl>
+  <dgm:styleLbl name="node4">
+    <dgm:fillClrLst>
+      <a:schemeClr val="accent4"/>
+    </dgm:fillClrLst>
+    <dgm:linClrLst meth="repeat">
+      <a:schemeClr val="lt1"/>
+    </dgm:linClrLst>
+    <dgm:effectClrLst/>
+    <dgm:txLinClrLst/>
+    <dgm:txFillClrLst/>
+    <dgm:txEffectClrLst/>
+  </dgm:styleLbl>
+  <dgm:styleLbl name="fgImgPlace1">
+    <dgm:fillClrLst meth="repeat">
+      <a:schemeClr val="accent2">
+        <a:tint val="50000"/>
+      </a:schemeClr>
+      <a:schemeClr val="accent3">
+        <a:tint val="50000"/>
+      </a:schemeClr>
+      <a:schemeClr val="accent4">
+        <a:tint val="50000"/>
+      </a:schemeClr>
+      <a:schemeClr val="accent5">
+        <a:tint val="50000"/>
+      </a:schemeClr>
+      <a:schemeClr val="accent6">
+        <a:tint val="50000"/>
+      </a:schemeClr>
+    </dgm:fillClrLst>
+    <dgm:linClrLst meth="repeat">
+      <a:schemeClr val="lt1"/>
+    </dgm:linClrLst>
+    <dgm:effectClrLst/>
+    <dgm:txLinClrLst/>
+    <dgm:txFillClrLst meth="repeat">
+      <a:schemeClr val="lt1"/>
+    </dgm:txFillClrLst>
+    <dgm:txEffectClrLst/>
+  </dgm:styleLbl>
+  <dgm:styleLbl name="alignImgPlace1">
+    <dgm:fillClrLst>
+      <a:schemeClr val="accent1">
+        <a:tint val="50000"/>
+      </a:schemeClr>
+      <a:schemeClr val="accent2">
+        <a:tint val="20000"/>
+      </a:schemeClr>
+    </dgm:fillClrLst>
+    <dgm:linClrLst meth="repeat">
+      <a:schemeClr val="lt1"/>
+    </dgm:linClrLst>
+    <dgm:effectClrLst/>
+    <dgm:txLinClrLst/>
+    <dgm:txFillClrLst meth="repeat">
+      <a:schemeClr val="lt1"/>
+    </dgm:txFillClrLst>
+    <dgm:txEffectClrLst/>
+  </dgm:styleLbl>
+  <dgm:styleLbl name="bgImgPlace1">
+    <dgm:fillClrLst>
+      <a:schemeClr val="accent1">
+        <a:tint val="50000"/>
+      </a:schemeClr>
+      <a:schemeClr val="accent2">
+        <a:tint val="20000"/>
+      </a:schemeClr>
+    </dgm:fillClrLst>
+    <dgm:linClrLst meth="repeat">
+      <a:schemeClr val="lt1"/>
+    </dgm:linClrLst>
+    <dgm:effectClrLst/>
+    <dgm:txLinClrLst/>
+    <dgm:txFillClrLst meth="repeat">
+      <a:schemeClr val="lt1"/>
+    </dgm:txFillClrLst>
+    <dgm:txEffectClrLst/>
+  </dgm:styleLbl>
+  <dgm:styleLbl name="sibTrans2D1">
+    <dgm:fillClrLst meth="repeat">
+      <a:schemeClr val="accent2"/>
+      <a:schemeClr val="accent3"/>
+      <a:schemeClr val="accent4"/>
+      <a:schemeClr val="accent5"/>
+      <a:schemeClr val="accent6"/>
+    </dgm:fillClrLst>
+    <dgm:linClrLst meth="cycle">
+      <a:schemeClr val="lt1"/>
+    </dgm:linClrLst>
+    <dgm:effectClrLst/>
+    <dgm:txLinClrLst/>
+    <dgm:txFillClrLst/>
+    <dgm:txEffectClrLst/>
+  </dgm:styleLbl>
+  <dgm:styleLbl name="fgSibTrans2D1">
+    <dgm:fillClrLst meth="repeat">
+      <a:schemeClr val="accent2"/>
+      <a:schemeClr val="accent3"/>
+      <a:schemeClr val="accent4"/>
+      <a:schemeClr val="accent5"/>
+      <a:schemeClr val="accent6"/>
+    </dgm:fillClrLst>
+    <dgm:linClrLst meth="cycle">
+      <a:schemeClr val="lt1"/>
+    </dgm:linClrLst>
+    <dgm:effectClrLst/>
+    <dgm:txLinClrLst/>
+    <dgm:txFillClrLst meth="repeat">
+      <a:schemeClr val="lt1"/>
+    </dgm:txFillClrLst>
+    <dgm:txEffectClrLst/>
+  </dgm:styleLbl>
+  <dgm:styleLbl name="bgSibTrans2D1">
+    <dgm:fillClrLst meth="repeat">
+      <a:schemeClr val="accent2"/>
+      <a:schemeClr val="accent3"/>
+      <a:schemeClr val="accent4"/>
+      <a:schemeClr val="accent5"/>
+      <a:schemeClr val="accent6"/>
+    </dgm:fillClrLst>
+    <dgm:linClrLst meth="cycle">
+      <a:schemeClr val="lt1"/>
+    </dgm:linClrLst>
+    <dgm:effectClrLst/>
+    <dgm:txLinClrLst/>
+    <dgm:txFillClrLst meth="repeat">
+      <a:schemeClr val="lt1"/>
+    </dgm:txFillClrLst>
+    <dgm:txEffectClrLst/>
+  </dgm:styleLbl>
+  <dgm:styleLbl name="sibTrans1D1">
+    <dgm:fillClrLst meth="repeat">
+      <a:schemeClr val="accent2"/>
+      <a:schemeClr val="accent3"/>
+      <a:schemeClr val="accent4"/>
+      <a:schemeClr val="accent5"/>
+      <a:schemeClr val="accent6"/>
+    </dgm:fillClrLst>
+    <dgm:linClrLst meth="repeat">
+      <a:schemeClr val="accent2"/>
+      <a:schemeClr val="accent3"/>
+      <a:schemeClr val="accent4"/>
+      <a:schemeClr val="accent5"/>
+      <a:schemeClr val="accent6"/>
+    </dgm:linClrLst>
+    <dgm:effectClrLst/>
+    <dgm:txLinClrLst/>
+    <dgm:txFillClrLst meth="repeat">
+      <a:schemeClr val="tx1"/>
+    </dgm:txFillClrLst>
+    <dgm:txEffectClrLst/>
+  </dgm:styleLbl>
+  <dgm:styleLbl name="callout">
+    <dgm:fillClrLst meth="repeat">
+      <a:schemeClr val="accent2"/>
+    </dgm:fillClrLst>
+    <dgm:linClrLst meth="repeat">
+      <a:schemeClr val="accent2">
+        <a:tint val="50000"/>
+      </a:schemeClr>
+    </dgm:linClrLst>
+    <dgm:effectClrLst/>
+    <dgm:txLinClrLst/>
+    <dgm:txFillClrLst meth="repeat">
+      <a:schemeClr val="tx1"/>
+    </dgm:txFillClrLst>
+    <dgm:txEffectClrLst/>
+  </dgm:styleLbl>
+  <dgm:styleLbl name="asst0">
+    <dgm:fillClrLst meth="repeat">
+      <a:schemeClr val="accent1"/>
+    </dgm:fillClrLst>
+    <dgm:linClrLst meth="repeat">
+      <a:schemeClr val="lt1"/>
+    </dgm:linClrLst>
+    <dgm:effectClrLst/>
+    <dgm:txLinClrLst/>
+    <dgm:txFillClrLst/>
+    <dgm:txEffectClrLst/>
+  </dgm:styleLbl>
+  <dgm:styleLbl name="asst1">
+    <dgm:fillClrLst meth="repeat">
+      <a:schemeClr val="accent2"/>
+    </dgm:fillClrLst>
+    <dgm:linClrLst meth="repeat">
+      <a:schemeClr val="lt1"/>
+    </dgm:linClrLst>
+    <dgm:effectClrLst/>
+    <dgm:txLinClrLst/>
+    <dgm:txFillClrLst/>
+    <dgm:txEffectClrLst/>
+  </dgm:styleLbl>
+  <dgm:styleLbl name="asst2">
+    <dgm:fillClrLst>
+      <a:schemeClr val="accent3"/>
+    </dgm:fillClrLst>
+    <dgm:linClrLst meth="repeat">
+      <a:schemeClr val="lt1"/>
+    </dgm:linClrLst>
+    <dgm:effectClrLst/>
+    <dgm:txLinClrLst/>
+    <dgm:txFillClrLst/>
+    <dgm:txEffectClrLst/>
+  </dgm:styleLbl>
+  <dgm:styleLbl name="asst3">
+    <dgm:fillClrLst>
+      <a:schemeClr val="accent4"/>
+    </dgm:fillClrLst>
+    <dgm:linClrLst meth="repeat">
+      <a:schemeClr val="lt1"/>
+    </dgm:linClrLst>
+    <dgm:effectClrLst/>
+    <dgm:txLinClrLst/>
+    <dgm:txFillClrLst/>
+    <dgm:txEffectClrLst/>
+  </dgm:styleLbl>
+  <dgm:styleLbl name="asst4">
+    <dgm:fillClrLst>
+      <a:schemeClr val="accent5"/>
+    </dgm:fillClrLst>
+    <dgm:linClrLst meth="repeat">
+      <a:schemeClr val="lt1"/>
+    </dgm:linClrLst>
+    <dgm:effectClrLst/>
+    <dgm:txLinClrLst/>
+    <dgm:txFillClrLst/>
+    <dgm:txEffectClrLst/>
+  </dgm:styleLbl>
+  <dgm:styleLbl name="parChTrans2D1">
+    <dgm:fillClrLst meth="repeat">
+      <a:schemeClr val="accent2"/>
+    </dgm:fillClrLst>
+    <dgm:linClrLst meth="repeat">
+      <a:schemeClr val="lt1"/>
+    </dgm:linClrLst>
+    <dgm:effectClrLst/>
+    <dgm:txLinClrLst/>
+    <dgm:txFillClrLst meth="repeat">
+      <a:schemeClr val="lt1"/>
+    </dgm:txFillClrLst>
+    <dgm:txEffectClrLst/>
+  </dgm:styleLbl>
+  <dgm:styleLbl name="parChTrans2D2">
+    <dgm:fillClrLst meth="repeat">
+      <a:schemeClr val="accent3"/>
+    </dgm:fillClrLst>
+    <dgm:linClrLst meth="repeat">
+      <a:schemeClr val="lt1"/>
+    </dgm:linClrLst>
+    <dgm:effectClrLst/>
+    <dgm:txLinClrLst/>
+    <dgm:txFillClrLst/>
+    <dgm:txEffectClrLst/>
+  </dgm:styleLbl>
+  <dgm:styleLbl name="parChTrans2D3">
+    <dgm:fillClrLst meth="repeat">
+      <a:schemeClr val="accent4"/>
+    </dgm:fillClrLst>
+    <dgm:linClrLst meth="repeat">
+      <a:schemeClr val="lt1"/>
+    </dgm:linClrLst>
+    <dgm:effectClrLst/>
+    <dgm:txLinClrLst/>
+    <dgm:txFillClrLst/>
+    <dgm:txEffectClrLst/>
+  </dgm:styleLbl>
+  <dgm:styleLbl name="parChTrans2D4">
+    <dgm:fillClrLst meth="repeat">
+      <a:schemeClr val="accent5"/>
+    </dgm:fillClrLst>
+    <dgm:linClrLst meth="repeat">
+      <a:schemeClr val="lt1"/>
+    </dgm:linClrLst>
+    <dgm:effectClrLst/>
+    <dgm:txLinClrLst/>
+    <dgm:txFillClrLst meth="repeat">
+      <a:schemeClr val="lt1"/>
+    </dgm:txFillClrLst>
+    <dgm:txEffectClrLst/>
+  </dgm:styleLbl>
+  <dgm:styleLbl name="parChTrans1D1">
+    <dgm:fillClrLst meth="repeat">
+      <a:schemeClr val="accent2"/>
+    </dgm:fillClrLst>
+    <dgm:linClrLst meth="repeat">
+      <a:schemeClr val="accent1"/>
+    </dgm:linClrLst>
+    <dgm:effectClrLst/>
+    <dgm:txLinClrLst/>
+    <dgm:txFillClrLst meth="repeat">
+      <a:schemeClr val="tx1"/>
+    </dgm:txFillClrLst>
+    <dgm:txEffectClrLst/>
+  </dgm:styleLbl>
+  <dgm:styleLbl name="parChTrans1D2">
+    <dgm:fillClrLst meth="repeat">
+      <a:schemeClr val="accent3">
+        <a:tint val="90000"/>
+      </a:schemeClr>
+    </dgm:fillClrLst>
+    <dgm:linClrLst meth="repeat">
+      <a:schemeClr val="accent2"/>
+    </dgm:linClrLst>
+    <dgm:effectClrLst/>
+    <dgm:txLinClrLst/>
+    <dgm:txFillClrLst meth="repeat">
+      <a:schemeClr val="tx1"/>
+    </dgm:txFillClrLst>
+    <dgm:txEffectClrLst/>
+  </dgm:styleLbl>
+  <dgm:styleLbl name="parChTrans1D3">
+    <dgm:fillClrLst meth="repeat">
+      <a:schemeClr val="accent4">
+        <a:tint val="70000"/>
+      </a:schemeClr>
+    </dgm:fillClrLst>
+    <dgm:linClrLst meth="repeat">
+      <a:schemeClr val="accent3"/>
+    </dgm:linClrLst>
+    <dgm:effectClrLst/>
+    <dgm:txLinClrLst/>
+    <dgm:txFillClrLst meth="repeat">
+      <a:schemeClr val="tx1"/>
+    </dgm:txFillClrLst>
+    <dgm:txEffectClrLst/>
+  </dgm:styleLbl>
+  <dgm:styleLbl name="parChTrans1D4">
+    <dgm:fillClrLst meth="repeat">
+      <a:schemeClr val="accent5">
+        <a:tint val="50000"/>
+      </a:schemeClr>
+    </dgm:fillClrLst>
+    <dgm:linClrLst meth="repeat">
+      <a:schemeClr val="accent4"/>
+    </dgm:linClrLst>
+    <dgm:effectClrLst/>
+    <dgm:txLinClrLst/>
+    <dgm:txFillClrLst meth="repeat">
+      <a:schemeClr val="tx1"/>
+    </dgm:txFillClrLst>
+    <dgm:txEffectClrLst/>
+  </dgm:styleLbl>
+  <dgm:styleLbl name="fgAcc1">
+    <dgm:fillClrLst meth="repeat">
+      <a:schemeClr val="lt1">
+        <a:alpha val="90000"/>
+      </a:schemeClr>
+    </dgm:fillClrLst>
+    <dgm:linClrLst meth="repeat">
+      <a:schemeClr val="accent2"/>
+      <a:schemeClr val="accent3"/>
+      <a:schemeClr val="accent4"/>
+      <a:schemeClr val="accent5"/>
+      <a:schemeClr val="accent6"/>
+    </dgm:linClrLst>
+    <dgm:effectClrLst/>
+    <dgm:txLinClrLst/>
+    <dgm:txFillClrLst meth="repeat">
+      <a:schemeClr val="dk1"/>
+    </dgm:txFillClrLst>
+    <dgm:txEffectClrLst/>
+  </dgm:styleLbl>
+  <dgm:styleLbl name="conFgAcc1">
+    <dgm:fillClrLst meth="repeat">
+      <a:schemeClr val="lt1">
+        <a:alpha val="90000"/>
+      </a:schemeClr>
+    </dgm:fillClrLst>
+    <dgm:linClrLst meth="repeat">
+      <a:schemeClr val="accent2"/>
+      <a:schemeClr val="accent3"/>
+      <a:schemeClr val="accent4"/>
+      <a:schemeClr val="accent5"/>
+      <a:schemeClr val="accent6"/>
+    </dgm:linClrLst>
+    <dgm:effectClrLst/>
+    <dgm:txLinClrLst/>
+    <dgm:txFillClrLst meth="repeat">
+      <a:schemeClr val="dk1"/>
+    </dgm:txFillClrLst>
+    <dgm:txEffectClrLst/>
+  </dgm:styleLbl>
+  <dgm:styleLbl name="alignAcc1">
+    <dgm:fillClrLst meth="repeat">
+      <a:schemeClr val="lt1">
+        <a:alpha val="90000"/>
+      </a:schemeClr>
+    </dgm:fillClrLst>
+    <dgm:linClrLst meth="repeat">
+      <a:schemeClr val="accent2"/>
+      <a:schemeClr val="accent3"/>
+      <a:schemeClr val="accent4"/>
+      <a:schemeClr val="accent5"/>
+      <a:schemeClr val="accent6"/>
+    </dgm:linClrLst>
+    <dgm:effectClrLst/>
+    <dgm:txLinClrLst/>
+    <dgm:txFillClrLst meth="repeat">
+      <a:schemeClr val="dk1"/>
+    </dgm:txFillClrLst>
+    <dgm:txEffectClrLst/>
+  </dgm:styleLbl>
+  <dgm:styleLbl name="trAlignAcc1">
+    <dgm:fillClrLst meth="repeat">
+      <a:schemeClr val="lt1">
+        <a:alpha val="40000"/>
+      </a:schemeClr>
+    </dgm:fillClrLst>
+    <dgm:linClrLst meth="repeat">
+      <a:schemeClr val="accent1"/>
+    </dgm:linClrLst>
+    <dgm:effectClrLst/>
+    <dgm:txLinClrLst/>
+    <dgm:txFillClrLst meth="repeat">
+      <a:schemeClr val="dk1"/>
+    </dgm:txFillClrLst>
+    <dgm:txEffectClrLst/>
+  </dgm:styleLbl>
+  <dgm:styleLbl name="bgAcc1">
+    <dgm:fillClrLst meth="repeat">
+      <a:schemeClr val="lt1">
+        <a:alpha val="90000"/>
+      </a:schemeClr>
+    </dgm:fillClrLst>
+    <dgm:linClrLst meth="repeat">
+      <a:schemeClr val="accent2"/>
+      <a:schemeClr val="accent3"/>
+      <a:schemeClr val="accent4"/>
+      <a:schemeClr val="accent5"/>
+      <a:schemeClr val="accent6"/>
+    </dgm:linClrLst>
+    <dgm:effectClrLst/>
+    <dgm:txLinClrLst/>
+    <dgm:txFillClrLst meth="repeat">
+      <a:schemeClr val="dk1"/>
+    </dgm:txFillClrLst>
+    <dgm:txEffectClrLst/>
+  </dgm:styleLbl>
+  <dgm:styleLbl name="solidFgAcc1">
+    <dgm:fillClrLst meth="repeat">
+      <a:schemeClr val="lt1"/>
+    </dgm:fillClrLst>
+    <dgm:linClrLst meth="repeat">
+      <a:schemeClr val="accent2"/>
+      <a:schemeClr val="accent3"/>
+      <a:schemeClr val="accent4"/>
+      <a:schemeClr val="accent5"/>
+      <a:schemeClr val="accent6"/>
+    </dgm:linClrLst>
+    <dgm:effectClrLst/>
+    <dgm:txLinClrLst/>
+    <dgm:txFillClrLst meth="repeat">
+      <a:schemeClr val="dk1"/>
+    </dgm:txFillClrLst>
+    <dgm:txEffectClrLst/>
+  </dgm:styleLbl>
+  <dgm:styleLbl name="solidAlignAcc1">
+    <dgm:fillClrLst meth="repeat">
+      <a:schemeClr val="lt1"/>
+    </dgm:fillClrLst>
+    <dgm:linClrLst meth="repeat">
+      <a:schemeClr val="accent2"/>
+      <a:schemeClr val="accent3"/>
+      <a:schemeClr val="accent4"/>
+      <a:schemeClr val="accent5"/>
+      <a:schemeClr val="accent6"/>
+    </dgm:linClrLst>
+    <dgm:effectClrLst/>
+    <dgm:txLinClrLst/>
+    <dgm:txFillClrLst meth="repeat">
+      <a:schemeClr val="dk1"/>
+    </dgm:txFillClrLst>
+    <dgm:txEffectClrLst/>
+  </dgm:styleLbl>
+  <dgm:styleLbl name="solidBgAcc1">
+    <dgm:fillClrLst meth="repeat">
+      <a:schemeClr val="lt1"/>
+    </dgm:fillClrLst>
+    <dgm:linClrLst meth="repeat">
+      <a:schemeClr val="accent2"/>
+      <a:schemeClr val="accent3"/>
+      <a:schemeClr val="accent4"/>
+      <a:schemeClr val="accent5"/>
+      <a:schemeClr val="accent6"/>
+    </dgm:linClrLst>
+    <dgm:effectClrLst/>
+    <dgm:txLinClrLst/>
+    <dgm:txFillClrLst meth="repeat">
+      <a:schemeClr val="dk1"/>
+    </dgm:txFillClrLst>
+    <dgm:txEffectClrLst/>
+  </dgm:styleLbl>
+  <dgm:styleLbl name="fgAccFollowNode1">
+    <dgm:fillClrLst meth="repeat">
+      <a:schemeClr val="accent2">
+        <a:tint val="40000"/>
+        <a:alpha val="90000"/>
+      </a:schemeClr>
+      <a:schemeClr val="accent3">
+        <a:tint val="40000"/>
+        <a:alpha val="90000"/>
+      </a:schemeClr>
+      <a:schemeClr val="accent4">
+        <a:tint val="40000"/>
+        <a:alpha val="90000"/>
+      </a:schemeClr>
+      <a:schemeClr val="accent5">
+        <a:tint val="40000"/>
+        <a:alpha val="90000"/>
+      </a:schemeClr>
+      <a:schemeClr val="accent6">
+        <a:tint val="40000"/>
+        <a:alpha val="90000"/>
+      </a:schemeClr>
+    </dgm:fillClrLst>
+    <dgm:linClrLst meth="repeat">
+      <a:schemeClr val="accent2">
+        <a:tint val="40000"/>
+        <a:alpha val="90000"/>
+      </a:schemeClr>
+      <a:schemeClr val="accent3">
+        <a:tint val="40000"/>
+        <a:alpha val="90000"/>
+      </a:schemeClr>
+      <a:schemeClr val="accent4">
+        <a:tint val="40000"/>
+        <a:alpha val="90000"/>
+      </a:schemeClr>
+      <a:schemeClr val="accent5">
+        <a:tint val="40000"/>
+        <a:alpha val="90000"/>
+      </a:schemeClr>
+      <a:schemeClr val="accent6">
+        <a:tint val="40000"/>
+        <a:alpha val="90000"/>
+      </a:schemeClr>
+    </dgm:linClrLst>
+    <dgm:effectClrLst/>
+    <dgm:txLinClrLst/>
+    <dgm:txFillClrLst meth="repeat">
+      <a:schemeClr val="dk1"/>
+    </dgm:txFillClrLst>
+    <dgm:txEffectClrLst/>
+  </dgm:styleLbl>
+  <dgm:styleLbl name="alignAccFollowNode1">
+    <dgm:fillClrLst meth="repeat">
+      <a:schemeClr val="accent2">
+        <a:tint val="40000"/>
+        <a:alpha val="90000"/>
+      </a:schemeClr>
+      <a:schemeClr val="accent3">
+        <a:tint val="40000"/>
+        <a:alpha val="90000"/>
+      </a:schemeClr>
+      <a:schemeClr val="accent4">
+        <a:tint val="40000"/>
+        <a:alpha val="90000"/>
+      </a:schemeClr>
+      <a:schemeClr val="accent5">
+        <a:tint val="40000"/>
+        <a:alpha val="90000"/>
+      </a:schemeClr>
+      <a:schemeClr val="accent6">
+        <a:tint val="40000"/>
+        <a:alpha val="90000"/>
+      </a:schemeClr>
+    </dgm:fillClrLst>
+    <dgm:linClrLst meth="repeat">
+      <a:schemeClr val="accent2">
+        <a:tint val="40000"/>
+        <a:alpha val="90000"/>
+      </a:schemeClr>
+      <a:schemeClr val="accent3">
+        <a:tint val="40000"/>
+        <a:alpha val="90000"/>
+      </a:schemeClr>
+      <a:schemeClr val="accent4">
+        <a:tint val="40000"/>
+        <a:alpha val="90000"/>
+      </a:schemeClr>
+      <a:schemeClr val="accent5">
+        <a:tint val="40000"/>
+        <a:alpha val="90000"/>
+      </a:schemeClr>
+      <a:schemeClr val="accent6">
+        <a:tint val="40000"/>
+        <a:alpha val="90000"/>
+      </a:schemeClr>
+    </dgm:linClrLst>
+    <dgm:effectClrLst/>
+    <dgm:txLinClrLst/>
+    <dgm:txFillClrLst meth="repeat">
+      <a:schemeClr val="dk1"/>
+    </dgm:txFillClrLst>
+    <dgm:txEffectClrLst/>
+  </dgm:styleLbl>
+  <dgm:styleLbl name="bgAccFollowNode1">
+    <dgm:fillClrLst meth="repeat">
+      <a:schemeClr val="accent2">
+        <a:tint val="40000"/>
+        <a:alpha val="90000"/>
+      </a:schemeClr>
+      <a:schemeClr val="accent3">
+        <a:tint val="40000"/>
+        <a:alpha val="90000"/>
+      </a:schemeClr>
+      <a:schemeClr val="accent4">
+        <a:tint val="40000"/>
+        <a:alpha val="90000"/>
+      </a:schemeClr>
+      <a:schemeClr val="accent5">
+        <a:tint val="40000"/>
+        <a:alpha val="90000"/>
+      </a:schemeClr>
+      <a:schemeClr val="accent6">
+        <a:tint val="40000"/>
+        <a:alpha val="90000"/>
+      </a:schemeClr>
+    </dgm:fillClrLst>
+    <dgm:linClrLst meth="repeat">
+      <a:schemeClr val="accent2">
+        <a:tint val="40000"/>
+        <a:alpha val="90000"/>
+      </a:schemeClr>
+      <a:schemeClr val="accent3">
+        <a:tint val="40000"/>
+        <a:alpha val="90000"/>
+      </a:schemeClr>
+      <a:schemeClr val="accent4">
+        <a:tint val="40000"/>
+        <a:alpha val="90000"/>
+      </a:schemeClr>
+      <a:schemeClr val="accent5">
+        <a:tint val="40000"/>
+        <a:alpha val="90000"/>
+      </a:schemeClr>
+      <a:schemeClr val="accent6">
+        <a:tint val="40000"/>
+        <a:alpha val="90000"/>
+      </a:schemeClr>
+    </dgm:linClrLst>
+    <dgm:effectClrLst/>
+    <dgm:txLinClrLst/>
+    <dgm:txFillClrLst meth="repeat">
+      <a:schemeClr val="dk1"/>
+    </dgm:txFillClrLst>
+    <dgm:txEffectClrLst/>
+  </dgm:styleLbl>
+  <dgm:styleLbl name="fgAcc0">
+    <dgm:fillClrLst meth="repeat">
+      <a:schemeClr val="lt1">
+        <a:alpha val="90000"/>
+      </a:schemeClr>
+    </dgm:fillClrLst>
+    <dgm:linClrLst>
+      <a:schemeClr val="accent1"/>
+    </dgm:linClrLst>
+    <dgm:effectClrLst/>
+    <dgm:txLinClrLst/>
+    <dgm:txFillClrLst meth="repeat">
+      <a:schemeClr val="dk1"/>
+    </dgm:txFillClrLst>
+    <dgm:txEffectClrLst/>
+  </dgm:styleLbl>
+  <dgm:styleLbl name="fgAcc2">
+    <dgm:fillClrLst meth="repeat">
+      <a:schemeClr val="lt1">
+        <a:alpha val="90000"/>
+      </a:schemeClr>
+    </dgm:fillClrLst>
+    <dgm:linClrLst>
+      <a:schemeClr val="accent2"/>
+    </dgm:linClrLst>
+    <dgm:effectClrLst/>
+    <dgm:txLinClrLst/>
+    <dgm:txFillClrLst meth="repeat">
+      <a:schemeClr val="dk1"/>
+    </dgm:txFillClrLst>
+    <dgm:txEffectClrLst/>
+  </dgm:styleLbl>
+  <dgm:styleLbl name="fgAcc3">
+    <dgm:fillClrLst meth="repeat">
+      <a:schemeClr val="lt1">
+        <a:alpha val="90000"/>
+      </a:schemeClr>
+    </dgm:fillClrLst>
+    <dgm:linClrLst>
+      <a:schemeClr val="accent3"/>
+    </dgm:linClrLst>
+    <dgm:effectClrLst/>
+    <dgm:txLinClrLst/>
+    <dgm:txFillClrLst meth="repeat">
+      <a:schemeClr val="dk1"/>
+    </dgm:txFillClrLst>
+    <dgm:txEffectClrLst/>
+  </dgm:styleLbl>
+  <dgm:styleLbl name="fgAcc4">
+    <dgm:fillClrLst meth="repeat">
+      <a:schemeClr val="lt1">
+        <a:alpha val="90000"/>
+      </a:schemeClr>
+    </dgm:fillClrLst>
+    <dgm:linClrLst>
+      <a:schemeClr val="accent4"/>
+    </dgm:linClrLst>
+    <dgm:effectClrLst/>
+    <dgm:txLinClrLst/>
+    <dgm:txFillClrLst meth="repeat">
+      <a:schemeClr val="dk1"/>
+    </dgm:txFillClrLst>
+    <dgm:txEffectClrLst/>
+  </dgm:styleLbl>
+  <dgm:styleLbl name="bgShp">
+    <dgm:fillClrLst meth="repeat">
+      <a:schemeClr val="accent2">
+        <a:tint val="40000"/>
+      </a:schemeClr>
+    </dgm:fillClrLst>
+    <dgm:linClrLst meth="repeat">
+      <a:schemeClr val="dk1"/>
+    </dgm:linClrLst>
+    <dgm:effectClrLst/>
+    <dgm:txLinClrLst/>
+    <dgm:txFillClrLst meth="repeat">
+      <a:schemeClr val="dk1"/>
+    </dgm:txFillClrLst>
+    <dgm:txEffectClrLst/>
+  </dgm:styleLbl>
+  <dgm:styleLbl name="dkBgShp">
+    <dgm:fillClrLst meth="repeat">
+      <a:schemeClr val="accent2">
+        <a:shade val="90000"/>
+      </a:schemeClr>
+    </dgm:fillClrLst>
+    <dgm:linClrLst meth="repeat">
+      <a:schemeClr val="dk1"/>
+    </dgm:linClrLst>
+    <dgm:effectClrLst/>
+    <dgm:txLinClrLst/>
+    <dgm:txFillClrLst meth="repeat">
+      <a:schemeClr val="lt1"/>
+    </dgm:txFillClrLst>
+    <dgm:txEffectClrLst/>
+  </dgm:styleLbl>
+  <dgm:styleLbl name="trBgShp">
+    <dgm:fillClrLst meth="repeat">
+      <a:schemeClr val="accent1">
+        <a:tint val="50000"/>
+        <a:alpha val="40000"/>
+      </a:schemeClr>
+    </dgm:fillClrLst>
+    <dgm:linClrLst meth="repeat">
+      <a:schemeClr val="accent2"/>
+    </dgm:linClrLst>
+    <dgm:effectClrLst/>
+    <dgm:txLinClrLst/>
+    <dgm:txFillClrLst meth="repeat">
+      <a:schemeClr val="lt1"/>
+    </dgm:txFillClrLst>
+    <dgm:txEffectClrLst/>
+  </dgm:styleLbl>
+  <dgm:styleLbl name="fgShp">
+    <dgm:fillClrLst meth="repeat">
+      <a:schemeClr val="accent2">
+        <a:tint val="40000"/>
+      </a:schemeClr>
+    </dgm:fillClrLst>
+    <dgm:linClrLst meth="repeat">
+      <a:schemeClr val="lt1"/>
+    </dgm:linClrLst>
+    <dgm:effectClrLst/>
+    <dgm:txLinClrLst/>
+    <dgm:txFillClrLst meth="repeat">
+      <a:schemeClr val="dk1"/>
+    </dgm:txFillClrLst>
+    <dgm:txEffectClrLst/>
+  </dgm:styleLbl>
+  <dgm:styleLbl name="revTx">
+    <dgm:fillClrLst meth="repeat">
+      <a:schemeClr val="lt1">
+        <a:alpha val="0"/>
+      </a:schemeClr>
+    </dgm:fillClrLst>
+    <dgm:linClrLst meth="repeat">
+      <a:schemeClr val="dk1">
+        <a:alpha val="0"/>
+      </a:schemeClr>
+    </dgm:linClrLst>
+    <dgm:effectClrLst/>
+    <dgm:txLinClrLst/>
+    <dgm:txFillClrLst meth="repeat">
+      <a:schemeClr val="tx1"/>
+    </dgm:txFillClrLst>
+    <dgm:txEffectClrLst/>
+  </dgm:styleLbl>
+</dgm:colorsDef>
+</file>
+
+<file path=ppt/diagrams/data1.xml><?xml version="1.0" encoding="utf-8"?>
+<dgm:dataModel xmlns:dgm="http://schemas.openxmlformats.org/drawingml/2006/diagram" xmlns:a="http://schemas.openxmlformats.org/drawingml/2006/main">
+  <dgm:ptLst>
+    <dgm:pt modelId="{BA9F9989-9438-4C8B-9425-F94F320383FD}" type="doc">
+      <dgm:prSet loTypeId="urn:microsoft.com/office/officeart/2005/8/layout/list1" loCatId="list" qsTypeId="urn:microsoft.com/office/officeart/2005/8/quickstyle/simple2" qsCatId="simple" csTypeId="urn:microsoft.com/office/officeart/2005/8/colors/colorful1" csCatId="colorful"/>
+      <dgm:spPr/>
+      <dgm:t>
+        <a:bodyPr/>
+        <a:lstStyle/>
+        <a:p>
+          <a:endParaRPr lang="en-US"/>
+        </a:p>
+      </dgm:t>
+    </dgm:pt>
+    <dgm:pt modelId="{9C4126C0-6B07-4DDB-B492-4659F4EDF3D8}">
+      <dgm:prSet/>
+      <dgm:spPr/>
+      <dgm:t>
+        <a:bodyPr/>
+        <a:lstStyle/>
+        <a:p>
+          <a:r>
+            <a:rPr lang="nl-NL"/>
+            <a:t>Greedy algoritmes</a:t>
+          </a:r>
+          <a:endParaRPr lang="en-US"/>
+        </a:p>
+      </dgm:t>
+    </dgm:pt>
+    <dgm:pt modelId="{D8455DEF-6E4B-4726-815A-161367F56EB9}" type="parTrans" cxnId="{30201043-3A6F-4079-A654-6D7D7E3CD30E}">
+      <dgm:prSet/>
+      <dgm:spPr/>
+      <dgm:t>
+        <a:bodyPr/>
+        <a:lstStyle/>
+        <a:p>
+          <a:endParaRPr lang="en-US"/>
+        </a:p>
+      </dgm:t>
+    </dgm:pt>
+    <dgm:pt modelId="{853B0DE9-9B60-475C-A450-C349BADFC530}" type="sibTrans" cxnId="{30201043-3A6F-4079-A654-6D7D7E3CD30E}">
+      <dgm:prSet/>
+      <dgm:spPr/>
+      <dgm:t>
+        <a:bodyPr/>
+        <a:lstStyle/>
+        <a:p>
+          <a:endParaRPr lang="en-US"/>
+        </a:p>
+      </dgm:t>
+    </dgm:pt>
+    <dgm:pt modelId="{3053332E-D3DB-4B8C-AE77-D85FD628D7E0}">
+      <dgm:prSet/>
+      <dgm:spPr/>
+      <dgm:t>
+        <a:bodyPr/>
+        <a:lstStyle/>
+        <a:p>
+          <a:r>
+            <a:rPr lang="nl-NL"/>
+            <a:t>Proximity first</a:t>
+          </a:r>
+          <a:endParaRPr lang="en-US"/>
+        </a:p>
+      </dgm:t>
+    </dgm:pt>
+    <dgm:pt modelId="{101D3EC1-1B04-450A-A0B2-84034A53003D}" type="parTrans" cxnId="{48EB18CC-4CE8-4811-AF77-01C0538A1FD9}">
+      <dgm:prSet/>
+      <dgm:spPr/>
+      <dgm:t>
+        <a:bodyPr/>
+        <a:lstStyle/>
+        <a:p>
+          <a:endParaRPr lang="en-US"/>
+        </a:p>
+      </dgm:t>
+    </dgm:pt>
+    <dgm:pt modelId="{A4C664F1-35BA-4DB3-9DA6-6402D68C68C0}" type="sibTrans" cxnId="{48EB18CC-4CE8-4811-AF77-01C0538A1FD9}">
+      <dgm:prSet/>
+      <dgm:spPr/>
+      <dgm:t>
+        <a:bodyPr/>
+        <a:lstStyle/>
+        <a:p>
+          <a:endParaRPr lang="en-US"/>
+        </a:p>
+      </dgm:t>
+    </dgm:pt>
+    <dgm:pt modelId="{E0031C8F-5D70-4EA2-857A-A633837FBEC8}">
+      <dgm:prSet/>
+      <dgm:spPr/>
+      <dgm:t>
+        <a:bodyPr/>
+        <a:lstStyle/>
+        <a:p>
+          <a:r>
+            <a:rPr lang="nl-NL"/>
+            <a:t>Priority first </a:t>
+          </a:r>
+          <a:endParaRPr lang="en-US"/>
+        </a:p>
+      </dgm:t>
+    </dgm:pt>
+    <dgm:pt modelId="{5F4EF780-8ADD-4BDC-AE32-FAD5AEDC96DA}" type="parTrans" cxnId="{8F916359-F904-4F6E-A256-8CFB3CC1818F}">
+      <dgm:prSet/>
+      <dgm:spPr/>
+      <dgm:t>
+        <a:bodyPr/>
+        <a:lstStyle/>
+        <a:p>
+          <a:endParaRPr lang="en-US"/>
+        </a:p>
+      </dgm:t>
+    </dgm:pt>
+    <dgm:pt modelId="{6D3DDAD5-C840-46CE-AE88-7E60DA2CA245}" type="sibTrans" cxnId="{8F916359-F904-4F6E-A256-8CFB3CC1818F}">
+      <dgm:prSet/>
+      <dgm:spPr/>
+      <dgm:t>
+        <a:bodyPr/>
+        <a:lstStyle/>
+        <a:p>
+          <a:endParaRPr lang="en-US"/>
+        </a:p>
+      </dgm:t>
+    </dgm:pt>
+    <dgm:pt modelId="{D5E24C11-EF86-4413-A454-CB335043969B}">
+      <dgm:prSet/>
+      <dgm:spPr/>
+      <dgm:t>
+        <a:bodyPr/>
+        <a:lstStyle/>
+        <a:p>
+          <a:r>
+            <a:rPr lang="nl-NL"/>
+            <a:t>(Random) Hillclimber algoritme</a:t>
+          </a:r>
+          <a:endParaRPr lang="en-US"/>
+        </a:p>
+      </dgm:t>
+    </dgm:pt>
+    <dgm:pt modelId="{F7E33FB3-8CEF-4E96-A803-2695F740231F}" type="parTrans" cxnId="{301624AF-0695-432D-9751-A231F3D32691}">
+      <dgm:prSet/>
+      <dgm:spPr/>
+      <dgm:t>
+        <a:bodyPr/>
+        <a:lstStyle/>
+        <a:p>
+          <a:endParaRPr lang="en-US"/>
+        </a:p>
+      </dgm:t>
+    </dgm:pt>
+    <dgm:pt modelId="{2E381B34-AE85-4A66-B86B-0641819B64A4}" type="sibTrans" cxnId="{301624AF-0695-432D-9751-A231F3D32691}">
+      <dgm:prSet/>
+      <dgm:spPr/>
+      <dgm:t>
+        <a:bodyPr/>
+        <a:lstStyle/>
+        <a:p>
+          <a:endParaRPr lang="en-US"/>
+        </a:p>
+      </dgm:t>
+    </dgm:pt>
+    <dgm:pt modelId="{D39232DA-1AD1-4A28-818E-88F919F6472C}">
+      <dgm:prSet/>
+      <dgm:spPr/>
+      <dgm:t>
+        <a:bodyPr/>
+        <a:lstStyle/>
+        <a:p>
+          <a:r>
+            <a:rPr lang="nl-NL"/>
+            <a:t>Met een beginsituatie</a:t>
+          </a:r>
+          <a:endParaRPr lang="en-US"/>
+        </a:p>
+      </dgm:t>
+    </dgm:pt>
+    <dgm:pt modelId="{5EF9C8AD-3845-407D-BCA5-B63AC83B1367}" type="parTrans" cxnId="{F3A5270A-0534-4CD7-824A-8A2C54D1499C}">
+      <dgm:prSet/>
+      <dgm:spPr/>
+      <dgm:t>
+        <a:bodyPr/>
+        <a:lstStyle/>
+        <a:p>
+          <a:endParaRPr lang="en-US"/>
+        </a:p>
+      </dgm:t>
+    </dgm:pt>
+    <dgm:pt modelId="{25320BEC-CE73-4401-83B5-D3366987D3EC}" type="sibTrans" cxnId="{F3A5270A-0534-4CD7-824A-8A2C54D1499C}">
+      <dgm:prSet/>
+      <dgm:spPr/>
+      <dgm:t>
+        <a:bodyPr/>
+        <a:lstStyle/>
+        <a:p>
+          <a:endParaRPr lang="en-US"/>
+        </a:p>
+      </dgm:t>
+    </dgm:pt>
+    <dgm:pt modelId="{F629DDCD-263B-4882-A49C-22EFBC9AA203}">
+      <dgm:prSet/>
+      <dgm:spPr/>
+      <dgm:t>
+        <a:bodyPr/>
+        <a:lstStyle/>
+        <a:p>
+          <a:r>
+            <a:rPr lang="nl-NL" dirty="0"/>
+            <a:t>Kies twee random huizen</a:t>
+          </a:r>
+          <a:endParaRPr lang="en-US" dirty="0"/>
+        </a:p>
+      </dgm:t>
+    </dgm:pt>
+    <dgm:pt modelId="{AC7E8B1A-12CC-45E5-916A-2126C4DD8E1A}" type="parTrans" cxnId="{E039758A-BCAB-4EB3-91A6-C4D01868E65A}">
+      <dgm:prSet/>
+      <dgm:spPr/>
+      <dgm:t>
+        <a:bodyPr/>
+        <a:lstStyle/>
+        <a:p>
+          <a:endParaRPr lang="en-US"/>
+        </a:p>
+      </dgm:t>
+    </dgm:pt>
+    <dgm:pt modelId="{28B6DE47-5F95-43F1-8626-405C8E0792B4}" type="sibTrans" cxnId="{E039758A-BCAB-4EB3-91A6-C4D01868E65A}">
+      <dgm:prSet/>
+      <dgm:spPr/>
+      <dgm:t>
+        <a:bodyPr/>
+        <a:lstStyle/>
+        <a:p>
+          <a:endParaRPr lang="en-US"/>
+        </a:p>
+      </dgm:t>
+    </dgm:pt>
+    <dgm:pt modelId="{718E7EAC-BFB9-4D5C-A955-89B20964C6C8}">
+      <dgm:prSet/>
+      <dgm:spPr/>
+      <dgm:t>
+        <a:bodyPr/>
+        <a:lstStyle/>
+        <a:p>
+          <a:r>
+            <a:rPr lang="nl-NL"/>
+            <a:t>Als het ruilen van batterijen goedkoper is: wissel ze</a:t>
+          </a:r>
+          <a:endParaRPr lang="en-US"/>
+        </a:p>
+      </dgm:t>
+    </dgm:pt>
+    <dgm:pt modelId="{CC0803FC-884A-4280-9C38-1918229DC50F}" type="parTrans" cxnId="{9E31A17C-2ECF-4350-8715-005823614A15}">
+      <dgm:prSet/>
+      <dgm:spPr/>
+      <dgm:t>
+        <a:bodyPr/>
+        <a:lstStyle/>
+        <a:p>
+          <a:endParaRPr lang="en-US"/>
+        </a:p>
+      </dgm:t>
+    </dgm:pt>
+    <dgm:pt modelId="{A2CEB18E-FC84-4205-AA3A-A56D4243B059}" type="sibTrans" cxnId="{9E31A17C-2ECF-4350-8715-005823614A15}">
+      <dgm:prSet/>
+      <dgm:spPr/>
+      <dgm:t>
+        <a:bodyPr/>
+        <a:lstStyle/>
+        <a:p>
+          <a:endParaRPr lang="en-US"/>
+        </a:p>
+      </dgm:t>
+    </dgm:pt>
+    <dgm:pt modelId="{5D630462-5089-4B22-93D0-B57D7F15F0D7}">
+      <dgm:prSet/>
+      <dgm:spPr/>
+      <dgm:t>
+        <a:bodyPr/>
+        <a:lstStyle/>
+        <a:p>
+          <a:r>
+            <a:rPr lang="nl-NL"/>
+            <a:t>Doe dit zolang er 150 * 149 = 22350 keer niet gewisseld is</a:t>
+          </a:r>
+          <a:endParaRPr lang="en-US"/>
+        </a:p>
+      </dgm:t>
+    </dgm:pt>
+    <dgm:pt modelId="{47F19806-7B56-413C-A094-D2FCCD4CC680}" type="parTrans" cxnId="{F9AA6DD8-362E-4984-98C8-11920255F9E1}">
+      <dgm:prSet/>
+      <dgm:spPr/>
+      <dgm:t>
+        <a:bodyPr/>
+        <a:lstStyle/>
+        <a:p>
+          <a:endParaRPr lang="en-US"/>
+        </a:p>
+      </dgm:t>
+    </dgm:pt>
+    <dgm:pt modelId="{4939ED5A-A4E0-4236-84E1-E6BDBF2B2F6D}" type="sibTrans" cxnId="{F9AA6DD8-362E-4984-98C8-11920255F9E1}">
+      <dgm:prSet/>
+      <dgm:spPr/>
+      <dgm:t>
+        <a:bodyPr/>
+        <a:lstStyle/>
+        <a:p>
+          <a:endParaRPr lang="en-US"/>
+        </a:p>
+      </dgm:t>
+    </dgm:pt>
+    <dgm:pt modelId="{EFEE32CD-55B5-420B-AFC1-639AA6514897}">
+      <dgm:prSet/>
+      <dgm:spPr/>
+      <dgm:t>
+        <a:bodyPr/>
+        <a:lstStyle/>
+        <a:p>
+          <a:r>
+            <a:rPr lang="nl-NL"/>
+            <a:t>Capacity fixer</a:t>
+          </a:r>
+          <a:endParaRPr lang="en-US"/>
+        </a:p>
+      </dgm:t>
+    </dgm:pt>
+    <dgm:pt modelId="{4ADDE157-D1B4-40BA-8354-61251F5BA535}" type="parTrans" cxnId="{025CC270-04AF-4BC3-9410-5EB347D7824C}">
+      <dgm:prSet/>
+      <dgm:spPr/>
+      <dgm:t>
+        <a:bodyPr/>
+        <a:lstStyle/>
+        <a:p>
+          <a:endParaRPr lang="en-US"/>
+        </a:p>
+      </dgm:t>
+    </dgm:pt>
+    <dgm:pt modelId="{E13517AB-F8A6-4A38-888D-295229F3FF2C}" type="sibTrans" cxnId="{025CC270-04AF-4BC3-9410-5EB347D7824C}">
+      <dgm:prSet/>
+      <dgm:spPr/>
+      <dgm:t>
+        <a:bodyPr/>
+        <a:lstStyle/>
+        <a:p>
+          <a:endParaRPr lang="en-US"/>
+        </a:p>
+      </dgm:t>
+    </dgm:pt>
+    <dgm:pt modelId="{13B796CA-4325-4F32-BEBA-7AC1365D0826}">
+      <dgm:prSet/>
+      <dgm:spPr/>
+      <dgm:t>
+        <a:bodyPr/>
+        <a:lstStyle/>
+        <a:p>
+          <a:r>
+            <a:rPr lang="nl-NL"/>
+            <a:t>Als er een huis overblijft die op geen enkele batterij past, wissel dan huizen totdat er ruimte overblijft</a:t>
+          </a:r>
+          <a:endParaRPr lang="en-US"/>
+        </a:p>
+      </dgm:t>
+    </dgm:pt>
+    <dgm:pt modelId="{3C2286E5-41ED-4601-97CB-6A0D7769C01E}" type="parTrans" cxnId="{B61F282E-DF8E-4EAD-822C-6D5DC4CC6D13}">
+      <dgm:prSet/>
+      <dgm:spPr/>
+      <dgm:t>
+        <a:bodyPr/>
+        <a:lstStyle/>
+        <a:p>
+          <a:endParaRPr lang="en-US"/>
+        </a:p>
+      </dgm:t>
+    </dgm:pt>
+    <dgm:pt modelId="{64CF9FF1-51A5-4B6E-88B2-69B320C8B6AE}" type="sibTrans" cxnId="{B61F282E-DF8E-4EAD-822C-6D5DC4CC6D13}">
+      <dgm:prSet/>
+      <dgm:spPr/>
+      <dgm:t>
+        <a:bodyPr/>
+        <a:lstStyle/>
+        <a:p>
+          <a:endParaRPr lang="en-US"/>
+        </a:p>
+      </dgm:t>
+    </dgm:pt>
+    <dgm:pt modelId="{A9D3EC52-4C26-41A0-8627-B4B55D9CBA31}" type="pres">
+      <dgm:prSet presAssocID="{BA9F9989-9438-4C8B-9425-F94F320383FD}" presName="linear" presStyleCnt="0">
+        <dgm:presLayoutVars>
+          <dgm:dir/>
+          <dgm:animLvl val="lvl"/>
+          <dgm:resizeHandles val="exact"/>
+        </dgm:presLayoutVars>
+      </dgm:prSet>
+      <dgm:spPr/>
+    </dgm:pt>
+    <dgm:pt modelId="{68511679-8AC7-48FD-9655-9B161933F99A}" type="pres">
+      <dgm:prSet presAssocID="{9C4126C0-6B07-4DDB-B492-4659F4EDF3D8}" presName="parentLin" presStyleCnt="0"/>
+      <dgm:spPr/>
+    </dgm:pt>
+    <dgm:pt modelId="{C68A936D-53D9-4BB3-9EF0-B166B9F39ADB}" type="pres">
+      <dgm:prSet presAssocID="{9C4126C0-6B07-4DDB-B492-4659F4EDF3D8}" presName="parentLeftMargin" presStyleLbl="node1" presStyleIdx="0" presStyleCnt="3"/>
+      <dgm:spPr/>
+    </dgm:pt>
+    <dgm:pt modelId="{B1ADB415-6DE4-4660-B6EB-56A3930F213C}" type="pres">
+      <dgm:prSet presAssocID="{9C4126C0-6B07-4DDB-B492-4659F4EDF3D8}" presName="parentText" presStyleLbl="node1" presStyleIdx="0" presStyleCnt="3">
+        <dgm:presLayoutVars>
+          <dgm:chMax val="0"/>
+          <dgm:bulletEnabled val="1"/>
+        </dgm:presLayoutVars>
+      </dgm:prSet>
+      <dgm:spPr/>
+    </dgm:pt>
+    <dgm:pt modelId="{D3876872-13D5-4286-B62C-BCCECDDCA2F4}" type="pres">
+      <dgm:prSet presAssocID="{9C4126C0-6B07-4DDB-B492-4659F4EDF3D8}" presName="negativeSpace" presStyleCnt="0"/>
+      <dgm:spPr/>
+    </dgm:pt>
+    <dgm:pt modelId="{D336E596-05DE-4D9D-B595-A5AED3ABE604}" type="pres">
+      <dgm:prSet presAssocID="{9C4126C0-6B07-4DDB-B492-4659F4EDF3D8}" presName="childText" presStyleLbl="conFgAcc1" presStyleIdx="0" presStyleCnt="3">
+        <dgm:presLayoutVars>
+          <dgm:bulletEnabled val="1"/>
+        </dgm:presLayoutVars>
+      </dgm:prSet>
+      <dgm:spPr/>
+    </dgm:pt>
+    <dgm:pt modelId="{19717265-6F78-4308-8D05-7582D7210F10}" type="pres">
+      <dgm:prSet presAssocID="{853B0DE9-9B60-475C-A450-C349BADFC530}" presName="spaceBetweenRectangles" presStyleCnt="0"/>
+      <dgm:spPr/>
+    </dgm:pt>
+    <dgm:pt modelId="{FBC7915D-F3CB-441B-967E-1325901D4565}" type="pres">
+      <dgm:prSet presAssocID="{D5E24C11-EF86-4413-A454-CB335043969B}" presName="parentLin" presStyleCnt="0"/>
+      <dgm:spPr/>
+    </dgm:pt>
+    <dgm:pt modelId="{677825E0-33BE-4F19-94FE-E0841903D07D}" type="pres">
+      <dgm:prSet presAssocID="{D5E24C11-EF86-4413-A454-CB335043969B}" presName="parentLeftMargin" presStyleLbl="node1" presStyleIdx="0" presStyleCnt="3"/>
+      <dgm:spPr/>
+    </dgm:pt>
+    <dgm:pt modelId="{A3FEFBD5-ACA0-4D17-9E0B-16D9F4726231}" type="pres">
+      <dgm:prSet presAssocID="{D5E24C11-EF86-4413-A454-CB335043969B}" presName="parentText" presStyleLbl="node1" presStyleIdx="1" presStyleCnt="3">
+        <dgm:presLayoutVars>
+          <dgm:chMax val="0"/>
+          <dgm:bulletEnabled val="1"/>
+        </dgm:presLayoutVars>
+      </dgm:prSet>
+      <dgm:spPr/>
+    </dgm:pt>
+    <dgm:pt modelId="{3D400F91-069D-4C28-8B00-CC575A2A0B77}" type="pres">
+      <dgm:prSet presAssocID="{D5E24C11-EF86-4413-A454-CB335043969B}" presName="negativeSpace" presStyleCnt="0"/>
+      <dgm:spPr/>
+    </dgm:pt>
+    <dgm:pt modelId="{5C78646C-08E3-4121-B5EA-182F81D4772D}" type="pres">
+      <dgm:prSet presAssocID="{D5E24C11-EF86-4413-A454-CB335043969B}" presName="childText" presStyleLbl="conFgAcc1" presStyleIdx="1" presStyleCnt="3">
+        <dgm:presLayoutVars>
+          <dgm:bulletEnabled val="1"/>
+        </dgm:presLayoutVars>
+      </dgm:prSet>
+      <dgm:spPr/>
+    </dgm:pt>
+    <dgm:pt modelId="{F93273FC-374D-42E1-9C3C-82739A05BFD5}" type="pres">
+      <dgm:prSet presAssocID="{2E381B34-AE85-4A66-B86B-0641819B64A4}" presName="spaceBetweenRectangles" presStyleCnt="0"/>
+      <dgm:spPr/>
+    </dgm:pt>
+    <dgm:pt modelId="{E7989860-BC12-4216-B413-29C348972C9E}" type="pres">
+      <dgm:prSet presAssocID="{EFEE32CD-55B5-420B-AFC1-639AA6514897}" presName="parentLin" presStyleCnt="0"/>
+      <dgm:spPr/>
+    </dgm:pt>
+    <dgm:pt modelId="{0D2E2F8A-B379-473A-A16F-D046E1F268D0}" type="pres">
+      <dgm:prSet presAssocID="{EFEE32CD-55B5-420B-AFC1-639AA6514897}" presName="parentLeftMargin" presStyleLbl="node1" presStyleIdx="1" presStyleCnt="3"/>
+      <dgm:spPr/>
+    </dgm:pt>
+    <dgm:pt modelId="{1D7EFE4E-6D8C-4721-AB42-DCB9D757C084}" type="pres">
+      <dgm:prSet presAssocID="{EFEE32CD-55B5-420B-AFC1-639AA6514897}" presName="parentText" presStyleLbl="node1" presStyleIdx="2" presStyleCnt="3">
+        <dgm:presLayoutVars>
+          <dgm:chMax val="0"/>
+          <dgm:bulletEnabled val="1"/>
+        </dgm:presLayoutVars>
+      </dgm:prSet>
+      <dgm:spPr/>
+    </dgm:pt>
+    <dgm:pt modelId="{C3049A1F-5A51-4C95-8B4B-92127D60ED11}" type="pres">
+      <dgm:prSet presAssocID="{EFEE32CD-55B5-420B-AFC1-639AA6514897}" presName="negativeSpace" presStyleCnt="0"/>
+      <dgm:spPr/>
+    </dgm:pt>
+    <dgm:pt modelId="{6C579210-47C5-4748-B549-3508EFC82CFE}" type="pres">
+      <dgm:prSet presAssocID="{EFEE32CD-55B5-420B-AFC1-639AA6514897}" presName="childText" presStyleLbl="conFgAcc1" presStyleIdx="2" presStyleCnt="3">
+        <dgm:presLayoutVars>
+          <dgm:bulletEnabled val="1"/>
+        </dgm:presLayoutVars>
+      </dgm:prSet>
+      <dgm:spPr/>
+    </dgm:pt>
+  </dgm:ptLst>
+  <dgm:cxnLst>
+    <dgm:cxn modelId="{F3A5270A-0534-4CD7-824A-8A2C54D1499C}" srcId="{D5E24C11-EF86-4413-A454-CB335043969B}" destId="{D39232DA-1AD1-4A28-818E-88F919F6472C}" srcOrd="0" destOrd="0" parTransId="{5EF9C8AD-3845-407D-BCA5-B63AC83B1367}" sibTransId="{25320BEC-CE73-4401-83B5-D3366987D3EC}"/>
+    <dgm:cxn modelId="{72122A29-1BE1-4DE4-9D28-0A60B1006B37}" type="presOf" srcId="{F629DDCD-263B-4882-A49C-22EFBC9AA203}" destId="{5C78646C-08E3-4121-B5EA-182F81D4772D}" srcOrd="0" destOrd="1" presId="urn:microsoft.com/office/officeart/2005/8/layout/list1"/>
+    <dgm:cxn modelId="{F98D412D-E2A8-47F9-995B-759AFA0D0652}" type="presOf" srcId="{BA9F9989-9438-4C8B-9425-F94F320383FD}" destId="{A9D3EC52-4C26-41A0-8627-B4B55D9CBA31}" srcOrd="0" destOrd="0" presId="urn:microsoft.com/office/officeart/2005/8/layout/list1"/>
+    <dgm:cxn modelId="{2ECC1A2E-82B8-45A1-8D78-0555435FF0A3}" type="presOf" srcId="{D5E24C11-EF86-4413-A454-CB335043969B}" destId="{677825E0-33BE-4F19-94FE-E0841903D07D}" srcOrd="0" destOrd="0" presId="urn:microsoft.com/office/officeart/2005/8/layout/list1"/>
+    <dgm:cxn modelId="{B61F282E-DF8E-4EAD-822C-6D5DC4CC6D13}" srcId="{EFEE32CD-55B5-420B-AFC1-639AA6514897}" destId="{13B796CA-4325-4F32-BEBA-7AC1365D0826}" srcOrd="0" destOrd="0" parTransId="{3C2286E5-41ED-4601-97CB-6A0D7769C01E}" sibTransId="{64CF9FF1-51A5-4B6E-88B2-69B320C8B6AE}"/>
+    <dgm:cxn modelId="{30201043-3A6F-4079-A654-6D7D7E3CD30E}" srcId="{BA9F9989-9438-4C8B-9425-F94F320383FD}" destId="{9C4126C0-6B07-4DDB-B492-4659F4EDF3D8}" srcOrd="0" destOrd="0" parTransId="{D8455DEF-6E4B-4726-815A-161367F56EB9}" sibTransId="{853B0DE9-9B60-475C-A450-C349BADFC530}"/>
+    <dgm:cxn modelId="{1C760770-499A-457E-8052-96D8E79709A9}" type="presOf" srcId="{D5E24C11-EF86-4413-A454-CB335043969B}" destId="{A3FEFBD5-ACA0-4D17-9E0B-16D9F4726231}" srcOrd="1" destOrd="0" presId="urn:microsoft.com/office/officeart/2005/8/layout/list1"/>
+    <dgm:cxn modelId="{1AD11A50-F2FA-4C86-B598-2D96C078C6E2}" type="presOf" srcId="{D39232DA-1AD1-4A28-818E-88F919F6472C}" destId="{5C78646C-08E3-4121-B5EA-182F81D4772D}" srcOrd="0" destOrd="0" presId="urn:microsoft.com/office/officeart/2005/8/layout/list1"/>
+    <dgm:cxn modelId="{025CC270-04AF-4BC3-9410-5EB347D7824C}" srcId="{BA9F9989-9438-4C8B-9425-F94F320383FD}" destId="{EFEE32CD-55B5-420B-AFC1-639AA6514897}" srcOrd="2" destOrd="0" parTransId="{4ADDE157-D1B4-40BA-8354-61251F5BA535}" sibTransId="{E13517AB-F8A6-4A38-888D-295229F3FF2C}"/>
+    <dgm:cxn modelId="{8F916359-F904-4F6E-A256-8CFB3CC1818F}" srcId="{9C4126C0-6B07-4DDB-B492-4659F4EDF3D8}" destId="{E0031C8F-5D70-4EA2-857A-A633837FBEC8}" srcOrd="1" destOrd="0" parTransId="{5F4EF780-8ADD-4BDC-AE32-FAD5AEDC96DA}" sibTransId="{6D3DDAD5-C840-46CE-AE88-7E60DA2CA245}"/>
+    <dgm:cxn modelId="{9E31A17C-2ECF-4350-8715-005823614A15}" srcId="{F629DDCD-263B-4882-A49C-22EFBC9AA203}" destId="{718E7EAC-BFB9-4D5C-A955-89B20964C6C8}" srcOrd="0" destOrd="0" parTransId="{CC0803FC-884A-4280-9C38-1918229DC50F}" sibTransId="{A2CEB18E-FC84-4205-AA3A-A56D4243B059}"/>
+    <dgm:cxn modelId="{61CD0988-F5D6-4D75-8FAB-A6D4DD6C6946}" type="presOf" srcId="{9C4126C0-6B07-4DDB-B492-4659F4EDF3D8}" destId="{B1ADB415-6DE4-4660-B6EB-56A3930F213C}" srcOrd="1" destOrd="0" presId="urn:microsoft.com/office/officeart/2005/8/layout/list1"/>
+    <dgm:cxn modelId="{E039758A-BCAB-4EB3-91A6-C4D01868E65A}" srcId="{D5E24C11-EF86-4413-A454-CB335043969B}" destId="{F629DDCD-263B-4882-A49C-22EFBC9AA203}" srcOrd="1" destOrd="0" parTransId="{AC7E8B1A-12CC-45E5-916A-2126C4DD8E1A}" sibTransId="{28B6DE47-5F95-43F1-8626-405C8E0792B4}"/>
+    <dgm:cxn modelId="{E4378090-DBC9-490D-A8B1-A65EC898EC8C}" type="presOf" srcId="{EFEE32CD-55B5-420B-AFC1-639AA6514897}" destId="{0D2E2F8A-B379-473A-A16F-D046E1F268D0}" srcOrd="0" destOrd="0" presId="urn:microsoft.com/office/officeart/2005/8/layout/list1"/>
+    <dgm:cxn modelId="{91C7BF90-AF7E-44E2-9029-029CC358A953}" type="presOf" srcId="{E0031C8F-5D70-4EA2-857A-A633837FBEC8}" destId="{D336E596-05DE-4D9D-B595-A5AED3ABE604}" srcOrd="0" destOrd="1" presId="urn:microsoft.com/office/officeart/2005/8/layout/list1"/>
+    <dgm:cxn modelId="{20AF7096-6F61-4B1D-8289-429F5030DF00}" type="presOf" srcId="{3053332E-D3DB-4B8C-AE77-D85FD628D7E0}" destId="{D336E596-05DE-4D9D-B595-A5AED3ABE604}" srcOrd="0" destOrd="0" presId="urn:microsoft.com/office/officeart/2005/8/layout/list1"/>
+    <dgm:cxn modelId="{463DEF9A-EC70-4E6E-B3FA-DFE383ACF0F5}" type="presOf" srcId="{718E7EAC-BFB9-4D5C-A955-89B20964C6C8}" destId="{5C78646C-08E3-4121-B5EA-182F81D4772D}" srcOrd="0" destOrd="2" presId="urn:microsoft.com/office/officeart/2005/8/layout/list1"/>
+    <dgm:cxn modelId="{A815019E-AEFE-4987-82E4-5763F1702682}" type="presOf" srcId="{9C4126C0-6B07-4DDB-B492-4659F4EDF3D8}" destId="{C68A936D-53D9-4BB3-9EF0-B166B9F39ADB}" srcOrd="0" destOrd="0" presId="urn:microsoft.com/office/officeart/2005/8/layout/list1"/>
+    <dgm:cxn modelId="{301624AF-0695-432D-9751-A231F3D32691}" srcId="{BA9F9989-9438-4C8B-9425-F94F320383FD}" destId="{D5E24C11-EF86-4413-A454-CB335043969B}" srcOrd="1" destOrd="0" parTransId="{F7E33FB3-8CEF-4E96-A803-2695F740231F}" sibTransId="{2E381B34-AE85-4A66-B86B-0641819B64A4}"/>
+    <dgm:cxn modelId="{63F538B2-E764-43E6-839F-3162D468A653}" type="presOf" srcId="{EFEE32CD-55B5-420B-AFC1-639AA6514897}" destId="{1D7EFE4E-6D8C-4721-AB42-DCB9D757C084}" srcOrd="1" destOrd="0" presId="urn:microsoft.com/office/officeart/2005/8/layout/list1"/>
+    <dgm:cxn modelId="{EF9DA4CB-96A9-4741-B162-BD43006E1AEC}" type="presOf" srcId="{5D630462-5089-4B22-93D0-B57D7F15F0D7}" destId="{5C78646C-08E3-4121-B5EA-182F81D4772D}" srcOrd="0" destOrd="3" presId="urn:microsoft.com/office/officeart/2005/8/layout/list1"/>
+    <dgm:cxn modelId="{48EB18CC-4CE8-4811-AF77-01C0538A1FD9}" srcId="{9C4126C0-6B07-4DDB-B492-4659F4EDF3D8}" destId="{3053332E-D3DB-4B8C-AE77-D85FD628D7E0}" srcOrd="0" destOrd="0" parTransId="{101D3EC1-1B04-450A-A0B2-84034A53003D}" sibTransId="{A4C664F1-35BA-4DB3-9DA6-6402D68C68C0}"/>
+    <dgm:cxn modelId="{F9AA6DD8-362E-4984-98C8-11920255F9E1}" srcId="{D5E24C11-EF86-4413-A454-CB335043969B}" destId="{5D630462-5089-4B22-93D0-B57D7F15F0D7}" srcOrd="2" destOrd="0" parTransId="{47F19806-7B56-413C-A094-D2FCCD4CC680}" sibTransId="{4939ED5A-A4E0-4236-84E1-E6BDBF2B2F6D}"/>
+    <dgm:cxn modelId="{1A934CEF-F5B4-4CDD-AB03-11CB6F97CA1A}" type="presOf" srcId="{13B796CA-4325-4F32-BEBA-7AC1365D0826}" destId="{6C579210-47C5-4748-B549-3508EFC82CFE}" srcOrd="0" destOrd="0" presId="urn:microsoft.com/office/officeart/2005/8/layout/list1"/>
+    <dgm:cxn modelId="{BBE847B8-4FBA-47C3-8900-40224BA8B10B}" type="presParOf" srcId="{A9D3EC52-4C26-41A0-8627-B4B55D9CBA31}" destId="{68511679-8AC7-48FD-9655-9B161933F99A}" srcOrd="0" destOrd="0" presId="urn:microsoft.com/office/officeart/2005/8/layout/list1"/>
+    <dgm:cxn modelId="{FE6E8016-2E58-4878-B069-3C6C2473EE18}" type="presParOf" srcId="{68511679-8AC7-48FD-9655-9B161933F99A}" destId="{C68A936D-53D9-4BB3-9EF0-B166B9F39ADB}" srcOrd="0" destOrd="0" presId="urn:microsoft.com/office/officeart/2005/8/layout/list1"/>
+    <dgm:cxn modelId="{69E39EBC-4D70-4EBA-8966-50276D2640E1}" type="presParOf" srcId="{68511679-8AC7-48FD-9655-9B161933F99A}" destId="{B1ADB415-6DE4-4660-B6EB-56A3930F213C}" srcOrd="1" destOrd="0" presId="urn:microsoft.com/office/officeart/2005/8/layout/list1"/>
+    <dgm:cxn modelId="{0F32EA3F-5D7B-4E8A-B4F2-AD8CEDB10737}" type="presParOf" srcId="{A9D3EC52-4C26-41A0-8627-B4B55D9CBA31}" destId="{D3876872-13D5-4286-B62C-BCCECDDCA2F4}" srcOrd="1" destOrd="0" presId="urn:microsoft.com/office/officeart/2005/8/layout/list1"/>
+    <dgm:cxn modelId="{41E2D2CF-4B08-4FF3-A33A-5D1B25807ADE}" type="presParOf" srcId="{A9D3EC52-4C26-41A0-8627-B4B55D9CBA31}" destId="{D336E596-05DE-4D9D-B595-A5AED3ABE604}" srcOrd="2" destOrd="0" presId="urn:microsoft.com/office/officeart/2005/8/layout/list1"/>
+    <dgm:cxn modelId="{C042B6ED-BED7-4F23-B11F-0355FA36FCAE}" type="presParOf" srcId="{A9D3EC52-4C26-41A0-8627-B4B55D9CBA31}" destId="{19717265-6F78-4308-8D05-7582D7210F10}" srcOrd="3" destOrd="0" presId="urn:microsoft.com/office/officeart/2005/8/layout/list1"/>
+    <dgm:cxn modelId="{0EB80FBF-9910-4A46-8C1A-B43557EDFAD3}" type="presParOf" srcId="{A9D3EC52-4C26-41A0-8627-B4B55D9CBA31}" destId="{FBC7915D-F3CB-441B-967E-1325901D4565}" srcOrd="4" destOrd="0" presId="urn:microsoft.com/office/officeart/2005/8/layout/list1"/>
+    <dgm:cxn modelId="{13A2CE9A-E5B0-41BC-BEB4-B1CCDCAD2C3B}" type="presParOf" srcId="{FBC7915D-F3CB-441B-967E-1325901D4565}" destId="{677825E0-33BE-4F19-94FE-E0841903D07D}" srcOrd="0" destOrd="0" presId="urn:microsoft.com/office/officeart/2005/8/layout/list1"/>
+    <dgm:cxn modelId="{576E22A2-5D8B-4E56-9976-10932799B15F}" type="presParOf" srcId="{FBC7915D-F3CB-441B-967E-1325901D4565}" destId="{A3FEFBD5-ACA0-4D17-9E0B-16D9F4726231}" srcOrd="1" destOrd="0" presId="urn:microsoft.com/office/officeart/2005/8/layout/list1"/>
+    <dgm:cxn modelId="{E9C5ABED-0A19-43ED-8152-2792FF246CF5}" type="presParOf" srcId="{A9D3EC52-4C26-41A0-8627-B4B55D9CBA31}" destId="{3D400F91-069D-4C28-8B00-CC575A2A0B77}" srcOrd="5" destOrd="0" presId="urn:microsoft.com/office/officeart/2005/8/layout/list1"/>
+    <dgm:cxn modelId="{FD7D51CB-5CA2-47AE-AB34-30CC18CE2CFC}" type="presParOf" srcId="{A9D3EC52-4C26-41A0-8627-B4B55D9CBA31}" destId="{5C78646C-08E3-4121-B5EA-182F81D4772D}" srcOrd="6" destOrd="0" presId="urn:microsoft.com/office/officeart/2005/8/layout/list1"/>
+    <dgm:cxn modelId="{4771749B-C97B-4CBA-9F03-3A450C3C7EF9}" type="presParOf" srcId="{A9D3EC52-4C26-41A0-8627-B4B55D9CBA31}" destId="{F93273FC-374D-42E1-9C3C-82739A05BFD5}" srcOrd="7" destOrd="0" presId="urn:microsoft.com/office/officeart/2005/8/layout/list1"/>
+    <dgm:cxn modelId="{674190F7-5D83-4D55-93E3-F0F336709A2A}" type="presParOf" srcId="{A9D3EC52-4C26-41A0-8627-B4B55D9CBA31}" destId="{E7989860-BC12-4216-B413-29C348972C9E}" srcOrd="8" destOrd="0" presId="urn:microsoft.com/office/officeart/2005/8/layout/list1"/>
+    <dgm:cxn modelId="{EDD67A96-2984-4EAE-8AFD-FC646077D4C0}" type="presParOf" srcId="{E7989860-BC12-4216-B413-29C348972C9E}" destId="{0D2E2F8A-B379-473A-A16F-D046E1F268D0}" srcOrd="0" destOrd="0" presId="urn:microsoft.com/office/officeart/2005/8/layout/list1"/>
+    <dgm:cxn modelId="{3AA34812-1059-47DF-8D24-C79E3B14A271}" type="presParOf" srcId="{E7989860-BC12-4216-B413-29C348972C9E}" destId="{1D7EFE4E-6D8C-4721-AB42-DCB9D757C084}" srcOrd="1" destOrd="0" presId="urn:microsoft.com/office/officeart/2005/8/layout/list1"/>
+    <dgm:cxn modelId="{C20CDF10-FDE4-4658-8007-E43B832FE4C1}" type="presParOf" srcId="{A9D3EC52-4C26-41A0-8627-B4B55D9CBA31}" destId="{C3049A1F-5A51-4C95-8B4B-92127D60ED11}" srcOrd="9" destOrd="0" presId="urn:microsoft.com/office/officeart/2005/8/layout/list1"/>
+    <dgm:cxn modelId="{96AF26AB-64B9-42DF-986A-8C08495D5CB3}" type="presParOf" srcId="{A9D3EC52-4C26-41A0-8627-B4B55D9CBA31}" destId="{6C579210-47C5-4748-B549-3508EFC82CFE}" srcOrd="10" destOrd="0" presId="urn:microsoft.com/office/officeart/2005/8/layout/list1"/>
+  </dgm:cxnLst>
+  <dgm:bg/>
+  <dgm:whole/>
+  <dgm:extLst>
+    <a:ext uri="http://schemas.microsoft.com/office/drawing/2008/diagram">
+      <dsp:dataModelExt xmlns:dsp="http://schemas.microsoft.com/office/drawing/2008/diagram" relId="rId6" minVer="http://schemas.openxmlformats.org/drawingml/2006/diagram"/>
+    </a:ext>
+  </dgm:extLst>
+</dgm:dataModel>
+</file>
+
+<file path=ppt/diagrams/drawing1.xml><?xml version="1.0" encoding="utf-8"?>
+<dsp:drawing xmlns:dgm="http://schemas.openxmlformats.org/drawingml/2006/diagram" xmlns:dsp="http://schemas.microsoft.com/office/drawing/2008/diagram" xmlns:a="http://schemas.openxmlformats.org/drawingml/2006/main">
+  <dsp:spTree>
+    <dsp:nvGrpSpPr>
+      <dsp:cNvPr id="0" name=""/>
+      <dsp:cNvGrpSpPr/>
+    </dsp:nvGrpSpPr>
+    <dsp:grpSpPr/>
+    <dsp:sp modelId="{D336E596-05DE-4D9D-B595-A5AED3ABE604}">
+      <dsp:nvSpPr>
+        <dsp:cNvPr id="0" name=""/>
+        <dsp:cNvSpPr/>
+      </dsp:nvSpPr>
+      <dsp:spPr>
+        <a:xfrm>
+          <a:off x="0" y="340754"/>
+          <a:ext cx="7728267" cy="1107225"/>
+        </a:xfrm>
+        <a:prstGeom prst="rect">
+          <a:avLst/>
+        </a:prstGeom>
+        <a:solidFill>
+          <a:schemeClr val="lt1">
+            <a:alpha val="90000"/>
+            <a:hueOff val="0"/>
+            <a:satOff val="0"/>
+            <a:lumOff val="0"/>
+            <a:alphaOff val="0"/>
+          </a:schemeClr>
+        </a:solidFill>
+        <a:ln w="10795" cap="flat" cmpd="sng" algn="ctr">
+          <a:solidFill>
+            <a:schemeClr val="accent2">
+              <a:hueOff val="0"/>
+              <a:satOff val="0"/>
+              <a:lumOff val="0"/>
+              <a:alphaOff val="0"/>
+            </a:schemeClr>
+          </a:solidFill>
+          <a:prstDash val="solid"/>
+        </a:ln>
+        <a:effectLst/>
+      </dsp:spPr>
+      <dsp:style>
+        <a:lnRef idx="2">
+          <a:scrgbClr r="0" g="0" b="0"/>
+        </a:lnRef>
+        <a:fillRef idx="1">
+          <a:scrgbClr r="0" g="0" b="0"/>
+        </a:fillRef>
+        <a:effectRef idx="0">
+          <a:scrgbClr r="0" g="0" b="0"/>
+        </a:effectRef>
+        <a:fontRef idx="minor"/>
+      </dsp:style>
+      <dsp:txBody>
+        <a:bodyPr spcFirstLastPara="0" vert="horz" wrap="square" lIns="599799" tIns="395732" rIns="599799" bIns="135128" numCol="1" spcCol="1270" anchor="t" anchorCtr="0">
+          <a:noAutofit/>
+        </a:bodyPr>
+        <a:lstStyle/>
+        <a:p>
+          <a:pPr marL="171450" lvl="1" indent="-171450" algn="l" defTabSz="844550">
+            <a:lnSpc>
+              <a:spcPct val="90000"/>
+            </a:lnSpc>
+            <a:spcBef>
+              <a:spcPct val="0"/>
+            </a:spcBef>
+            <a:spcAft>
+              <a:spcPct val="15000"/>
+            </a:spcAft>
+            <a:buChar char="•"/>
+          </a:pPr>
+          <a:r>
+            <a:rPr lang="nl-NL" sz="1900" kern="1200"/>
+            <a:t>Proximity first</a:t>
+          </a:r>
+          <a:endParaRPr lang="en-US" sz="1900" kern="1200"/>
+        </a:p>
+        <a:p>
+          <a:pPr marL="171450" lvl="1" indent="-171450" algn="l" defTabSz="844550">
+            <a:lnSpc>
+              <a:spcPct val="90000"/>
+            </a:lnSpc>
+            <a:spcBef>
+              <a:spcPct val="0"/>
+            </a:spcBef>
+            <a:spcAft>
+              <a:spcPct val="15000"/>
+            </a:spcAft>
+            <a:buChar char="•"/>
+          </a:pPr>
+          <a:r>
+            <a:rPr lang="nl-NL" sz="1900" kern="1200"/>
+            <a:t>Priority first </a:t>
+          </a:r>
+          <a:endParaRPr lang="en-US" sz="1900" kern="1200"/>
+        </a:p>
+      </dsp:txBody>
+      <dsp:txXfrm>
+        <a:off x="0" y="340754"/>
+        <a:ext cx="7728267" cy="1107225"/>
+      </dsp:txXfrm>
+    </dsp:sp>
+    <dsp:sp modelId="{B1ADB415-6DE4-4660-B6EB-56A3930F213C}">
+      <dsp:nvSpPr>
+        <dsp:cNvPr id="0" name=""/>
+        <dsp:cNvSpPr/>
+      </dsp:nvSpPr>
+      <dsp:spPr>
+        <a:xfrm>
+          <a:off x="386413" y="60314"/>
+          <a:ext cx="5409786" cy="560880"/>
+        </a:xfrm>
+        <a:prstGeom prst="roundRect">
+          <a:avLst/>
+        </a:prstGeom>
+        <a:solidFill>
+          <a:schemeClr val="accent2">
+            <a:hueOff val="0"/>
+            <a:satOff val="0"/>
+            <a:lumOff val="0"/>
+            <a:alphaOff val="0"/>
+          </a:schemeClr>
+        </a:solidFill>
+        <a:ln w="17145" cap="flat" cmpd="sng" algn="ctr">
+          <a:solidFill>
+            <a:schemeClr val="lt1">
+              <a:hueOff val="0"/>
+              <a:satOff val="0"/>
+              <a:lumOff val="0"/>
+              <a:alphaOff val="0"/>
+            </a:schemeClr>
+          </a:solidFill>
+          <a:prstDash val="solid"/>
+        </a:ln>
+        <a:effectLst/>
+      </dsp:spPr>
+      <dsp:style>
+        <a:lnRef idx="3">
+          <a:scrgbClr r="0" g="0" b="0"/>
+        </a:lnRef>
+        <a:fillRef idx="1">
+          <a:scrgbClr r="0" g="0" b="0"/>
+        </a:fillRef>
+        <a:effectRef idx="1">
+          <a:scrgbClr r="0" g="0" b="0"/>
+        </a:effectRef>
+        <a:fontRef idx="minor">
+          <a:schemeClr val="lt1"/>
+        </a:fontRef>
+      </dsp:style>
+      <dsp:txBody>
+        <a:bodyPr spcFirstLastPara="0" vert="horz" wrap="square" lIns="204477" tIns="0" rIns="204477" bIns="0" numCol="1" spcCol="1270" anchor="ctr" anchorCtr="0">
+          <a:noAutofit/>
+        </a:bodyPr>
+        <a:lstStyle/>
+        <a:p>
+          <a:pPr marL="0" lvl="0" indent="0" algn="l" defTabSz="844550">
+            <a:lnSpc>
+              <a:spcPct val="90000"/>
+            </a:lnSpc>
+            <a:spcBef>
+              <a:spcPct val="0"/>
+            </a:spcBef>
+            <a:spcAft>
+              <a:spcPct val="35000"/>
+            </a:spcAft>
+            <a:buNone/>
+          </a:pPr>
+          <a:r>
+            <a:rPr lang="nl-NL" sz="1900" kern="1200"/>
+            <a:t>Greedy algoritmes</a:t>
+          </a:r>
+          <a:endParaRPr lang="en-US" sz="1900" kern="1200"/>
+        </a:p>
+      </dsp:txBody>
+      <dsp:txXfrm>
+        <a:off x="413793" y="87694"/>
+        <a:ext cx="5355026" cy="506120"/>
+      </dsp:txXfrm>
+    </dsp:sp>
+    <dsp:sp modelId="{5C78646C-08E3-4121-B5EA-182F81D4772D}">
+      <dsp:nvSpPr>
+        <dsp:cNvPr id="0" name=""/>
+        <dsp:cNvSpPr/>
+      </dsp:nvSpPr>
+      <dsp:spPr>
+        <a:xfrm>
+          <a:off x="0" y="1831019"/>
+          <a:ext cx="7728267" cy="1735650"/>
+        </a:xfrm>
+        <a:prstGeom prst="rect">
+          <a:avLst/>
+        </a:prstGeom>
+        <a:solidFill>
+          <a:schemeClr val="lt1">
+            <a:alpha val="90000"/>
+            <a:hueOff val="0"/>
+            <a:satOff val="0"/>
+            <a:lumOff val="0"/>
+            <a:alphaOff val="0"/>
+          </a:schemeClr>
+        </a:solidFill>
+        <a:ln w="10795" cap="flat" cmpd="sng" algn="ctr">
+          <a:solidFill>
+            <a:schemeClr val="accent3">
+              <a:hueOff val="0"/>
+              <a:satOff val="0"/>
+              <a:lumOff val="0"/>
+              <a:alphaOff val="0"/>
+            </a:schemeClr>
+          </a:solidFill>
+          <a:prstDash val="solid"/>
+        </a:ln>
+        <a:effectLst/>
+      </dsp:spPr>
+      <dsp:style>
+        <a:lnRef idx="2">
+          <a:scrgbClr r="0" g="0" b="0"/>
+        </a:lnRef>
+        <a:fillRef idx="1">
+          <a:scrgbClr r="0" g="0" b="0"/>
+        </a:fillRef>
+        <a:effectRef idx="0">
+          <a:scrgbClr r="0" g="0" b="0"/>
+        </a:effectRef>
+        <a:fontRef idx="minor"/>
+      </dsp:style>
+      <dsp:txBody>
+        <a:bodyPr spcFirstLastPara="0" vert="horz" wrap="square" lIns="599799" tIns="395732" rIns="599799" bIns="135128" numCol="1" spcCol="1270" anchor="t" anchorCtr="0">
+          <a:noAutofit/>
+        </a:bodyPr>
+        <a:lstStyle/>
+        <a:p>
+          <a:pPr marL="171450" lvl="1" indent="-171450" algn="l" defTabSz="844550">
+            <a:lnSpc>
+              <a:spcPct val="90000"/>
+            </a:lnSpc>
+            <a:spcBef>
+              <a:spcPct val="0"/>
+            </a:spcBef>
+            <a:spcAft>
+              <a:spcPct val="15000"/>
+            </a:spcAft>
+            <a:buChar char="•"/>
+          </a:pPr>
+          <a:r>
+            <a:rPr lang="nl-NL" sz="1900" kern="1200"/>
+            <a:t>Met een beginsituatie</a:t>
+          </a:r>
+          <a:endParaRPr lang="en-US" sz="1900" kern="1200"/>
+        </a:p>
+        <a:p>
+          <a:pPr marL="171450" lvl="1" indent="-171450" algn="l" defTabSz="844550">
+            <a:lnSpc>
+              <a:spcPct val="90000"/>
+            </a:lnSpc>
+            <a:spcBef>
+              <a:spcPct val="0"/>
+            </a:spcBef>
+            <a:spcAft>
+              <a:spcPct val="15000"/>
+            </a:spcAft>
+            <a:buChar char="•"/>
+          </a:pPr>
+          <a:r>
+            <a:rPr lang="nl-NL" sz="1900" kern="1200" dirty="0"/>
+            <a:t>Kies twee random huizen</a:t>
+          </a:r>
+          <a:endParaRPr lang="en-US" sz="1900" kern="1200" dirty="0"/>
+        </a:p>
+        <a:p>
+          <a:pPr marL="342900" lvl="2" indent="-171450" algn="l" defTabSz="844550">
+            <a:lnSpc>
+              <a:spcPct val="90000"/>
+            </a:lnSpc>
+            <a:spcBef>
+              <a:spcPct val="0"/>
+            </a:spcBef>
+            <a:spcAft>
+              <a:spcPct val="15000"/>
+            </a:spcAft>
+            <a:buChar char="•"/>
+          </a:pPr>
+          <a:r>
+            <a:rPr lang="nl-NL" sz="1900" kern="1200"/>
+            <a:t>Als het ruilen van batterijen goedkoper is: wissel ze</a:t>
+          </a:r>
+          <a:endParaRPr lang="en-US" sz="1900" kern="1200"/>
+        </a:p>
+        <a:p>
+          <a:pPr marL="171450" lvl="1" indent="-171450" algn="l" defTabSz="844550">
+            <a:lnSpc>
+              <a:spcPct val="90000"/>
+            </a:lnSpc>
+            <a:spcBef>
+              <a:spcPct val="0"/>
+            </a:spcBef>
+            <a:spcAft>
+              <a:spcPct val="15000"/>
+            </a:spcAft>
+            <a:buChar char="•"/>
+          </a:pPr>
+          <a:r>
+            <a:rPr lang="nl-NL" sz="1900" kern="1200"/>
+            <a:t>Doe dit zolang er 150 * 149 = 22350 keer niet gewisseld is</a:t>
+          </a:r>
+          <a:endParaRPr lang="en-US" sz="1900" kern="1200"/>
+        </a:p>
+      </dsp:txBody>
+      <dsp:txXfrm>
+        <a:off x="0" y="1831019"/>
+        <a:ext cx="7728267" cy="1735650"/>
+      </dsp:txXfrm>
+    </dsp:sp>
+    <dsp:sp modelId="{A3FEFBD5-ACA0-4D17-9E0B-16D9F4726231}">
+      <dsp:nvSpPr>
+        <dsp:cNvPr id="0" name=""/>
+        <dsp:cNvSpPr/>
+      </dsp:nvSpPr>
+      <dsp:spPr>
+        <a:xfrm>
+          <a:off x="386413" y="1550579"/>
+          <a:ext cx="5409786" cy="560880"/>
+        </a:xfrm>
+        <a:prstGeom prst="roundRect">
+          <a:avLst/>
+        </a:prstGeom>
+        <a:solidFill>
+          <a:schemeClr val="accent3">
+            <a:hueOff val="0"/>
+            <a:satOff val="0"/>
+            <a:lumOff val="0"/>
+            <a:alphaOff val="0"/>
+          </a:schemeClr>
+        </a:solidFill>
+        <a:ln w="17145" cap="flat" cmpd="sng" algn="ctr">
+          <a:solidFill>
+            <a:schemeClr val="lt1">
+              <a:hueOff val="0"/>
+              <a:satOff val="0"/>
+              <a:lumOff val="0"/>
+              <a:alphaOff val="0"/>
+            </a:schemeClr>
+          </a:solidFill>
+          <a:prstDash val="solid"/>
+        </a:ln>
+        <a:effectLst/>
+      </dsp:spPr>
+      <dsp:style>
+        <a:lnRef idx="3">
+          <a:scrgbClr r="0" g="0" b="0"/>
+        </a:lnRef>
+        <a:fillRef idx="1">
+          <a:scrgbClr r="0" g="0" b="0"/>
+        </a:fillRef>
+        <a:effectRef idx="1">
+          <a:scrgbClr r="0" g="0" b="0"/>
+        </a:effectRef>
+        <a:fontRef idx="minor">
+          <a:schemeClr val="lt1"/>
+        </a:fontRef>
+      </dsp:style>
+      <dsp:txBody>
+        <a:bodyPr spcFirstLastPara="0" vert="horz" wrap="square" lIns="204477" tIns="0" rIns="204477" bIns="0" numCol="1" spcCol="1270" anchor="ctr" anchorCtr="0">
+          <a:noAutofit/>
+        </a:bodyPr>
+        <a:lstStyle/>
+        <a:p>
+          <a:pPr marL="0" lvl="0" indent="0" algn="l" defTabSz="844550">
+            <a:lnSpc>
+              <a:spcPct val="90000"/>
+            </a:lnSpc>
+            <a:spcBef>
+              <a:spcPct val="0"/>
+            </a:spcBef>
+            <a:spcAft>
+              <a:spcPct val="35000"/>
+            </a:spcAft>
+            <a:buNone/>
+          </a:pPr>
+          <a:r>
+            <a:rPr lang="nl-NL" sz="1900" kern="1200"/>
+            <a:t>(Random) Hillclimber algoritme</a:t>
+          </a:r>
+          <a:endParaRPr lang="en-US" sz="1900" kern="1200"/>
+        </a:p>
+      </dsp:txBody>
+      <dsp:txXfrm>
+        <a:off x="413793" y="1577959"/>
+        <a:ext cx="5355026" cy="506120"/>
+      </dsp:txXfrm>
+    </dsp:sp>
+    <dsp:sp modelId="{6C579210-47C5-4748-B549-3508EFC82CFE}">
+      <dsp:nvSpPr>
+        <dsp:cNvPr id="0" name=""/>
+        <dsp:cNvSpPr/>
+      </dsp:nvSpPr>
+      <dsp:spPr>
+        <a:xfrm>
+          <a:off x="0" y="3949709"/>
+          <a:ext cx="7728267" cy="1077300"/>
+        </a:xfrm>
+        <a:prstGeom prst="rect">
+          <a:avLst/>
+        </a:prstGeom>
+        <a:solidFill>
+          <a:schemeClr val="lt1">
+            <a:alpha val="90000"/>
+            <a:hueOff val="0"/>
+            <a:satOff val="0"/>
+            <a:lumOff val="0"/>
+            <a:alphaOff val="0"/>
+          </a:schemeClr>
+        </a:solidFill>
+        <a:ln w="10795" cap="flat" cmpd="sng" algn="ctr">
+          <a:solidFill>
+            <a:schemeClr val="accent4">
+              <a:hueOff val="0"/>
+              <a:satOff val="0"/>
+              <a:lumOff val="0"/>
+              <a:alphaOff val="0"/>
+            </a:schemeClr>
+          </a:solidFill>
+          <a:prstDash val="solid"/>
+        </a:ln>
+        <a:effectLst/>
+      </dsp:spPr>
+      <dsp:style>
+        <a:lnRef idx="2">
+          <a:scrgbClr r="0" g="0" b="0"/>
+        </a:lnRef>
+        <a:fillRef idx="1">
+          <a:scrgbClr r="0" g="0" b="0"/>
+        </a:fillRef>
+        <a:effectRef idx="0">
+          <a:scrgbClr r="0" g="0" b="0"/>
+        </a:effectRef>
+        <a:fontRef idx="minor"/>
+      </dsp:style>
+      <dsp:txBody>
+        <a:bodyPr spcFirstLastPara="0" vert="horz" wrap="square" lIns="599799" tIns="395732" rIns="599799" bIns="135128" numCol="1" spcCol="1270" anchor="t" anchorCtr="0">
+          <a:noAutofit/>
+        </a:bodyPr>
+        <a:lstStyle/>
+        <a:p>
+          <a:pPr marL="171450" lvl="1" indent="-171450" algn="l" defTabSz="844550">
+            <a:lnSpc>
+              <a:spcPct val="90000"/>
+            </a:lnSpc>
+            <a:spcBef>
+              <a:spcPct val="0"/>
+            </a:spcBef>
+            <a:spcAft>
+              <a:spcPct val="15000"/>
+            </a:spcAft>
+            <a:buChar char="•"/>
+          </a:pPr>
+          <a:r>
+            <a:rPr lang="nl-NL" sz="1900" kern="1200"/>
+            <a:t>Als er een huis overblijft die op geen enkele batterij past, wissel dan huizen totdat er ruimte overblijft</a:t>
+          </a:r>
+          <a:endParaRPr lang="en-US" sz="1900" kern="1200"/>
+        </a:p>
+      </dsp:txBody>
+      <dsp:txXfrm>
+        <a:off x="0" y="3949709"/>
+        <a:ext cx="7728267" cy="1077300"/>
+      </dsp:txXfrm>
+    </dsp:sp>
+    <dsp:sp modelId="{1D7EFE4E-6D8C-4721-AB42-DCB9D757C084}">
+      <dsp:nvSpPr>
+        <dsp:cNvPr id="0" name=""/>
+        <dsp:cNvSpPr/>
+      </dsp:nvSpPr>
+      <dsp:spPr>
+        <a:xfrm>
+          <a:off x="386413" y="3669269"/>
+          <a:ext cx="5409786" cy="560880"/>
+        </a:xfrm>
+        <a:prstGeom prst="roundRect">
+          <a:avLst/>
+        </a:prstGeom>
+        <a:solidFill>
+          <a:schemeClr val="accent4">
+            <a:hueOff val="0"/>
+            <a:satOff val="0"/>
+            <a:lumOff val="0"/>
+            <a:alphaOff val="0"/>
+          </a:schemeClr>
+        </a:solidFill>
+        <a:ln w="17145" cap="flat" cmpd="sng" algn="ctr">
+          <a:solidFill>
+            <a:schemeClr val="lt1">
+              <a:hueOff val="0"/>
+              <a:satOff val="0"/>
+              <a:lumOff val="0"/>
+              <a:alphaOff val="0"/>
+            </a:schemeClr>
+          </a:solidFill>
+          <a:prstDash val="solid"/>
+        </a:ln>
+        <a:effectLst/>
+      </dsp:spPr>
+      <dsp:style>
+        <a:lnRef idx="3">
+          <a:scrgbClr r="0" g="0" b="0"/>
+        </a:lnRef>
+        <a:fillRef idx="1">
+          <a:scrgbClr r="0" g="0" b="0"/>
+        </a:fillRef>
+        <a:effectRef idx="1">
+          <a:scrgbClr r="0" g="0" b="0"/>
+        </a:effectRef>
+        <a:fontRef idx="minor">
+          <a:schemeClr val="lt1"/>
+        </a:fontRef>
+      </dsp:style>
+      <dsp:txBody>
+        <a:bodyPr spcFirstLastPara="0" vert="horz" wrap="square" lIns="204477" tIns="0" rIns="204477" bIns="0" numCol="1" spcCol="1270" anchor="ctr" anchorCtr="0">
+          <a:noAutofit/>
+        </a:bodyPr>
+        <a:lstStyle/>
+        <a:p>
+          <a:pPr marL="0" lvl="0" indent="0" algn="l" defTabSz="844550">
+            <a:lnSpc>
+              <a:spcPct val="90000"/>
+            </a:lnSpc>
+            <a:spcBef>
+              <a:spcPct val="0"/>
+            </a:spcBef>
+            <a:spcAft>
+              <a:spcPct val="35000"/>
+            </a:spcAft>
+            <a:buNone/>
+          </a:pPr>
+          <a:r>
+            <a:rPr lang="nl-NL" sz="1900" kern="1200"/>
+            <a:t>Capacity fixer</a:t>
+          </a:r>
+          <a:endParaRPr lang="en-US" sz="1900" kern="1200"/>
+        </a:p>
+      </dsp:txBody>
+      <dsp:txXfrm>
+        <a:off x="413793" y="3696649"/>
+        <a:ext cx="5355026" cy="506120"/>
+      </dsp:txXfrm>
+    </dsp:sp>
+  </dsp:spTree>
+</dsp:drawing>
+</file>
+
+<file path=ppt/diagrams/layout1.xml><?xml version="1.0" encoding="utf-8"?>
+<dgm:layoutDef xmlns:dgm="http://schemas.openxmlformats.org/drawingml/2006/diagram" xmlns:a="http://schemas.openxmlformats.org/drawingml/2006/main" uniqueId="urn:microsoft.com/office/officeart/2005/8/layout/list1">
+  <dgm:title val=""/>
+  <dgm:desc val=""/>
+  <dgm:catLst>
+    <dgm:cat type="list" pri="4000"/>
+  </dgm:catLst>
+  <dgm:sampData>
+    <dgm:dataModel>
+      <dgm:ptLst>
+        <dgm:pt modelId="0" type="doc"/>
+        <dgm:pt modelId="1">
+          <dgm:prSet phldr="1"/>
+        </dgm:pt>
+        <dgm:pt modelId="2">
+          <dgm:prSet phldr="1"/>
+        </dgm:pt>
+        <dgm:pt modelId="3">
+          <dgm:prSet phldr="1"/>
+        </dgm:pt>
+      </dgm:ptLst>
+      <dgm:cxnLst>
+        <dgm:cxn modelId="4" srcId="0" destId="1" srcOrd="0" destOrd="0"/>
+        <dgm:cxn modelId="5" srcId="0" destId="2" srcOrd="1" destOrd="0"/>
+        <dgm:cxn modelId="6" srcId="0" destId="3" srcOrd="2" destOrd="0"/>
+      </dgm:cxnLst>
+      <dgm:bg/>
+      <dgm:whole/>
+    </dgm:dataModel>
+  </dgm:sampData>
+  <dgm:styleData>
+    <dgm:dataModel>
+      <dgm:ptLst>
+        <dgm:pt modelId="0" type="doc"/>
+        <dgm:pt modelId="1"/>
+        <dgm:pt modelId="2"/>
+      </dgm:ptLst>
+      <dgm:cxnLst>
+        <dgm:cxn modelId="4" srcId="0" destId="1" srcOrd="0" destOrd="0"/>
+        <dgm:cxn modelId="5" srcId="0" destId="2" srcOrd="1" destOrd="0"/>
+      </dgm:cxnLst>
+      <dgm:bg/>
+      <dgm:whole/>
+    </dgm:dataModel>
+  </dgm:styleData>
+  <dgm:clrData>
+    <dgm:dataModel>
+      <dgm:ptLst>
+        <dgm:pt modelId="0" type="doc"/>
+        <dgm:pt modelId="1"/>
+        <dgm:pt modelId="2"/>
+        <dgm:pt modelId="3"/>
+        <dgm:pt modelId="4"/>
+      </dgm:ptLst>
+      <dgm:cxnLst>
+        <dgm:cxn modelId="5" srcId="0" destId="1" srcOrd="0" destOrd="0"/>
+        <dgm:cxn modelId="6" srcId="0" destId="2" srcOrd="1" destOrd="0"/>
+        <dgm:cxn modelId="7" srcId="0" destId="3" srcOrd="2" destOrd="0"/>
+        <dgm:cxn modelId="8" srcId="0" destId="4" srcOrd="3" destOrd="0"/>
+      </dgm:cxnLst>
+      <dgm:bg/>
+      <dgm:whole/>
+    </dgm:dataModel>
+  </dgm:clrData>
+  <dgm:layoutNode name="linear">
+    <dgm:varLst>
+      <dgm:dir/>
+      <dgm:animLvl val="lvl"/>
+      <dgm:resizeHandles val="exact"/>
+    </dgm:varLst>
+    <dgm:choose name="Name0">
+      <dgm:if name="Name1" func="var" arg="dir" op="equ" val="norm">
+        <dgm:alg type="lin">
+          <dgm:param type="linDir" val="fromT"/>
+          <dgm:param type="vertAlign" val="mid"/>
+          <dgm:param type="horzAlign" val="l"/>
+          <dgm:param type="nodeHorzAlign" val="l"/>
+        </dgm:alg>
+      </dgm:if>
+      <dgm:else name="Name2">
+        <dgm:alg type="lin">
+          <dgm:param type="linDir" val="fromT"/>
+          <dgm:param type="vertAlign" val="mid"/>
+          <dgm:param type="horzAlign" val="r"/>
+          <dgm:param type="nodeHorzAlign" val="r"/>
+        </dgm:alg>
+      </dgm:else>
+    </dgm:choose>
+    <dgm:shape xmlns:r="http://schemas.openxmlformats.org/officeDocument/2006/relationships" r:blip="">
+      <dgm:adjLst/>
+    </dgm:shape>
+    <dgm:presOf/>
+    <dgm:constrLst>
+      <dgm:constr type="w" for="ch" forName="parentLin" refType="w"/>
+      <dgm:constr type="h" for="ch" forName="parentLin" val="INF"/>
+      <dgm:constr type="w" for="des" forName="parentLeftMargin" refType="w" fact="0.05"/>
+      <dgm:constr type="w" for="des" forName="parentText" refType="w" fact="0.7"/>
+      <dgm:constr type="h" for="des" forName="parentText" refType="primFontSz" refFor="des" refForName="parentText" fact="0.82"/>
+      <dgm:constr type="h" for="ch" forName="negativeSpace" refType="primFontSz" refFor="des" refForName="parentText" fact="-0.41"/>
+      <dgm:constr type="h" for="ch" forName="negativeSpace" refType="h" refFor="des" refForName="parentText" op="lte" fact="-0.82"/>
+      <dgm:constr type="h" for="ch" forName="negativeSpace" refType="h" refFor="des" refForName="parentText" op="gte" fact="-0.82"/>
+      <dgm:constr type="w" for="ch" forName="childText" refType="w"/>
+      <dgm:constr type="h" for="ch" forName="childText" refType="primFontSz" refFor="des" refForName="parentText" fact="0.7"/>
+      <dgm:constr type="primFontSz" for="des" forName="parentText" val="65"/>
+      <dgm:constr type="primFontSz" for="ch" forName="childText" refType="primFontSz" refFor="des" refForName="parentText"/>
+      <dgm:constr type="tMarg" for="ch" forName="childText" refType="primFontSz" refFor="des" refForName="parentText" fact="1.64"/>
+      <dgm:constr type="tMarg" for="ch" forName="childText" refType="h" refFor="des" refForName="parentText" op="lte" fact="3.28"/>
+      <dgm:constr type="tMarg" for="ch" forName="childText" refType="h" refFor="des" refForName="parentText" op="gte" fact="3.28"/>
+      <dgm:constr type="lMarg" for="ch" forName="childText" refType="w" fact="0.22"/>
+      <dgm:constr type="rMarg" for="ch" forName="childText" refType="lMarg" refFor="ch" refForName="childText"/>
+      <dgm:constr type="lMarg" for="des" forName="parentText" refType="w" fact="0.075"/>
+      <dgm:constr type="rMarg" for="des" forName="parentText" refType="lMarg" refFor="des" refForName="parentText"/>
+      <dgm:constr type="h" for="ch" forName="spaceBetweenRectangles" refType="primFontSz" refFor="des" refForName="parentText" fact="0.15"/>
+    </dgm:constrLst>
+    <dgm:ruleLst>
+      <dgm:rule type="primFontSz" for="des" forName="parentText" val="5" fact="NaN" max="NaN"/>
+    </dgm:ruleLst>
+    <dgm:forEach name="Name3" axis="ch" ptType="node">
+      <dgm:layoutNode name="parentLin">
+        <dgm:choose name="Name4">
+          <dgm:if name="Name5" func="var" arg="dir" op="equ" val="norm">
+            <dgm:alg type="lin">
+              <dgm:param type="linDir" val="fromL"/>
+              <dgm:param type="horzAlign" val="l"/>
+              <dgm:param type="nodeHorzAlign" val="l"/>
+            </dgm:alg>
+          </dgm:if>
+          <dgm:else name="Name6">
+            <dgm:alg type="lin">
+              <dgm:param type="linDir" val="fromR"/>
+              <dgm:param type="horzAlign" val="r"/>
+              <dgm:param type="nodeHorzAlign" val="r"/>
+            </dgm:alg>
+          </dgm:else>
+        </dgm:choose>
+        <dgm:shape xmlns:r="http://schemas.openxmlformats.org/officeDocument/2006/relationships" r:blip="">
+          <dgm:adjLst/>
+        </dgm:shape>
+        <dgm:presOf/>
+        <dgm:constrLst/>
+        <dgm:ruleLst/>
+        <dgm:layoutNode name="parentLeftMargin">
+          <dgm:alg type="sp"/>
+          <dgm:shape xmlns:r="http://schemas.openxmlformats.org/officeDocument/2006/relationships" type="rect" r:blip="" hideGeom="1">
+            <dgm:adjLst/>
+          </dgm:shape>
+          <dgm:presOf axis="self"/>
+          <dgm:constrLst>
+            <dgm:constr type="h"/>
+          </dgm:constrLst>
+          <dgm:ruleLst/>
+        </dgm:layoutNode>
+        <dgm:layoutNode name="parentText" styleLbl="node1">
+          <dgm:varLst>
+            <dgm:chMax val="0"/>
+            <dgm:bulletEnabled val="1"/>
+          </dgm:varLst>
+          <dgm:choose name="Name7">
+            <dgm:if name="Name8" func="var" arg="dir" op="equ" val="norm">
+              <dgm:alg type="tx">
+                <dgm:param type="parTxLTRAlign" val="l"/>
+                <dgm:param type="parTxRTLAlign" val="l"/>
+              </dgm:alg>
+            </dgm:if>
+            <dgm:else name="Name9">
+              <dgm:alg type="tx">
+                <dgm:param type="parTxLTRAlign" val="r"/>
+                <dgm:param type="parTxRTLAlign" val="r"/>
+              </dgm:alg>
+            </dgm:else>
+          </dgm:choose>
+          <dgm:shape xmlns:r="http://schemas.openxmlformats.org/officeDocument/2006/relationships" type="roundRect" r:blip="">
+            <dgm:adjLst/>
+          </dgm:shape>
+          <dgm:presOf axis="self" ptType="node"/>
+          <dgm:constrLst>
+            <dgm:constr type="tMarg"/>
+            <dgm:constr type="bMarg"/>
+          </dgm:constrLst>
+          <dgm:ruleLst/>
+        </dgm:layoutNode>
+      </dgm:layoutNode>
+      <dgm:layoutNode name="negativeSpace">
+        <dgm:alg type="sp"/>
+        <dgm:shape xmlns:r="http://schemas.openxmlformats.org/officeDocument/2006/relationships" r:blip="">
+          <dgm:adjLst/>
+        </dgm:shape>
+        <dgm:presOf/>
+        <dgm:constrLst/>
+        <dgm:ruleLst/>
+      </dgm:layoutNode>
+      <dgm:layoutNode name="childText" styleLbl="conFgAcc1">
+        <dgm:varLst>
+          <dgm:bulletEnabled val="1"/>
+        </dgm:varLst>
+        <dgm:alg type="tx">
+          <dgm:param type="stBulletLvl" val="1"/>
+        </dgm:alg>
+        <dgm:shape xmlns:r="http://schemas.openxmlformats.org/officeDocument/2006/relationships" type="rect" r:blip="" zOrderOff="-2">
+          <dgm:adjLst/>
+        </dgm:shape>
+        <dgm:presOf axis="des" ptType="node"/>
+        <dgm:constrLst>
+          <dgm:constr type="secFontSz" refType="primFontSz"/>
+        </dgm:constrLst>
+        <dgm:ruleLst>
+          <dgm:rule type="h" val="INF" fact="NaN" max="NaN"/>
+        </dgm:ruleLst>
+      </dgm:layoutNode>
+      <dgm:forEach name="Name10" axis="followSib" ptType="sibTrans" cnt="1">
+        <dgm:layoutNode name="spaceBetweenRectangles">
+          <dgm:alg type="sp"/>
+          <dgm:shape xmlns:r="http://schemas.openxmlformats.org/officeDocument/2006/relationships" r:blip="">
+            <dgm:adjLst/>
+          </dgm:shape>
+          <dgm:presOf/>
+          <dgm:constrLst/>
+          <dgm:ruleLst/>
+        </dgm:layoutNode>
+      </dgm:forEach>
+    </dgm:forEach>
+  </dgm:layoutNode>
+</dgm:layoutDef>
+</file>
+
+<file path=ppt/diagrams/quickStyle1.xml><?xml version="1.0" encoding="utf-8"?>
+<dgm:styleDef xmlns:dgm="http://schemas.openxmlformats.org/drawingml/2006/diagram" xmlns:a="http://schemas.openxmlformats.org/drawingml/2006/main" uniqueId="urn:microsoft.com/office/officeart/2005/8/quickstyle/simple2">
+  <dgm:title val=""/>
+  <dgm:desc val=""/>
+  <dgm:catLst>
+    <dgm:cat type="simple" pri="10200"/>
+  </dgm:catLst>
+  <dgm:scene3d>
+    <a:camera prst="orthographicFront"/>
+    <a:lightRig rig="threePt" dir="t"/>
+  </dgm:scene3d>
+  <dgm:styleLbl name="node0">
+    <dgm:scene3d>
+      <a:camera prst="orthographicFront"/>
+      <a:lightRig rig="threePt" dir="t"/>
+    </dgm:scene3d>
+    <dgm:sp3d/>
+    <dgm:txPr/>
+    <dgm:style>
+      <a:lnRef idx="3">
+        <a:scrgbClr r="0" g="0" b="0"/>
+      </a:lnRef>
+      <a:fillRef idx="1">
+        <a:scrgbClr r="0" g="0" b="0"/>
+      </a:fillRef>
+      <a:effectRef idx="1">
+        <a:scrgbClr r="0" g="0" b="0"/>
+      </a:effectRef>
+      <a:fontRef idx="minor">
+        <a:schemeClr val="lt1"/>
+      </a:fontRef>
+    </dgm:style>
+  </dgm:styleLbl>
+  <dgm:styleLbl name="lnNode1">
+    <dgm:scene3d>
+      <a:camera prst="orthographicFront"/>
+      <a:lightRig rig="threePt" dir="t"/>
+    </dgm:scene3d>
+    <dgm:sp3d/>
+    <dgm:txPr/>
+    <dgm:style>
+      <a:lnRef idx="3">
+        <a:scrgbClr r="0" g="0" b="0"/>
+      </a:lnRef>
+      <a:fillRef idx="1">
+        <a:scrgbClr r="0" g="0" b="0"/>
+      </a:fillRef>
+      <a:effectRef idx="1">
+        <a:scrgbClr r="0" g="0" b="0"/>
+      </a:effectRef>
+      <a:fontRef idx="minor">
+        <a:schemeClr val="lt1"/>
+      </a:fontRef>
+    </dgm:style>
+  </dgm:styleLbl>
+  <dgm:styleLbl name="vennNode1">
+    <dgm:scene3d>
+      <a:camera prst="orthographicFront"/>
+      <a:lightRig rig="threePt" dir="t"/>
+    </dgm:scene3d>
+    <dgm:sp3d/>
+    <dgm:txPr/>
+    <dgm:style>
+      <a:lnRef idx="3">
+        <a:scrgbClr r="0" g="0" b="0"/>
+      </a:lnRef>
+      <a:fillRef idx="1">
+        <a:scrgbClr r="0" g="0" b="0"/>
+      </a:fillRef>
+      <a:effectRef idx="0">
+        <a:scrgbClr r="0" g="0" b="0"/>
+      </a:effectRef>
+      <a:fontRef idx="minor">
+        <a:schemeClr val="tx1"/>
+      </a:fontRef>
+    </dgm:style>
+  </dgm:styleLbl>
+  <dgm:styleLbl name="alignNode1">
+    <dgm:scene3d>
+      <a:camera prst="orthographicFront"/>
+      <a:lightRig rig="threePt" dir="t"/>
+    </dgm:scene3d>
+    <dgm:sp3d/>
+    <dgm:txPr/>
+    <dgm:style>
+      <a:lnRef idx="2">
+        <a:scrgbClr r="0" g="0" b="0"/>
+      </a:lnRef>
+      <a:fillRef idx="1">
+        <a:scrgbClr r="0" g="0" b="0"/>
+      </a:fillRef>
+      <a:effectRef idx="1">
+        <a:scrgbClr r="0" g="0" b="0"/>
+      </a:effectRef>
+      <a:fontRef idx="minor">
+        <a:schemeClr val="lt1"/>
+      </a:fontRef>
+    </dgm:style>
+  </dgm:styleLbl>
+  <dgm:styleLbl name="node1">
+    <dgm:scene3d>
+      <a:camera prst="orthographicFront"/>
+      <a:lightRig rig="threePt" dir="t"/>
+    </dgm:scene3d>
+    <dgm:sp3d/>
+    <dgm:txPr/>
+    <dgm:style>
+      <a:lnRef idx="3">
+        <a:scrgbClr r="0" g="0" b="0"/>
+      </a:lnRef>
+      <a:fillRef idx="1">
+        <a:scrgbClr r="0" g="0" b="0"/>
+      </a:fillRef>
+      <a:effectRef idx="1">
+        <a:scrgbClr r="0" g="0" b="0"/>
+      </a:effectRef>
+      <a:fontRef idx="minor">
+        <a:schemeClr val="lt1"/>
+      </a:fontRef>
+    </dgm:style>
+  </dgm:styleLbl>
+  <dgm:styleLbl name="node2">
+    <dgm:scene3d>
+      <a:camera prst="orthographicFront"/>
+      <a:lightRig rig="threePt" dir="t"/>
+    </dgm:scene3d>
+    <dgm:sp3d/>
+    <dgm:txPr/>
+    <dgm:style>
+      <a:lnRef idx="3">
+        <a:scrgbClr r="0" g="0" b="0"/>
+      </a:lnRef>
+      <a:fillRef idx="1">
+        <a:scrgbClr r="0" g="0" b="0"/>
+      </a:fillRef>
+      <a:effectRef idx="1">
+        <a:scrgbClr r="0" g="0" b="0"/>
+      </a:effectRef>
+      <a:fontRef idx="minor">
+        <a:schemeClr val="lt1"/>
+      </a:fontRef>
+    </dgm:style>
+  </dgm:styleLbl>
+  <dgm:styleLbl name="node3">
+    <dgm:scene3d>
+      <a:camera prst="orthographicFront"/>
+      <a:lightRig rig="threePt" dir="t"/>
+    </dgm:scene3d>
+    <dgm:sp3d/>
+    <dgm:txPr/>
+    <dgm:style>
+      <a:lnRef idx="3">
+        <a:scrgbClr r="0" g="0" b="0"/>
+      </a:lnRef>
+      <a:fillRef idx="1">
+        <a:scrgbClr r="0" g="0" b="0"/>
+      </a:fillRef>
+      <a:effectRef idx="1">
+        <a:scrgbClr r="0" g="0" b="0"/>
+      </a:effectRef>
+      <a:fontRef idx="minor">
+        <a:schemeClr val="lt1"/>
+      </a:fontRef>
+    </dgm:style>
+  </dgm:styleLbl>
+  <dgm:styleLbl name="node4">
+    <dgm:scene3d>
+      <a:camera prst="orthographicFront"/>
+      <a:lightRig rig="threePt" dir="t"/>
+    </dgm:scene3d>
+    <dgm:sp3d/>
+    <dgm:txPr/>
+    <dgm:style>
+      <a:lnRef idx="3">
+        <a:scrgbClr r="0" g="0" b="0"/>
+      </a:lnRef>
+      <a:fillRef idx="1">
+        <a:scrgbClr r="0" g="0" b="0"/>
+      </a:fillRef>
+      <a:effectRef idx="1">
+        <a:scrgbClr r="0" g="0" b="0"/>
+      </a:effectRef>
+      <a:fontRef idx="minor">
+        <a:schemeClr val="lt1"/>
+      </a:fontRef>
+    </dgm:style>
+  </dgm:styleLbl>
+  <dgm:styleLbl name="fgImgPlace1">
+    <dgm:scene3d>
+      <a:camera prst="orthographicFront"/>
+      <a:lightRig rig="threePt" dir="t"/>
+    </dgm:scene3d>
+    <dgm:sp3d/>
+    <dgm:txPr/>
+    <dgm:style>
+      <a:lnRef idx="3">
+        <a:scrgbClr r="0" g="0" b="0"/>
+      </a:lnRef>
+      <a:fillRef idx="1">
+        <a:scrgbClr r="0" g="0" b="0"/>
+      </a:fillRef>
+      <a:effectRef idx="1">
+        <a:scrgbClr r="0" g="0" b="0"/>
+      </a:effectRef>
+      <a:fontRef idx="minor"/>
+    </dgm:style>
+  </dgm:styleLbl>
+  <dgm:styleLbl name="alignImgPlace1">
+    <dgm:scene3d>
+      <a:camera prst="orthographicFront"/>
+      <a:lightRig rig="threePt" dir="t"/>
+    </dgm:scene3d>
+    <dgm:sp3d/>
+    <dgm:txPr/>
+    <dgm:style>
+      <a:lnRef idx="3">
+        <a:scrgbClr r="0" g="0" b="0"/>
+      </a:lnRef>
+      <a:fillRef idx="1">
+        <a:scrgbClr r="0" g="0" b="0"/>
+      </a:fillRef>
+      <a:effectRef idx="1">
+        <a:scrgbClr r="0" g="0" b="0"/>
+      </a:effectRef>
+      <a:fontRef idx="minor"/>
+    </dgm:style>
+  </dgm:styleLbl>
+  <dgm:styleLbl name="bgImgPlace1">
+    <dgm:scene3d>
+      <a:camera prst="orthographicFront"/>
+      <a:lightRig rig="threePt" dir="t"/>
+    </dgm:scene3d>
+    <dgm:sp3d/>
+    <dgm:txPr/>
+    <dgm:style>
+      <a:lnRef idx="3">
+        <a:scrgbClr r="0" g="0" b="0"/>
+      </a:lnRef>
+      <a:fillRef idx="1">
+        <a:scrgbClr r="0" g="0" b="0"/>
+      </a:fillRef>
+      <a:effectRef idx="1">
+        <a:scrgbClr r="0" g="0" b="0"/>
+      </a:effectRef>
+      <a:fontRef idx="minor"/>
+    </dgm:style>
+  </dgm:styleLbl>
+  <dgm:styleLbl name="sibTrans2D1">
+    <dgm:scene3d>
+      <a:camera prst="orthographicFront"/>
+      <a:lightRig rig="threePt" dir="t"/>
+    </dgm:scene3d>
+    <dgm:sp3d/>
+    <dgm:txPr/>
+    <dgm:style>
+      <a:lnRef idx="0">
+        <a:scrgbClr r="0" g="0" b="0"/>
+      </a:lnRef>
+      <a:fillRef idx="1">
+        <a:scrgbClr r="0" g="0" b="0"/>
+      </a:fillRef>
+      <a:effectRef idx="1">
+        <a:scrgbClr r="0" g="0" b="0"/>
+      </a:effectRef>
+      <a:fontRef idx="minor">
+        <a:schemeClr val="lt1"/>
+      </a:fontRef>
+    </dgm:style>
+  </dgm:styleLbl>
+  <dgm:styleLbl name="fgSibTrans2D1">
+    <dgm:scene3d>
+      <a:camera prst="orthographicFront"/>
+      <a:lightRig rig="threePt" dir="t"/>
+    </dgm:scene3d>
+    <dgm:sp3d/>
+    <dgm:txPr/>
+    <dgm:style>
+      <a:lnRef idx="0">
+        <a:scrgbClr r="0" g="0" b="0"/>
+      </a:lnRef>
+      <a:fillRef idx="1">
+        <a:scrgbClr r="0" g="0" b="0"/>
+      </a:fillRef>
+      <a:effectRef idx="1">
+        <a:scrgbClr r="0" g="0" b="0"/>
+      </a:effectRef>
+      <a:fontRef idx="minor">
+        <a:schemeClr val="lt1"/>
+      </a:fontRef>
+    </dgm:style>
+  </dgm:styleLbl>
+  <dgm:styleLbl name="bgSibTrans2D1">
+    <dgm:scene3d>
+      <a:camera prst="orthographicFront"/>
+      <a:lightRig rig="threePt" dir="t"/>
+    </dgm:scene3d>
+    <dgm:sp3d/>
+    <dgm:txPr/>
+    <dgm:style>
+      <a:lnRef idx="0">
+        <a:scrgbClr r="0" g="0" b="0"/>
+      </a:lnRef>
+      <a:fillRef idx="1">
+        <a:scrgbClr r="0" g="0" b="0"/>
+      </a:fillRef>
+      <a:effectRef idx="1">
+        <a:scrgbClr r="0" g="0" b="0"/>
+      </a:effectRef>
+      <a:fontRef idx="minor">
+        <a:schemeClr val="lt1"/>
+      </a:fontRef>
+    </dgm:style>
+  </dgm:styleLbl>
+  <dgm:styleLbl name="sibTrans1D1">
+    <dgm:scene3d>
+      <a:camera prst="orthographicFront"/>
+      <a:lightRig rig="threePt" dir="t"/>
+    </dgm:scene3d>
+    <dgm:sp3d/>
+    <dgm:txPr/>
+    <dgm:style>
+      <a:lnRef idx="1">
+        <a:scrgbClr r="0" g="0" b="0"/>
+      </a:lnRef>
+      <a:fillRef idx="0">
+        <a:scrgbClr r="0" g="0" b="0"/>
+      </a:fillRef>
+      <a:effectRef idx="0">
+        <a:scrgbClr r="0" g="0" b="0"/>
+      </a:effectRef>
+      <a:fontRef idx="minor"/>
+    </dgm:style>
+  </dgm:styleLbl>
+  <dgm:styleLbl name="callout">
+    <dgm:scene3d>
+      <a:camera prst="orthographicFront"/>
+      <a:lightRig rig="threePt" dir="t"/>
+    </dgm:scene3d>
+    <dgm:sp3d/>
+    <dgm:txPr/>
+    <dgm:style>
+      <a:lnRef idx="2">
+        <a:scrgbClr r="0" g="0" b="0"/>
+      </a:lnRef>
+      <a:fillRef idx="1">
+        <a:scrgbClr r="0" g="0" b="0"/>
+      </a:fillRef>
+      <a:effectRef idx="1">
+        <a:scrgbClr r="0" g="0" b="0"/>
+      </a:effectRef>
+      <a:fontRef idx="minor"/>
+    </dgm:style>
+  </dgm:styleLbl>
+  <dgm:styleLbl name="asst0">
+    <dgm:scene3d>
+      <a:camera prst="orthographicFront"/>
+      <a:lightRig rig="threePt" dir="t"/>
+    </dgm:scene3d>
+    <dgm:sp3d/>
+    <dgm:txPr/>
+    <dgm:style>
+      <a:lnRef idx="3">
+        <a:scrgbClr r="0" g="0" b="0"/>
+      </a:lnRef>
+      <a:fillRef idx="1">
+        <a:scrgbClr r="0" g="0" b="0"/>
+      </a:fillRef>
+      <a:effectRef idx="1">
+        <a:scrgbClr r="0" g="0" b="0"/>
+      </a:effectRef>
+      <a:fontRef idx="minor">
+        <a:schemeClr val="lt1"/>
+      </a:fontRef>
+    </dgm:style>
+  </dgm:styleLbl>
+  <dgm:styleLbl name="asst1">
+    <dgm:scene3d>
+      <a:camera prst="orthographicFront"/>
+      <a:lightRig rig="threePt" dir="t"/>
+    </dgm:scene3d>
+    <dgm:sp3d/>
+    <dgm:txPr/>
+    <dgm:style>
+      <a:lnRef idx="3">
+        <a:scrgbClr r="0" g="0" b="0"/>
+      </a:lnRef>
+      <a:fillRef idx="1">
+        <a:scrgbClr r="0" g="0" b="0"/>
+      </a:fillRef>
+      <a:effectRef idx="1">
+        <a:scrgbClr r="0" g="0" b="0"/>
+      </a:effectRef>
+      <a:fontRef idx="minor">
+        <a:schemeClr val="lt1"/>
+      </a:fontRef>
+    </dgm:style>
+  </dgm:styleLbl>
+  <dgm:styleLbl name="asst2">
+    <dgm:scene3d>
+      <a:camera prst="orthographicFront"/>
+      <a:lightRig rig="threePt" dir="t"/>
+    </dgm:scene3d>
+    <dgm:sp3d/>
+    <dgm:txPr/>
+    <dgm:style>
+      <a:lnRef idx="3">
+        <a:scrgbClr r="0" g="0" b="0"/>
+      </a:lnRef>
+      <a:fillRef idx="1">
+        <a:scrgbClr r="0" g="0" b="0"/>
+      </a:fillRef>
+      <a:effectRef idx="1">
+        <a:scrgbClr r="0" g="0" b="0"/>
+      </a:effectRef>
+      <a:fontRef idx="minor">
+        <a:schemeClr val="lt1"/>
+      </a:fontRef>
+    </dgm:style>
+  </dgm:styleLbl>
+  <dgm:styleLbl name="asst3">
+    <dgm:scene3d>
+      <a:camera prst="orthographicFront"/>
+      <a:lightRig rig="threePt" dir="t"/>
+    </dgm:scene3d>
+    <dgm:sp3d/>
+    <dgm:txPr/>
+    <dgm:style>
+      <a:lnRef idx="3">
+        <a:scrgbClr r="0" g="0" b="0"/>
+      </a:lnRef>
+      <a:fillRef idx="1">
+        <a:scrgbClr r="0" g="0" b="0"/>
+      </a:fillRef>
+      <a:effectRef idx="1">
+        <a:scrgbClr r="0" g="0" b="0"/>
+      </a:effectRef>
+      <a:fontRef idx="minor">
+        <a:schemeClr val="lt1"/>
+      </a:fontRef>
+    </dgm:style>
+  </dgm:styleLbl>
+  <dgm:styleLbl name="asst4">
+    <dgm:scene3d>
+      <a:camera prst="orthographicFront"/>
+      <a:lightRig rig="threePt" dir="t"/>
+    </dgm:scene3d>
+    <dgm:sp3d/>
+    <dgm:txPr/>
+    <dgm:style>
+      <a:lnRef idx="3">
+        <a:scrgbClr r="0" g="0" b="0"/>
+      </a:lnRef>
+      <a:fillRef idx="1">
+        <a:scrgbClr r="0" g="0" b="0"/>
+      </a:fillRef>
+      <a:effectRef idx="1">
+        <a:scrgbClr r="0" g="0" b="0"/>
+      </a:effectRef>
+      <a:fontRef idx="minor">
+        <a:schemeClr val="lt1"/>
+      </a:fontRef>
+    </dgm:style>
+  </dgm:styleLbl>
+  <dgm:styleLbl name="parChTrans2D1">
+    <dgm:scene3d>
+      <a:camera prst="orthographicFront"/>
+      <a:lightRig rig="threePt" dir="t"/>
+    </dgm:scene3d>
+    <dgm:sp3d/>
+    <dgm:txPr/>
+    <dgm:style>
+      <a:lnRef idx="3">
+        <a:scrgbClr r="0" g="0" b="0"/>
+      </a:lnRef>
+      <a:fillRef idx="1">
+        <a:scrgbClr r="0" g="0" b="0"/>
+      </a:fillRef>
+      <a:effectRef idx="1">
+        <a:scrgbClr r="0" g="0" b="0"/>
+      </a:effectRef>
+      <a:fontRef idx="minor">
+        <a:schemeClr val="lt1"/>
+      </a:fontRef>
+    </dgm:style>
+  </dgm:styleLbl>
+  <dgm:styleLbl name="parChTrans2D2">
+    <dgm:scene3d>
+      <a:camera prst="orthographicFront"/>
+      <a:lightRig rig="threePt" dir="t"/>
+    </dgm:scene3d>
+    <dgm:sp3d/>
+    <dgm:txPr/>
+    <dgm:style>
+      <a:lnRef idx="3">
+        <a:scrgbClr r="0" g="0" b="0"/>
+      </a:lnRef>
+      <a:fillRef idx="1">
+        <a:scrgbClr r="0" g="0" b="0"/>
+      </a:fillRef>
+      <a:effectRef idx="1">
+        <a:scrgbClr r="0" g="0" b="0"/>
+      </a:effectRef>
+      <a:fontRef idx="minor">
+        <a:schemeClr val="lt1"/>
+      </a:fontRef>
+    </dgm:style>
+  </dgm:styleLbl>
+  <dgm:styleLbl name="parChTrans2D3">
+    <dgm:scene3d>
+      <a:camera prst="orthographicFront"/>
+      <a:lightRig rig="threePt" dir="t"/>
+    </dgm:scene3d>
+    <dgm:sp3d/>
+    <dgm:txPr/>
+    <dgm:style>
+      <a:lnRef idx="3">
+        <a:scrgbClr r="0" g="0" b="0"/>
+      </a:lnRef>
+      <a:fillRef idx="1">
+        <a:scrgbClr r="0" g="0" b="0"/>
+      </a:fillRef>
+      <a:effectRef idx="1">
+        <a:scrgbClr r="0" g="0" b="0"/>
+      </a:effectRef>
+      <a:fontRef idx="minor">
+        <a:schemeClr val="lt1"/>
+      </a:fontRef>
+    </dgm:style>
+  </dgm:styleLbl>
+  <dgm:styleLbl name="parChTrans2D4">
+    <dgm:scene3d>
+      <a:camera prst="orthographicFront"/>
+      <a:lightRig rig="threePt" dir="t"/>
+    </dgm:scene3d>
+    <dgm:sp3d/>
+    <dgm:txPr/>
+    <dgm:style>
+      <a:lnRef idx="3">
+        <a:scrgbClr r="0" g="0" b="0"/>
+      </a:lnRef>
+      <a:fillRef idx="1">
+        <a:scrgbClr r="0" g="0" b="0"/>
+      </a:fillRef>
+      <a:effectRef idx="1">
+        <a:scrgbClr r="0" g="0" b="0"/>
+      </a:effectRef>
+      <a:fontRef idx="minor">
+        <a:schemeClr val="lt1"/>
+      </a:fontRef>
+    </dgm:style>
+  </dgm:styleLbl>
+  <dgm:styleLbl name="parChTrans1D1">
+    <dgm:scene3d>
+      <a:camera prst="orthographicFront"/>
+      <a:lightRig rig="threePt" dir="t"/>
+    </dgm:scene3d>
+    <dgm:sp3d/>
+    <dgm:txPr/>
+    <dgm:style>
+      <a:lnRef idx="2">
+        <a:scrgbClr r="0" g="0" b="0"/>
+      </a:lnRef>
+      <a:fillRef idx="0">
+        <a:scrgbClr r="0" g="0" b="0"/>
+      </a:fillRef>
+      <a:effectRef idx="0">
+        <a:scrgbClr r="0" g="0" b="0"/>
+      </a:effectRef>
+      <a:fontRef idx="minor"/>
+    </dgm:style>
+  </dgm:styleLbl>
+  <dgm:styleLbl name="parChTrans1D2">
+    <dgm:scene3d>
+      <a:camera prst="orthographicFront"/>
+      <a:lightRig rig="threePt" dir="t"/>
+    </dgm:scene3d>
+    <dgm:sp3d/>
+    <dgm:txPr/>
+    <dgm:style>
+      <a:lnRef idx="2">
+        <a:scrgbClr r="0" g="0" b="0"/>
+      </a:lnRef>
+      <a:fillRef idx="0">
+        <a:scrgbClr r="0" g="0" b="0"/>
+      </a:fillRef>
+      <a:effectRef idx="0">
+        <a:scrgbClr r="0" g="0" b="0"/>
+      </a:effectRef>
+      <a:fontRef idx="minor"/>
+    </dgm:style>
+  </dgm:styleLbl>
+  <dgm:styleLbl name="parChTrans1D3">
+    <dgm:scene3d>
+      <a:camera prst="orthographicFront"/>
+      <a:lightRig rig="threePt" dir="t"/>
+    </dgm:scene3d>
+    <dgm:sp3d/>
+    <dgm:txPr/>
+    <dgm:style>
+      <a:lnRef idx="2">
+        <a:scrgbClr r="0" g="0" b="0"/>
+      </a:lnRef>
+      <a:fillRef idx="0">
+        <a:scrgbClr r="0" g="0" b="0"/>
+      </a:fillRef>
+      <a:effectRef idx="0">
+        <a:scrgbClr r="0" g="0" b="0"/>
+      </a:effectRef>
+      <a:fontRef idx="minor"/>
+    </dgm:style>
+  </dgm:styleLbl>
+  <dgm:styleLbl name="parChTrans1D4">
+    <dgm:scene3d>
+      <a:camera prst="orthographicFront"/>
+      <a:lightRig rig="threePt" dir="t"/>
+    </dgm:scene3d>
+    <dgm:sp3d/>
+    <dgm:txPr/>
+    <dgm:style>
+      <a:lnRef idx="2">
+        <a:scrgbClr r="0" g="0" b="0"/>
+      </a:lnRef>
+      <a:fillRef idx="0">
+        <a:scrgbClr r="0" g="0" b="0"/>
+      </a:fillRef>
+      <a:effectRef idx="0">
+        <a:scrgbClr r="0" g="0" b="0"/>
+      </a:effectRef>
+      <a:fontRef idx="minor"/>
+    </dgm:style>
+  </dgm:styleLbl>
+  <dgm:styleLbl name="fgAcc1">
+    <dgm:scene3d>
+      <a:camera prst="orthographicFront"/>
+      <a:lightRig rig="threePt" dir="t"/>
+    </dgm:scene3d>
+    <dgm:sp3d/>
+    <dgm:txPr/>
+    <dgm:style>
+      <a:lnRef idx="2">
+        <a:scrgbClr r="0" g="0" b="0"/>
+      </a:lnRef>
+      <a:fillRef idx="1">
+        <a:scrgbClr r="0" g="0" b="0"/>
+      </a:fillRef>
+      <a:effectRef idx="0">
+        <a:scrgbClr r="0" g="0" b="0"/>
+      </a:effectRef>
+      <a:fontRef idx="minor"/>
+    </dgm:style>
+  </dgm:styleLbl>
+  <dgm:styleLbl name="conFgAcc1">
+    <dgm:scene3d>
+      <a:camera prst="orthographicFront"/>
+      <a:lightRig rig="threePt" dir="t"/>
+    </dgm:scene3d>
+    <dgm:sp3d/>
+    <dgm:txPr/>
+    <dgm:style>
+      <a:lnRef idx="2">
+        <a:scrgbClr r="0" g="0" b="0"/>
+      </a:lnRef>
+      <a:fillRef idx="1">
+        <a:scrgbClr r="0" g="0" b="0"/>
+      </a:fillRef>
+      <a:effectRef idx="0">
+        <a:scrgbClr r="0" g="0" b="0"/>
+      </a:effectRef>
+      <a:fontRef idx="minor"/>
+    </dgm:style>
+  </dgm:styleLbl>
+  <dgm:styleLbl name="alignAcc1">
+    <dgm:scene3d>
+      <a:camera prst="orthographicFront"/>
+      <a:lightRig rig="threePt" dir="t"/>
+    </dgm:scene3d>
+    <dgm:sp3d/>
+    <dgm:txPr/>
+    <dgm:style>
+      <a:lnRef idx="2">
+        <a:scrgbClr r="0" g="0" b="0"/>
+      </a:lnRef>
+      <a:fillRef idx="1">
+        <a:scrgbClr r="0" g="0" b="0"/>
+      </a:fillRef>
+      <a:effectRef idx="0">
+        <a:scrgbClr r="0" g="0" b="0"/>
+      </a:effectRef>
+      <a:fontRef idx="minor"/>
+    </dgm:style>
+  </dgm:styleLbl>
+  <dgm:styleLbl name="trAlignAcc1">
+    <dgm:scene3d>
+      <a:camera prst="orthographicFront"/>
+      <a:lightRig rig="threePt" dir="t"/>
+    </dgm:scene3d>
+    <dgm:sp3d/>
+    <dgm:txPr/>
+    <dgm:style>
+      <a:lnRef idx="1">
+        <a:scrgbClr r="0" g="0" b="0"/>
+      </a:lnRef>
+      <a:fillRef idx="1">
+        <a:scrgbClr r="0" g="0" b="0"/>
+      </a:fillRef>
+      <a:effectRef idx="0">
+        <a:scrgbClr r="0" g="0" b="0"/>
+      </a:effectRef>
+      <a:fontRef idx="minor"/>
+    </dgm:style>
+  </dgm:styleLbl>
+  <dgm:styleLbl name="bgAcc1">
+    <dgm:scene3d>
+      <a:camera prst="orthographicFront"/>
+      <a:lightRig rig="threePt" dir="t"/>
+    </dgm:scene3d>
+    <dgm:sp3d/>
+    <dgm:txPr/>
+    <dgm:style>
+      <a:lnRef idx="2">
+        <a:scrgbClr r="0" g="0" b="0"/>
+      </a:lnRef>
+      <a:fillRef idx="1">
+        <a:scrgbClr r="0" g="0" b="0"/>
+      </a:fillRef>
+      <a:effectRef idx="0">
+        <a:scrgbClr r="0" g="0" b="0"/>
+      </a:effectRef>
+      <a:fontRef idx="minor"/>
+    </dgm:style>
+  </dgm:styleLbl>
+  <dgm:styleLbl name="solidFgAcc1">
+    <dgm:scene3d>
+      <a:camera prst="orthographicFront"/>
+      <a:lightRig rig="threePt" dir="t"/>
+    </dgm:scene3d>
+    <dgm:sp3d/>
+    <dgm:txPr/>
+    <dgm:style>
+      <a:lnRef idx="2">
+        <a:scrgbClr r="0" g="0" b="0"/>
+      </a:lnRef>
+      <a:fillRef idx="1">
+        <a:scrgbClr r="0" g="0" b="0"/>
+      </a:fillRef>
+      <a:effectRef idx="0">
+        <a:scrgbClr r="0" g="0" b="0"/>
+      </a:effectRef>
+      <a:fontRef idx="minor"/>
+    </dgm:style>
+  </dgm:styleLbl>
+  <dgm:styleLbl name="solidAlignAcc1">
+    <dgm:scene3d>
+      <a:camera prst="orthographicFront"/>
+      <a:lightRig rig="threePt" dir="t"/>
+    </dgm:scene3d>
+    <dgm:sp3d/>
+    <dgm:txPr/>
+    <dgm:style>
+      <a:lnRef idx="2">
+        <a:scrgbClr r="0" g="0" b="0"/>
+      </a:lnRef>
+      <a:fillRef idx="1">
+        <a:scrgbClr r="0" g="0" b="0"/>
+      </a:fillRef>
+      <a:effectRef idx="0">
+        <a:scrgbClr r="0" g="0" b="0"/>
+      </a:effectRef>
+      <a:fontRef idx="minor"/>
+    </dgm:style>
+  </dgm:styleLbl>
+  <dgm:styleLbl name="solidBgAcc1">
+    <dgm:scene3d>
+      <a:camera prst="orthographicFront"/>
+      <a:lightRig rig="threePt" dir="t"/>
+    </dgm:scene3d>
+    <dgm:sp3d/>
+    <dgm:txPr/>
+    <dgm:style>
+      <a:lnRef idx="2">
+        <a:scrgbClr r="0" g="0" b="0"/>
+      </a:lnRef>
+      <a:fillRef idx="1">
+        <a:scrgbClr r="0" g="0" b="0"/>
+      </a:fillRef>
+      <a:effectRef idx="0">
+        <a:scrgbClr r="0" g="0" b="0"/>
+      </a:effectRef>
+      <a:fontRef idx="minor"/>
+    </dgm:style>
+  </dgm:styleLbl>
+  <dgm:styleLbl name="fgAccFollowNode1">
+    <dgm:scene3d>
+      <a:camera prst="orthographicFront"/>
+      <a:lightRig rig="threePt" dir="t"/>
+    </dgm:scene3d>
+    <dgm:sp3d/>
+    <dgm:txPr/>
+    <dgm:style>
+      <a:lnRef idx="2">
+        <a:scrgbClr r="0" g="0" b="0"/>
+      </a:lnRef>
+      <a:fillRef idx="1">
+        <a:scrgbClr r="0" g="0" b="0"/>
+      </a:fillRef>
+      <a:effectRef idx="0">
+        <a:scrgbClr r="0" g="0" b="0"/>
+      </a:effectRef>
+      <a:fontRef idx="minor"/>
+    </dgm:style>
+  </dgm:styleLbl>
+  <dgm:styleLbl name="alignAccFollowNode1">
+    <dgm:scene3d>
+      <a:camera prst="orthographicFront"/>
+      <a:lightRig rig="threePt" dir="t"/>
+    </dgm:scene3d>
+    <dgm:sp3d/>
+    <dgm:txPr/>
+    <dgm:style>
+      <a:lnRef idx="2">
+        <a:scrgbClr r="0" g="0" b="0"/>
+      </a:lnRef>
+      <a:fillRef idx="1">
+        <a:scrgbClr r="0" g="0" b="0"/>
+      </a:fillRef>
+      <a:effectRef idx="0">
+        <a:scrgbClr r="0" g="0" b="0"/>
+      </a:effectRef>
+      <a:fontRef idx="minor"/>
+    </dgm:style>
+  </dgm:styleLbl>
+  <dgm:styleLbl name="bgAccFollowNode1">
+    <dgm:scene3d>
+      <a:camera prst="orthographicFront"/>
+      <a:lightRig rig="threePt" dir="t"/>
+    </dgm:scene3d>
+    <dgm:sp3d/>
+    <dgm:txPr/>
+    <dgm:style>
+      <a:lnRef idx="2">
+        <a:scrgbClr r="0" g="0" b="0"/>
+      </a:lnRef>
+      <a:fillRef idx="1">
+        <a:scrgbClr r="0" g="0" b="0"/>
+      </a:fillRef>
+      <a:effectRef idx="0">
+        <a:scrgbClr r="0" g="0" b="0"/>
+      </a:effectRef>
+      <a:fontRef idx="minor"/>
+    </dgm:style>
+  </dgm:styleLbl>
+  <dgm:styleLbl name="fgAcc0">
+    <dgm:scene3d>
+      <a:camera prst="orthographicFront"/>
+      <a:lightRig rig="threePt" dir="t"/>
+    </dgm:scene3d>
+    <dgm:sp3d/>
+    <dgm:txPr/>
+    <dgm:style>
+      <a:lnRef idx="2">
+        <a:scrgbClr r="0" g="0" b="0"/>
+      </a:lnRef>
+      <a:fillRef idx="1">
+        <a:scrgbClr r="0" g="0" b="0"/>
+      </a:fillRef>
+      <a:effectRef idx="0">
+        <a:scrgbClr r="0" g="0" b="0"/>
+      </a:effectRef>
+      <a:fontRef idx="minor"/>
+    </dgm:style>
+  </dgm:styleLbl>
+  <dgm:styleLbl name="fgAcc2">
+    <dgm:scene3d>
+      <a:camera prst="orthographicFront"/>
+      <a:lightRig rig="threePt" dir="t"/>
+    </dgm:scene3d>
+    <dgm:sp3d/>
+    <dgm:txPr/>
+    <dgm:style>
+      <a:lnRef idx="2">
+        <a:scrgbClr r="0" g="0" b="0"/>
+      </a:lnRef>
+      <a:fillRef idx="1">
+        <a:scrgbClr r="0" g="0" b="0"/>
+      </a:fillRef>
+      <a:effectRef idx="0">
+        <a:scrgbClr r="0" g="0" b="0"/>
+      </a:effectRef>
+      <a:fontRef idx="minor"/>
+    </dgm:style>
+  </dgm:styleLbl>
+  <dgm:styleLbl name="fgAcc3">
+    <dgm:scene3d>
+      <a:camera prst="orthographicFront"/>
+      <a:lightRig rig="threePt" dir="t"/>
+    </dgm:scene3d>
+    <dgm:sp3d/>
+    <dgm:txPr/>
+    <dgm:style>
+      <a:lnRef idx="2">
+        <a:scrgbClr r="0" g="0" b="0"/>
+      </a:lnRef>
+      <a:fillRef idx="1">
+        <a:scrgbClr r="0" g="0" b="0"/>
+      </a:fillRef>
+      <a:effectRef idx="0">
+        <a:scrgbClr r="0" g="0" b="0"/>
+      </a:effectRef>
+      <a:fontRef idx="minor"/>
+    </dgm:style>
+  </dgm:styleLbl>
+  <dgm:styleLbl name="fgAcc4">
+    <dgm:scene3d>
+      <a:camera prst="orthographicFront"/>
+      <a:lightRig rig="threePt" dir="t"/>
+    </dgm:scene3d>
+    <dgm:sp3d/>
+    <dgm:txPr/>
+    <dgm:style>
+      <a:lnRef idx="2">
+        <a:scrgbClr r="0" g="0" b="0"/>
+      </a:lnRef>
+      <a:fillRef idx="1">
+        <a:scrgbClr r="0" g="0" b="0"/>
+      </a:fillRef>
+      <a:effectRef idx="0">
+        <a:scrgbClr r="0" g="0" b="0"/>
+      </a:effectRef>
+      <a:fontRef idx="minor"/>
+    </dgm:style>
+  </dgm:styleLbl>
+  <dgm:styleLbl name="bgShp">
+    <dgm:scene3d>
+      <a:camera prst="orthographicFront"/>
+      <a:lightRig rig="threePt" dir="t"/>
+    </dgm:scene3d>
+    <dgm:sp3d/>
+    <dgm:txPr/>
+    <dgm:style>
+      <a:lnRef idx="0">
+        <a:scrgbClr r="0" g="0" b="0"/>
+      </a:lnRef>
+      <a:fillRef idx="1">
+        <a:scrgbClr r="0" g="0" b="0"/>
+      </a:fillRef>
+      <a:effectRef idx="0">
+        <a:scrgbClr r="0" g="0" b="0"/>
+      </a:effectRef>
+      <a:fontRef idx="minor"/>
+    </dgm:style>
+  </dgm:styleLbl>
+  <dgm:styleLbl name="dkBgShp">
+    <dgm:scene3d>
+      <a:camera prst="orthographicFront"/>
+      <a:lightRig rig="threePt" dir="t"/>
+    </dgm:scene3d>
+    <dgm:sp3d/>
+    <dgm:txPr/>
+    <dgm:style>
+      <a:lnRef idx="0">
+        <a:scrgbClr r="0" g="0" b="0"/>
+      </a:lnRef>
+      <a:fillRef idx="1">
+        <a:scrgbClr r="0" g="0" b="0"/>
+      </a:fillRef>
+      <a:effectRef idx="0">
+        <a:scrgbClr r="0" g="0" b="0"/>
+      </a:effectRef>
+      <a:fontRef idx="minor"/>
+    </dgm:style>
+  </dgm:styleLbl>
+  <dgm:styleLbl name="trBgShp">
+    <dgm:scene3d>
+      <a:camera prst="orthographicFront"/>
+      <a:lightRig rig="threePt" dir="t"/>
+    </dgm:scene3d>
+    <dgm:sp3d/>
+    <dgm:txPr/>
+    <dgm:style>
+      <a:lnRef idx="0">
+        <a:scrgbClr r="0" g="0" b="0"/>
+      </a:lnRef>
+      <a:fillRef idx="1">
+        <a:scrgbClr r="0" g="0" b="0"/>
+      </a:fillRef>
+      <a:effectRef idx="0">
+        <a:scrgbClr r="0" g="0" b="0"/>
+      </a:effectRef>
+      <a:fontRef idx="minor"/>
+    </dgm:style>
+  </dgm:styleLbl>
+  <dgm:styleLbl name="fgShp">
+    <dgm:scene3d>
+      <a:camera prst="orthographicFront"/>
+      <a:lightRig rig="threePt" dir="t"/>
+    </dgm:scene3d>
+    <dgm:sp3d/>
+    <dgm:txPr/>
+    <dgm:style>
+      <a:lnRef idx="3">
+        <a:scrgbClr r="0" g="0" b="0"/>
+      </a:lnRef>
+      <a:fillRef idx="1">
+        <a:scrgbClr r="0" g="0" b="0"/>
+      </a:fillRef>
+      <a:effectRef idx="1">
+        <a:scrgbClr r="0" g="0" b="0"/>
+      </a:effectRef>
+      <a:fontRef idx="minor"/>
+    </dgm:style>
+  </dgm:styleLbl>
+  <dgm:styleLbl name="revTx">
+    <dgm:scene3d>
+      <a:camera prst="orthographicFront"/>
+      <a:lightRig rig="threePt" dir="t"/>
+    </dgm:scene3d>
+    <dgm:sp3d/>
+    <dgm:txPr/>
+    <dgm:style>
+      <a:lnRef idx="0">
+        <a:scrgbClr r="0" g="0" b="0"/>
+      </a:lnRef>
+      <a:fillRef idx="0">
+        <a:scrgbClr r="0" g="0" b="0"/>
+      </a:fillRef>
+      <a:effectRef idx="0">
+        <a:scrgbClr r="0" g="0" b="0"/>
+      </a:effectRef>
+      <a:fontRef idx="minor"/>
+    </dgm:style>
+  </dgm:styleLbl>
+</dgm:styleDef>
+</file>
+
 <file path=ppt/notesMasters/notesMaster1.xml><?xml version="1.0" encoding="utf-8"?>
 <p:notesMaster xmlns:a="http://schemas.openxmlformats.org/drawingml/2006/main" xmlns:r="http://schemas.openxmlformats.org/officeDocument/2006/relationships" xmlns:p="http://schemas.openxmlformats.org/presentationml/2006/main">
   <p:cSld>
@@ -224,7 +3496,7 @@
           <a:p>
             <a:fld id="{5EC39252-72C7-4FBF-B476-E5A022C27871}" type="datetimeFigureOut">
               <a:rPr lang="nl-NL" smtClean="0"/>
-              <a:t>13-12-2018</a:t>
+              <a:t>17-12-2018</a:t>
             </a:fld>
             <a:endParaRPr lang="nl-NL"/>
           </a:p>
@@ -715,7 +3987,7 @@
           <a:p>
             <a:fld id="{BB388F0E-E01E-41C7-839A-DF2065C76414}" type="datetime1">
               <a:rPr lang="nl-NL" smtClean="0"/>
-              <a:t>13-12-2018</a:t>
+              <a:t>17-12-2018</a:t>
             </a:fld>
             <a:endParaRPr lang="nl-NL"/>
           </a:p>
@@ -885,7 +4157,7 @@
           <a:p>
             <a:fld id="{B2B1D747-F396-4C71-99C2-CAE7FB4FE9A3}" type="datetime1">
               <a:rPr lang="nl-NL" smtClean="0"/>
-              <a:t>13-12-2018</a:t>
+              <a:t>17-12-2018</a:t>
             </a:fld>
             <a:endParaRPr lang="nl-NL"/>
           </a:p>
@@ -1065,7 +4337,7 @@
           <a:p>
             <a:fld id="{C193B553-CA31-4F6D-B482-15AF5738FF2E}" type="datetime1">
               <a:rPr lang="nl-NL" smtClean="0"/>
-              <a:t>13-12-2018</a:t>
+              <a:t>17-12-2018</a:t>
             </a:fld>
             <a:endParaRPr lang="nl-NL"/>
           </a:p>
@@ -1235,7 +4507,7 @@
           <a:p>
             <a:fld id="{594B7EF5-1FB8-42DD-90F3-EFD361B151A8}" type="datetime1">
               <a:rPr lang="nl-NL" smtClean="0"/>
-              <a:t>13-12-2018</a:t>
+              <a:t>17-12-2018</a:t>
             </a:fld>
             <a:endParaRPr lang="nl-NL"/>
           </a:p>
@@ -1493,7 +4765,7 @@
           <a:p>
             <a:fld id="{7432AAA5-4E22-49D9-8105-14E7BB7A3FCD}" type="datetime1">
               <a:rPr lang="nl-NL" smtClean="0"/>
-              <a:t>13-12-2018</a:t>
+              <a:t>17-12-2018</a:t>
             </a:fld>
             <a:endParaRPr lang="nl-NL"/>
           </a:p>
@@ -1781,7 +5053,7 @@
           <a:p>
             <a:fld id="{02276D18-2206-4941-BC32-642BB130EFDC}" type="datetime1">
               <a:rPr lang="nl-NL" smtClean="0"/>
-              <a:t>13-12-2018</a:t>
+              <a:t>17-12-2018</a:t>
             </a:fld>
             <a:endParaRPr lang="nl-NL"/>
           </a:p>
@@ -2223,7 +5495,7 @@
           <a:p>
             <a:fld id="{F6278FD7-1A2F-41F3-B5E5-F76F0908CAFF}" type="datetime1">
               <a:rPr lang="nl-NL" smtClean="0"/>
-              <a:t>13-12-2018</a:t>
+              <a:t>17-12-2018</a:t>
             </a:fld>
             <a:endParaRPr lang="nl-NL"/>
           </a:p>
@@ -2341,7 +5613,7 @@
           <a:p>
             <a:fld id="{4D3738AD-DCDF-41F1-B584-43F0F6661B56}" type="datetime1">
               <a:rPr lang="nl-NL" smtClean="0"/>
-              <a:t>13-12-2018</a:t>
+              <a:t>17-12-2018</a:t>
             </a:fld>
             <a:endParaRPr lang="nl-NL"/>
           </a:p>
@@ -2436,7 +5708,7 @@
           <a:p>
             <a:fld id="{819077EF-F2D7-4487-80DC-1D2A5F8D99D9}" type="datetime1">
               <a:rPr lang="nl-NL" smtClean="0"/>
-              <a:t>13-12-2018</a:t>
+              <a:t>17-12-2018</a:t>
             </a:fld>
             <a:endParaRPr lang="nl-NL"/>
           </a:p>
@@ -2724,7 +5996,7 @@
           <a:p>
             <a:fld id="{6D70CE09-8973-4601-9AD6-7ED46B1CD30B}" type="datetime1">
               <a:rPr lang="nl-NL" smtClean="0"/>
-              <a:t>13-12-2018</a:t>
+              <a:t>17-12-2018</a:t>
             </a:fld>
             <a:endParaRPr lang="nl-NL"/>
           </a:p>
@@ -2997,7 +6269,7 @@
           <a:p>
             <a:fld id="{AF6E0332-05A7-40C5-9C0D-2F4BD7093109}" type="datetime1">
               <a:rPr lang="nl-NL" smtClean="0"/>
-              <a:t>13-12-2018</a:t>
+              <a:t>17-12-2018</a:t>
             </a:fld>
             <a:endParaRPr lang="nl-NL"/>
           </a:p>
@@ -3294,7 +6566,7 @@
           <a:p>
             <a:fld id="{8E441E1F-DF90-4B8E-BE48-783FA69A069E}" type="datetime1">
               <a:rPr lang="nl-NL" smtClean="0"/>
-              <a:t>13-12-2018</a:t>
+              <a:t>17-12-2018</a:t>
             </a:fld>
             <a:endParaRPr lang="nl-NL"/>
           </a:p>
@@ -3943,845 +7215,6 @@
 <file path=ppt/slides/slide10.xml><?xml version="1.0" encoding="utf-8"?>
 <p:sld xmlns:a="http://schemas.openxmlformats.org/drawingml/2006/main" xmlns:r="http://schemas.openxmlformats.org/officeDocument/2006/relationships" xmlns:p="http://schemas.openxmlformats.org/presentationml/2006/main">
   <p:cSld>
-    <p:spTree>
-      <p:nvGrpSpPr>
-        <p:cNvPr id="1" name=""/>
-        <p:cNvGrpSpPr/>
-        <p:nvPr/>
-      </p:nvGrpSpPr>
-      <p:grpSpPr>
-        <a:xfrm>
-          <a:off x="0" y="0"/>
-          <a:ext cx="0" cy="0"/>
-          <a:chOff x="0" y="0"/>
-          <a:chExt cx="0" cy="0"/>
-        </a:xfrm>
-      </p:grpSpPr>
-      <p:sp>
-        <p:nvSpPr>
-          <p:cNvPr id="2" name="Title 1">
-            <a:extLst>
-              <a:ext uri="{FF2B5EF4-FFF2-40B4-BE49-F238E27FC236}">
-                <a16:creationId xmlns:a16="http://schemas.microsoft.com/office/drawing/2014/main" id="{FA4FB326-394B-4245-BCCE-BBDF6F5460CE}"/>
-              </a:ext>
-            </a:extLst>
-          </p:cNvPr>
-          <p:cNvSpPr>
-            <a:spLocks noGrp="1"/>
-          </p:cNvSpPr>
-          <p:nvPr>
-            <p:ph type="title"/>
-          </p:nvPr>
-        </p:nvSpPr>
-        <p:spPr/>
-        <p:txBody>
-          <a:bodyPr/>
-          <a:lstStyle/>
-          <a:p>
-            <a:r>
-              <a:rPr lang="en-GB" dirty="0"/>
-              <a:t>Case exploration</a:t>
-            </a:r>
-            <a:endParaRPr lang="en-US" dirty="0"/>
-          </a:p>
-        </p:txBody>
-      </p:sp>
-      <mc:AlternateContent xmlns:mc="http://schemas.openxmlformats.org/markup-compatibility/2006">
-        <mc:Choice xmlns:a14="http://schemas.microsoft.com/office/drawing/2010/main" Requires="a14">
-          <p:sp>
-            <p:nvSpPr>
-              <p:cNvPr id="3" name="Content Placeholder 2">
-                <a:extLst>
-                  <a:ext uri="{FF2B5EF4-FFF2-40B4-BE49-F238E27FC236}">
-                    <a16:creationId xmlns:a16="http://schemas.microsoft.com/office/drawing/2014/main" id="{4CF4F08C-CD41-4CB8-9667-08B5918D8509}"/>
-                  </a:ext>
-                </a:extLst>
-              </p:cNvPr>
-              <p:cNvSpPr>
-                <a:spLocks noGrp="1"/>
-              </p:cNvSpPr>
-              <p:nvPr>
-                <p:ph idx="1"/>
-              </p:nvPr>
-            </p:nvSpPr>
-            <p:spPr>
-              <a:xfrm>
-                <a:off x="3869268" y="864108"/>
-                <a:ext cx="7315200" cy="3296831"/>
-              </a:xfrm>
-            </p:spPr>
-            <p:txBody>
-              <a:bodyPr>
-                <a:normAutofit/>
-              </a:bodyPr>
-              <a:lstStyle/>
-              <a:p>
-                <a:r>
-                  <a:rPr lang="en-GB" dirty="0"/>
-                  <a:t>Complexiteitsfunctie: </a:t>
-                </a:r>
-                <a:r>
-                  <a:rPr lang="en-GB" dirty="0" err="1"/>
-                  <a:t>aantal</a:t>
-                </a:r>
-                <a:r>
-                  <a:rPr lang="en-GB" dirty="0"/>
-                  <a:t> </a:t>
-                </a:r>
-                <a:r>
-                  <a:rPr lang="en-GB" dirty="0" err="1"/>
-                  <a:t>mogelijke</a:t>
-                </a:r>
-                <a:r>
-                  <a:rPr lang="en-GB" dirty="0"/>
-                  <a:t> </a:t>
-                </a:r>
-                <a:r>
-                  <a:rPr lang="en-GB" dirty="0" err="1"/>
-                  <a:t>connecties</a:t>
-                </a:r>
-                <a:r>
-                  <a:rPr lang="en-GB" dirty="0"/>
-                  <a:t> </a:t>
-                </a:r>
-                <a:r>
-                  <a:rPr lang="en-GB" dirty="0" err="1"/>
-                  <a:t>tussen</a:t>
-                </a:r>
-                <a:r>
-                  <a:rPr lang="en-GB" dirty="0"/>
-                  <a:t> </a:t>
-                </a:r>
-                <a:r>
-                  <a:rPr lang="en-GB" dirty="0" err="1"/>
-                  <a:t>huizen</a:t>
-                </a:r>
-                <a:r>
-                  <a:rPr lang="en-GB" dirty="0"/>
-                  <a:t> </a:t>
-                </a:r>
-                <a:r>
-                  <a:rPr lang="en-GB" dirty="0" err="1"/>
-                  <a:t>en</a:t>
-                </a:r>
-                <a:r>
-                  <a:rPr lang="en-GB" dirty="0"/>
-                  <a:t> </a:t>
-                </a:r>
-                <a:r>
-                  <a:rPr lang="en-GB" dirty="0" err="1"/>
-                  <a:t>batterijen</a:t>
-                </a:r>
-                <a:endParaRPr lang="en-GB" dirty="0"/>
-              </a:p>
-              <a:p>
-                <a:pPr lvl="1"/>
-                <a:r>
-                  <a:rPr lang="en-GB" dirty="0"/>
-                  <a:t>Constraint relaxation: </a:t>
-                </a:r>
-                <a:r>
-                  <a:rPr lang="en-GB" dirty="0" err="1"/>
-                  <a:t>geen</a:t>
-                </a:r>
-                <a:r>
-                  <a:rPr lang="en-GB" dirty="0"/>
-                  <a:t> </a:t>
-                </a:r>
-                <a:r>
-                  <a:rPr lang="en-GB" dirty="0" err="1"/>
-                  <a:t>rekening</a:t>
-                </a:r>
-                <a:r>
-                  <a:rPr lang="en-GB" dirty="0"/>
-                  <a:t> </a:t>
-                </a:r>
-                <a:r>
-                  <a:rPr lang="en-GB" dirty="0" err="1"/>
-                  <a:t>houdend</a:t>
-                </a:r>
-                <a:r>
-                  <a:rPr lang="en-GB" dirty="0"/>
-                  <a:t> met de </a:t>
-                </a:r>
-                <a:r>
-                  <a:rPr lang="en-GB" dirty="0" err="1"/>
-                  <a:t>capaciteit</a:t>
-                </a:r>
-                <a:r>
-                  <a:rPr lang="en-GB" dirty="0"/>
-                  <a:t> van de </a:t>
-                </a:r>
-                <a:r>
-                  <a:rPr lang="en-GB" dirty="0" err="1"/>
-                  <a:t>batterijen</a:t>
-                </a:r>
-                <a:endParaRPr lang="en-GB" dirty="0"/>
-              </a:p>
-              <a:p>
-                <a:pPr lvl="1"/>
-                <a:r>
-                  <a:rPr lang="en-GB" dirty="0"/>
-                  <a:t>C</a:t>
-                </a:r>
-                <a14:m>
-                  <m:oMath xmlns:m="http://schemas.openxmlformats.org/officeDocument/2006/math">
-                    <m:r>
-                      <a:rPr lang="en-GB" b="0" i="0" smtClean="0">
-                        <a:latin typeface="Cambria Math" panose="02040503050406030204" pitchFamily="18" charset="0"/>
-                      </a:rPr>
-                      <m:t> </m:t>
-                    </m:r>
-                    <m:r>
-                      <a:rPr lang="en-GB" i="1" smtClean="0">
-                        <a:latin typeface="Cambria Math" panose="02040503050406030204" pitchFamily="18" charset="0"/>
-                      </a:rPr>
-                      <m:t>=</m:t>
-                    </m:r>
-                    <m:sSup>
-                      <m:sSupPr>
-                        <m:ctrlPr>
-                          <a:rPr lang="en-GB" i="1" smtClean="0">
-                            <a:latin typeface="Cambria Math" panose="02040503050406030204" pitchFamily="18" charset="0"/>
-                          </a:rPr>
-                        </m:ctrlPr>
-                      </m:sSupPr>
-                      <m:e>
-                        <m:r>
-                          <a:rPr lang="en-GB" b="0" i="1" smtClean="0">
-                            <a:latin typeface="Cambria Math" panose="02040503050406030204" pitchFamily="18" charset="0"/>
-                          </a:rPr>
-                          <m:t>𝐵</m:t>
-                        </m:r>
-                      </m:e>
-                      <m:sup>
-                        <m:r>
-                          <a:rPr lang="en-GB" b="0" i="1" smtClean="0">
-                            <a:latin typeface="Cambria Math" panose="02040503050406030204" pitchFamily="18" charset="0"/>
-                          </a:rPr>
-                          <m:t>𝐻</m:t>
-                        </m:r>
-                      </m:sup>
-                    </m:sSup>
-                  </m:oMath>
-                </a14:m>
-                <a:endParaRPr lang="en-GB" dirty="0"/>
-              </a:p>
-              <a:p>
-                <a:pPr lvl="1"/>
-                <a:r>
-                  <a:rPr lang="en-GB" dirty="0"/>
-                  <a:t>B = </a:t>
-                </a:r>
-                <a:r>
-                  <a:rPr lang="en-GB" dirty="0" err="1"/>
-                  <a:t>aantal</a:t>
-                </a:r>
-                <a:r>
-                  <a:rPr lang="en-GB" dirty="0"/>
-                  <a:t> </a:t>
-                </a:r>
-                <a:r>
-                  <a:rPr lang="en-GB" dirty="0" err="1"/>
-                  <a:t>batterijen</a:t>
-                </a:r>
-                <a:r>
-                  <a:rPr lang="en-GB" dirty="0"/>
-                  <a:t>, H = </a:t>
-                </a:r>
-                <a:r>
-                  <a:rPr lang="en-GB" dirty="0" err="1"/>
-                  <a:t>aantal</a:t>
-                </a:r>
-                <a:r>
-                  <a:rPr lang="en-GB" dirty="0"/>
-                  <a:t> </a:t>
-                </a:r>
-                <a:r>
-                  <a:rPr lang="en-GB" dirty="0" err="1"/>
-                  <a:t>huizen</a:t>
-                </a:r>
-                <a:endParaRPr lang="en-GB" dirty="0"/>
-              </a:p>
-              <a:p>
-                <a:pPr lvl="1"/>
-                <a:endParaRPr lang="en-GB" dirty="0"/>
-              </a:p>
-              <a:p>
-                <a:r>
-                  <a:rPr lang="en-GB" dirty="0" err="1"/>
-                  <a:t>Constante</a:t>
-                </a:r>
-                <a:r>
-                  <a:rPr lang="en-GB" dirty="0"/>
-                  <a:t> </a:t>
-                </a:r>
-                <a:r>
-                  <a:rPr lang="en-GB" dirty="0" err="1"/>
-                  <a:t>kosten</a:t>
-                </a:r>
-                <a:r>
-                  <a:rPr lang="en-GB" dirty="0"/>
-                  <a:t> (</a:t>
-                </a:r>
-                <a:r>
-                  <a:rPr lang="en-GB" dirty="0" err="1"/>
-                  <a:t>bij</a:t>
-                </a:r>
-                <a:r>
-                  <a:rPr lang="en-GB" dirty="0"/>
-                  <a:t> </a:t>
-                </a:r>
-                <a:r>
-                  <a:rPr lang="en-GB" dirty="0" err="1"/>
-                  <a:t>stap</a:t>
-                </a:r>
-                <a:r>
-                  <a:rPr lang="en-GB" dirty="0"/>
-                  <a:t> A tot </a:t>
-                </a:r>
-                <a:r>
-                  <a:rPr lang="en-GB" dirty="0" err="1"/>
-                  <a:t>en</a:t>
-                </a:r>
-                <a:r>
-                  <a:rPr lang="en-GB" dirty="0"/>
-                  <a:t> met C): 5 x 5000 = 25000</a:t>
-                </a:r>
-                <a:endParaRPr lang="en-US" dirty="0"/>
-              </a:p>
-            </p:txBody>
-          </p:sp>
-        </mc:Choice>
-        <mc:Fallback>
-          <p:sp>
-            <p:nvSpPr>
-              <p:cNvPr id="3" name="Content Placeholder 2">
-                <a:extLst>
-                  <a:ext uri="{FF2B5EF4-FFF2-40B4-BE49-F238E27FC236}">
-                    <a16:creationId xmlns:a16="http://schemas.microsoft.com/office/drawing/2014/main" id="{4CF4F08C-CD41-4CB8-9667-08B5918D8509}"/>
-                  </a:ext>
-                </a:extLst>
-              </p:cNvPr>
-              <p:cNvSpPr>
-                <a:spLocks noGrp="1" noRot="1" noChangeAspect="1" noMove="1" noResize="1" noEditPoints="1" noAdjustHandles="1" noChangeArrowheads="1" noChangeShapeType="1" noTextEdit="1"/>
-              </p:cNvSpPr>
-              <p:nvPr>
-                <p:ph idx="1"/>
-              </p:nvPr>
-            </p:nvSpPr>
-            <p:spPr>
-              <a:xfrm>
-                <a:off x="3869268" y="864108"/>
-                <a:ext cx="7315200" cy="3296831"/>
-              </a:xfrm>
-              <a:blipFill>
-                <a:blip r:embed="rId2"/>
-                <a:stretch>
-                  <a:fillRect l="-667" r="-583"/>
-                </a:stretch>
-              </a:blipFill>
-            </p:spPr>
-            <p:txBody>
-              <a:bodyPr/>
-              <a:lstStyle/>
-              <a:p>
-                <a:r>
-                  <a:rPr lang="nl-NL">
-                    <a:noFill/>
-                  </a:rPr>
-                  <a:t> </a:t>
-                </a:r>
-              </a:p>
-            </p:txBody>
-          </p:sp>
-        </mc:Fallback>
-      </mc:AlternateContent>
-      <p:graphicFrame>
-        <p:nvGraphicFramePr>
-          <p:cNvPr id="4" name="Table 3">
-            <a:extLst>
-              <a:ext uri="{FF2B5EF4-FFF2-40B4-BE49-F238E27FC236}">
-                <a16:creationId xmlns:a16="http://schemas.microsoft.com/office/drawing/2014/main" id="{580127EA-85C4-4094-A268-F4917B905DA0}"/>
-              </a:ext>
-            </a:extLst>
-          </p:cNvPr>
-          <p:cNvGraphicFramePr>
-            <a:graphicFrameLocks noGrp="1"/>
-          </p:cNvGraphicFramePr>
-          <p:nvPr>
-            <p:extLst>
-              <p:ext uri="{D42A27DB-BD31-4B8C-83A1-F6EECF244321}">
-                <p14:modId xmlns:p14="http://schemas.microsoft.com/office/powerpoint/2010/main" val="3220453441"/>
-              </p:ext>
-            </p:extLst>
-          </p:nvPr>
-        </p:nvGraphicFramePr>
-        <p:xfrm>
-          <a:off x="3542018" y="4241660"/>
-          <a:ext cx="8127999" cy="1483360"/>
-        </p:xfrm>
-        <a:graphic>
-          <a:graphicData uri="http://schemas.openxmlformats.org/drawingml/2006/table">
-            <a:tbl>
-              <a:tblPr firstRow="1" bandRow="1">
-                <a:tableStyleId>{5C22544A-7EE6-4342-B048-85BDC9FD1C3A}</a:tableStyleId>
-              </a:tblPr>
-              <a:tblGrid>
-                <a:gridCol w="2709333">
-                  <a:extLst>
-                    <a:ext uri="{9D8B030D-6E8A-4147-A177-3AD203B41FA5}">
-                      <a16:colId xmlns:a16="http://schemas.microsoft.com/office/drawing/2014/main" val="1208802214"/>
-                    </a:ext>
-                  </a:extLst>
-                </a:gridCol>
-                <a:gridCol w="2709333">
-                  <a:extLst>
-                    <a:ext uri="{9D8B030D-6E8A-4147-A177-3AD203B41FA5}">
-                      <a16:colId xmlns:a16="http://schemas.microsoft.com/office/drawing/2014/main" val="3532181517"/>
-                    </a:ext>
-                  </a:extLst>
-                </a:gridCol>
-                <a:gridCol w="2709333">
-                  <a:extLst>
-                    <a:ext uri="{9D8B030D-6E8A-4147-A177-3AD203B41FA5}">
-                      <a16:colId xmlns:a16="http://schemas.microsoft.com/office/drawing/2014/main" val="1657412657"/>
-                    </a:ext>
-                  </a:extLst>
-                </a:gridCol>
-              </a:tblGrid>
-              <a:tr h="370840">
-                <a:tc>
-                  <a:txBody>
-                    <a:bodyPr/>
-                    <a:lstStyle/>
-                    <a:p>
-                      <a:r>
-                        <a:rPr lang="en-GB" dirty="0" err="1"/>
-                        <a:t>Wijk</a:t>
-                      </a:r>
-                      <a:endParaRPr lang="en-US" dirty="0"/>
-                    </a:p>
-                  </a:txBody>
-                  <a:tcPr/>
-                </a:tc>
-                <a:tc>
-                  <a:txBody>
-                    <a:bodyPr/>
-                    <a:lstStyle/>
-                    <a:p>
-                      <a:r>
-                        <a:rPr lang="en-GB" dirty="0"/>
-                        <a:t>Lower</a:t>
-                      </a:r>
-                      <a:endParaRPr lang="en-US" dirty="0"/>
-                    </a:p>
-                  </a:txBody>
-                  <a:tcPr/>
-                </a:tc>
-                <a:tc>
-                  <a:txBody>
-                    <a:bodyPr/>
-                    <a:lstStyle/>
-                    <a:p>
-                      <a:r>
-                        <a:rPr lang="en-GB" dirty="0"/>
-                        <a:t>Upper</a:t>
-                      </a:r>
-                      <a:endParaRPr lang="en-US" dirty="0"/>
-                    </a:p>
-                  </a:txBody>
-                  <a:tcPr/>
-                </a:tc>
-                <a:extLst>
-                  <a:ext uri="{0D108BD9-81ED-4DB2-BD59-A6C34878D82A}">
-                    <a16:rowId xmlns:a16="http://schemas.microsoft.com/office/drawing/2014/main" val="1653422216"/>
-                  </a:ext>
-                </a:extLst>
-              </a:tr>
-              <a:tr h="370840">
-                <a:tc>
-                  <a:txBody>
-                    <a:bodyPr/>
-                    <a:lstStyle/>
-                    <a:p>
-                      <a:r>
-                        <a:rPr lang="en-GB" dirty="0"/>
-                        <a:t>1</a:t>
-                      </a:r>
-                      <a:endParaRPr lang="en-US" dirty="0"/>
-                    </a:p>
-                  </a:txBody>
-                  <a:tcPr/>
-                </a:tc>
-                <a:tc>
-                  <a:txBody>
-                    <a:bodyPr/>
-                    <a:lstStyle/>
-                    <a:p>
-                      <a:r>
-                        <a:rPr lang="en-GB" dirty="0"/>
-                        <a:t>53188</a:t>
-                      </a:r>
-                      <a:endParaRPr lang="en-US" dirty="0"/>
-                    </a:p>
-                  </a:txBody>
-                  <a:tcPr/>
-                </a:tc>
-                <a:tc>
-                  <a:txBody>
-                    <a:bodyPr/>
-                    <a:lstStyle/>
-                    <a:p>
-                      <a:r>
-                        <a:rPr lang="en-GB" dirty="0"/>
-                        <a:t>103030</a:t>
-                      </a:r>
-                      <a:endParaRPr lang="en-US" dirty="0"/>
-                    </a:p>
-                  </a:txBody>
-                  <a:tcPr/>
-                </a:tc>
-                <a:extLst>
-                  <a:ext uri="{0D108BD9-81ED-4DB2-BD59-A6C34878D82A}">
-                    <a16:rowId xmlns:a16="http://schemas.microsoft.com/office/drawing/2014/main" val="2255200865"/>
-                  </a:ext>
-                </a:extLst>
-              </a:tr>
-              <a:tr h="370840">
-                <a:tc>
-                  <a:txBody>
-                    <a:bodyPr/>
-                    <a:lstStyle/>
-                    <a:p>
-                      <a:r>
-                        <a:rPr lang="en-GB" dirty="0"/>
-                        <a:t>2</a:t>
-                      </a:r>
-                      <a:endParaRPr lang="en-US" dirty="0"/>
-                    </a:p>
-                  </a:txBody>
-                  <a:tcPr/>
-                </a:tc>
-                <a:tc>
-                  <a:txBody>
-                    <a:bodyPr/>
-                    <a:lstStyle/>
-                    <a:p>
-                      <a:r>
-                        <a:rPr lang="en-GB" dirty="0"/>
-                        <a:t>45268</a:t>
-                      </a:r>
-                      <a:endParaRPr lang="en-US" dirty="0"/>
-                    </a:p>
-                  </a:txBody>
-                  <a:tcPr/>
-                </a:tc>
-                <a:tc>
-                  <a:txBody>
-                    <a:bodyPr/>
-                    <a:lstStyle/>
-                    <a:p>
-                      <a:r>
-                        <a:rPr lang="en-GB" dirty="0"/>
-                        <a:t>96253</a:t>
-                      </a:r>
-                      <a:endParaRPr lang="en-US" dirty="0"/>
-                    </a:p>
-                  </a:txBody>
-                  <a:tcPr/>
-                </a:tc>
-                <a:extLst>
-                  <a:ext uri="{0D108BD9-81ED-4DB2-BD59-A6C34878D82A}">
-                    <a16:rowId xmlns:a16="http://schemas.microsoft.com/office/drawing/2014/main" val="801549086"/>
-                  </a:ext>
-                </a:extLst>
-              </a:tr>
-              <a:tr h="370840">
-                <a:tc>
-                  <a:txBody>
-                    <a:bodyPr/>
-                    <a:lstStyle/>
-                    <a:p>
-                      <a:r>
-                        <a:rPr lang="en-GB" dirty="0"/>
-                        <a:t>3</a:t>
-                      </a:r>
-                      <a:endParaRPr lang="en-US" dirty="0"/>
-                    </a:p>
-                  </a:txBody>
-                  <a:tcPr/>
-                </a:tc>
-                <a:tc>
-                  <a:txBody>
-                    <a:bodyPr/>
-                    <a:lstStyle/>
-                    <a:p>
-                      <a:r>
-                        <a:rPr lang="en-GB" dirty="0"/>
-                        <a:t>42757</a:t>
-                      </a:r>
-                      <a:endParaRPr lang="en-US" dirty="0"/>
-                    </a:p>
-                  </a:txBody>
-                  <a:tcPr/>
-                </a:tc>
-                <a:tc>
-                  <a:txBody>
-                    <a:bodyPr/>
-                    <a:lstStyle/>
-                    <a:p>
-                      <a:r>
-                        <a:rPr lang="en-GB" dirty="0"/>
-                        <a:t>101491</a:t>
-                      </a:r>
-                      <a:endParaRPr lang="en-US" dirty="0"/>
-                    </a:p>
-                  </a:txBody>
-                  <a:tcPr/>
-                </a:tc>
-                <a:extLst>
-                  <a:ext uri="{0D108BD9-81ED-4DB2-BD59-A6C34878D82A}">
-                    <a16:rowId xmlns:a16="http://schemas.microsoft.com/office/drawing/2014/main" val="367074318"/>
-                  </a:ext>
-                </a:extLst>
-              </a:tr>
-            </a:tbl>
-          </a:graphicData>
-        </a:graphic>
-      </p:graphicFrame>
-      <p:sp>
-        <p:nvSpPr>
-          <p:cNvPr id="5" name="Slide Number Placeholder 4">
-            <a:extLst>
-              <a:ext uri="{FF2B5EF4-FFF2-40B4-BE49-F238E27FC236}">
-                <a16:creationId xmlns:a16="http://schemas.microsoft.com/office/drawing/2014/main" id="{1A619425-C5A6-4124-803D-3F7D637928B1}"/>
-              </a:ext>
-            </a:extLst>
-          </p:cNvPr>
-          <p:cNvSpPr>
-            <a:spLocks noGrp="1"/>
-          </p:cNvSpPr>
-          <p:nvPr>
-            <p:ph type="sldNum" sz="quarter" idx="12"/>
-          </p:nvPr>
-        </p:nvSpPr>
-        <p:spPr/>
-        <p:txBody>
-          <a:bodyPr/>
-          <a:lstStyle/>
-          <a:p>
-            <a:fld id="{0FBD8FBB-5194-4CDF-A1AC-FF2A7D4344FA}" type="slidenum">
-              <a:rPr lang="nl-NL" smtClean="0"/>
-              <a:t>10</a:t>
-            </a:fld>
-            <a:endParaRPr lang="nl-NL"/>
-          </a:p>
-        </p:txBody>
-      </p:sp>
-    </p:spTree>
-    <p:extLst>
-      <p:ext uri="{BB962C8B-B14F-4D97-AF65-F5344CB8AC3E}">
-        <p14:creationId xmlns:p14="http://schemas.microsoft.com/office/powerpoint/2010/main" val="3621837407"/>
-      </p:ext>
-    </p:extLst>
-  </p:cSld>
-  <p:clrMapOvr>
-    <a:masterClrMapping/>
-  </p:clrMapOvr>
-</p:sld>
-</file>
-
-<file path=ppt/slides/slide11.xml><?xml version="1.0" encoding="utf-8"?>
-<p:sld xmlns:a="http://schemas.openxmlformats.org/drawingml/2006/main" xmlns:r="http://schemas.openxmlformats.org/officeDocument/2006/relationships" xmlns:p="http://schemas.openxmlformats.org/presentationml/2006/main">
-  <p:cSld>
-    <p:spTree>
-      <p:nvGrpSpPr>
-        <p:cNvPr id="1" name=""/>
-        <p:cNvGrpSpPr/>
-        <p:nvPr/>
-      </p:nvGrpSpPr>
-      <p:grpSpPr>
-        <a:xfrm>
-          <a:off x="0" y="0"/>
-          <a:ext cx="0" cy="0"/>
-          <a:chOff x="0" y="0"/>
-          <a:chExt cx="0" cy="0"/>
-        </a:xfrm>
-      </p:grpSpPr>
-      <p:sp>
-        <p:nvSpPr>
-          <p:cNvPr id="2" name="Title 1">
-            <a:extLst>
-              <a:ext uri="{FF2B5EF4-FFF2-40B4-BE49-F238E27FC236}">
-                <a16:creationId xmlns:a16="http://schemas.microsoft.com/office/drawing/2014/main" id="{D90D59C5-83A9-437B-9D09-39F4C76E1324}"/>
-              </a:ext>
-            </a:extLst>
-          </p:cNvPr>
-          <p:cNvSpPr>
-            <a:spLocks noGrp="1"/>
-          </p:cNvSpPr>
-          <p:nvPr>
-            <p:ph type="title"/>
-          </p:nvPr>
-        </p:nvSpPr>
-        <p:spPr/>
-        <p:txBody>
-          <a:bodyPr/>
-          <a:lstStyle/>
-          <a:p>
-            <a:r>
-              <a:rPr lang="en-GB" dirty="0" err="1"/>
-              <a:t>Voorbeeld</a:t>
-            </a:r>
-            <a:r>
-              <a:rPr lang="en-GB" dirty="0"/>
-              <a:t>: </a:t>
-            </a:r>
-            <a:r>
-              <a:rPr lang="en-GB" dirty="0" err="1"/>
-              <a:t>wijk</a:t>
-            </a:r>
-            <a:r>
-              <a:rPr lang="en-GB" dirty="0"/>
-              <a:t> 1</a:t>
-            </a:r>
-            <a:endParaRPr lang="en-US" dirty="0"/>
-          </a:p>
-        </p:txBody>
-      </p:sp>
-      <p:sp>
-        <p:nvSpPr>
-          <p:cNvPr id="3" name="Content Placeholder 2">
-            <a:extLst>
-              <a:ext uri="{FF2B5EF4-FFF2-40B4-BE49-F238E27FC236}">
-                <a16:creationId xmlns:a16="http://schemas.microsoft.com/office/drawing/2014/main" id="{8EFD1E0D-00CD-4DE8-9CF9-E54F30C7B540}"/>
-              </a:ext>
-            </a:extLst>
-          </p:cNvPr>
-          <p:cNvSpPr>
-            <a:spLocks noGrp="1"/>
-          </p:cNvSpPr>
-          <p:nvPr>
-            <p:ph idx="1"/>
-          </p:nvPr>
-        </p:nvSpPr>
-        <p:spPr>
-          <a:xfrm>
-            <a:off x="3869268" y="864108"/>
-            <a:ext cx="7315200" cy="1417698"/>
-          </a:xfrm>
-        </p:spPr>
-        <p:txBody>
-          <a:bodyPr/>
-          <a:lstStyle/>
-          <a:p>
-            <a:r>
-              <a:rPr lang="en-GB" dirty="0"/>
-              <a:t>Upper bound: 103030</a:t>
-            </a:r>
-          </a:p>
-          <a:p>
-            <a:r>
-              <a:rPr lang="en-GB" dirty="0"/>
-              <a:t>Lower bound: 53188</a:t>
-            </a:r>
-            <a:endParaRPr lang="en-US" dirty="0"/>
-          </a:p>
-        </p:txBody>
-      </p:sp>
-      <p:pic>
-        <p:nvPicPr>
-          <p:cNvPr id="4" name="Picture 2" descr="http://heuristieken.nl/wiki/images/thumb/b/b7/Wijk1.png/600px-Wijk1.png">
-            <a:extLst>
-              <a:ext uri="{FF2B5EF4-FFF2-40B4-BE49-F238E27FC236}">
-                <a16:creationId xmlns:a16="http://schemas.microsoft.com/office/drawing/2014/main" id="{349ABC69-D03F-4C40-8334-EEE07D487256}"/>
-              </a:ext>
-            </a:extLst>
-          </p:cNvPr>
-          <p:cNvPicPr>
-            <a:picLocks noChangeAspect="1" noChangeArrowheads="1"/>
-          </p:cNvPicPr>
-          <p:nvPr/>
-        </p:nvPicPr>
-        <p:blipFill>
-          <a:blip r:embed="rId2">
-            <a:extLst>
-              <a:ext uri="{28A0092B-C50C-407E-A947-70E740481C1C}">
-                <a14:useLocalDpi xmlns:a14="http://schemas.microsoft.com/office/drawing/2010/main" val="0"/>
-              </a:ext>
-            </a:extLst>
-          </a:blip>
-          <a:srcRect/>
-          <a:stretch>
-            <a:fillRect/>
-          </a:stretch>
-        </p:blipFill>
-        <p:spPr bwMode="auto">
-          <a:xfrm>
-            <a:off x="3865663" y="2111051"/>
-            <a:ext cx="5468838" cy="4101629"/>
-          </a:xfrm>
-          <a:prstGeom prst="rect">
-            <a:avLst/>
-          </a:prstGeom>
-          <a:noFill/>
-          <a:extLst>
-            <a:ext uri="{909E8E84-426E-40DD-AFC4-6F175D3DCCD1}">
-              <a14:hiddenFill xmlns:a14="http://schemas.microsoft.com/office/drawing/2010/main">
-                <a:solidFill>
-                  <a:srgbClr val="FFFFFF"/>
-                </a:solidFill>
-              </a14:hiddenFill>
-            </a:ext>
-          </a:extLst>
-        </p:spPr>
-      </p:pic>
-      <p:sp>
-        <p:nvSpPr>
-          <p:cNvPr id="5" name="Slide Number Placeholder 4">
-            <a:extLst>
-              <a:ext uri="{FF2B5EF4-FFF2-40B4-BE49-F238E27FC236}">
-                <a16:creationId xmlns:a16="http://schemas.microsoft.com/office/drawing/2014/main" id="{C3450F05-A3F8-4E76-9C6B-ED5F79F271C0}"/>
-              </a:ext>
-            </a:extLst>
-          </p:cNvPr>
-          <p:cNvSpPr>
-            <a:spLocks noGrp="1"/>
-          </p:cNvSpPr>
-          <p:nvPr>
-            <p:ph type="sldNum" sz="quarter" idx="12"/>
-          </p:nvPr>
-        </p:nvSpPr>
-        <p:spPr/>
-        <p:txBody>
-          <a:bodyPr/>
-          <a:lstStyle/>
-          <a:p>
-            <a:fld id="{0FBD8FBB-5194-4CDF-A1AC-FF2A7D4344FA}" type="slidenum">
-              <a:rPr lang="nl-NL" smtClean="0"/>
-              <a:t>11</a:t>
-            </a:fld>
-            <a:endParaRPr lang="nl-NL"/>
-          </a:p>
-        </p:txBody>
-      </p:sp>
-    </p:spTree>
-    <p:extLst>
-      <p:ext uri="{BB962C8B-B14F-4D97-AF65-F5344CB8AC3E}">
-        <p14:creationId xmlns:p14="http://schemas.microsoft.com/office/powerpoint/2010/main" val="383140743"/>
-      </p:ext>
-    </p:extLst>
-  </p:cSld>
-  <p:clrMapOvr>
-    <a:masterClrMapping/>
-  </p:clrMapOvr>
-</p:sld>
-</file>
-
-<file path=ppt/slides/slide12.xml><?xml version="1.0" encoding="utf-8"?>
-<p:sld xmlns:a="http://schemas.openxmlformats.org/drawingml/2006/main" xmlns:r="http://schemas.openxmlformats.org/officeDocument/2006/relationships" xmlns:p="http://schemas.openxmlformats.org/presentationml/2006/main">
-  <p:cSld>
     <p:bg>
       <p:bgPr>
         <a:solidFill>
@@ -5175,12 +7608,42 @@
           <a:p>
             <a:fld id="{0FBD8FBB-5194-4CDF-A1AC-FF2A7D4344FA}" type="slidenum">
               <a:rPr lang="nl-NL" smtClean="0"/>
-              <a:t>12</a:t>
+              <a:t>10</a:t>
             </a:fld>
             <a:endParaRPr lang="nl-NL"/>
           </a:p>
         </p:txBody>
       </p:sp>
+      <p:pic>
+        <p:nvPicPr>
+          <p:cNvPr id="4" name="Picture 3">
+            <a:extLst>
+              <a:ext uri="{FF2B5EF4-FFF2-40B4-BE49-F238E27FC236}">
+                <a16:creationId xmlns:a16="http://schemas.microsoft.com/office/drawing/2014/main" id="{B08D0BDA-1A1A-4086-90D8-0FD8C6DF98EF}"/>
+              </a:ext>
+            </a:extLst>
+          </p:cNvPr>
+          <p:cNvPicPr>
+            <a:picLocks noChangeAspect="1"/>
+          </p:cNvPicPr>
+          <p:nvPr/>
+        </p:nvPicPr>
+        <p:blipFill>
+          <a:blip r:embed="rId4"/>
+          <a:stretch>
+            <a:fillRect/>
+          </a:stretch>
+        </p:blipFill>
+        <p:spPr>
+          <a:xfrm>
+            <a:off x="7061674" y="4636507"/>
+            <a:ext cx="3343275" cy="1314450"/>
+          </a:xfrm>
+          <a:prstGeom prst="rect">
+            <a:avLst/>
+          </a:prstGeom>
+        </p:spPr>
+      </p:pic>
     </p:spTree>
     <p:extLst>
       <p:ext uri="{BB962C8B-B14F-4D97-AF65-F5344CB8AC3E}">
@@ -5194,7 +7657,7 @@
 </p:sld>
 </file>
 
-<file path=ppt/slides/slide13.xml><?xml version="1.0" encoding="utf-8"?>
+<file path=ppt/slides/slide11.xml><?xml version="1.0" encoding="utf-8"?>
 <p:sld xmlns:a="http://schemas.openxmlformats.org/drawingml/2006/main" xmlns:r="http://schemas.openxmlformats.org/officeDocument/2006/relationships" xmlns:p="http://schemas.openxmlformats.org/presentationml/2006/main">
   <p:cSld>
     <p:bg>
@@ -5790,7 +8253,7 @@
           <a:p>
             <a:fld id="{0FBD8FBB-5194-4CDF-A1AC-FF2A7D4344FA}" type="slidenum">
               <a:rPr lang="nl-NL" smtClean="0"/>
-              <a:t>13</a:t>
+              <a:t>11</a:t>
             </a:fld>
             <a:endParaRPr lang="nl-NL"/>
           </a:p>
@@ -5839,7 +8302,7 @@
 </p:sld>
 </file>
 
-<file path=ppt/slides/slide14.xml><?xml version="1.0" encoding="utf-8"?>
+<file path=ppt/slides/slide12.xml><?xml version="1.0" encoding="utf-8"?>
 <p:sld xmlns:a="http://schemas.openxmlformats.org/drawingml/2006/main" xmlns:r="http://schemas.openxmlformats.org/officeDocument/2006/relationships" xmlns:p="http://schemas.openxmlformats.org/presentationml/2006/main">
   <p:cSld>
     <p:bg>
@@ -6199,7 +8662,7 @@
           <a:p>
             <a:fld id="{0FBD8FBB-5194-4CDF-A1AC-FF2A7D4344FA}" type="slidenum">
               <a:rPr lang="nl-NL" smtClean="0"/>
-              <a:t>14</a:t>
+              <a:t>12</a:t>
             </a:fld>
             <a:endParaRPr lang="nl-NL"/>
           </a:p>
@@ -6218,7 +8681,7 @@
 </p:sld>
 </file>
 
-<file path=ppt/slides/slide15.xml><?xml version="1.0" encoding="utf-8"?>
+<file path=ppt/slides/slide13.xml><?xml version="1.0" encoding="utf-8"?>
 <p:sld xmlns:a="http://schemas.openxmlformats.org/drawingml/2006/main" xmlns:r="http://schemas.openxmlformats.org/officeDocument/2006/relationships" xmlns:p="http://schemas.openxmlformats.org/presentationml/2006/main">
   <p:cSld>
     <p:bg>
@@ -6350,7 +8813,7 @@
                   <a:schemeClr val="bg1"/>
                 </a:solidFill>
               </a:rPr>
-              <a:t>Variabele kosten: 59551</a:t>
+              <a:t>Kosten: 59551</a:t>
             </a:r>
           </a:p>
           <a:p>
@@ -6420,7 +8883,7 @@
           <a:p>
             <a:fld id="{0FBD8FBB-5194-4CDF-A1AC-FF2A7D4344FA}" type="slidenum">
               <a:rPr lang="nl-NL" smtClean="0"/>
-              <a:t>15</a:t>
+              <a:t>13</a:t>
             </a:fld>
             <a:endParaRPr lang="nl-NL"/>
           </a:p>
@@ -6469,9 +8932,17 @@
 </p:sld>
 </file>
 
-<file path=ppt/slides/slide16.xml><?xml version="1.0" encoding="utf-8"?>
+<file path=ppt/slides/slide14.xml><?xml version="1.0" encoding="utf-8"?>
 <p:sld xmlns:a="http://schemas.openxmlformats.org/drawingml/2006/main" xmlns:r="http://schemas.openxmlformats.org/officeDocument/2006/relationships" xmlns:p="http://schemas.openxmlformats.org/presentationml/2006/main">
   <p:cSld>
+    <p:bg>
+      <p:bgPr>
+        <a:solidFill>
+          <a:schemeClr val="bg1"/>
+        </a:solidFill>
+        <a:effectLst/>
+      </p:bgPr>
+    </p:bg>
     <p:spTree>
       <p:nvGrpSpPr>
         <p:cNvPr id="1" name=""/>
@@ -6502,123 +8973,21 @@
             <p:ph type="title"/>
           </p:nvPr>
         </p:nvSpPr>
-        <p:spPr/>
+        <p:spPr>
+          <a:xfrm>
+            <a:off x="252919" y="1123837"/>
+            <a:ext cx="2947482" cy="4601183"/>
+          </a:xfrm>
+        </p:spPr>
         <p:txBody>
-          <a:bodyPr/>
+          <a:bodyPr>
+            <a:normAutofit/>
+          </a:bodyPr>
           <a:lstStyle/>
           <a:p>
             <a:r>
               <a:rPr lang="nl-NL" dirty="0"/>
               <a:t>Verder optimaliseren!</a:t>
-            </a:r>
-          </a:p>
-        </p:txBody>
-      </p:sp>
-      <p:sp>
-        <p:nvSpPr>
-          <p:cNvPr id="3" name="Content Placeholder 2">
-            <a:extLst>
-              <a:ext uri="{FF2B5EF4-FFF2-40B4-BE49-F238E27FC236}">
-                <a16:creationId xmlns:a16="http://schemas.microsoft.com/office/drawing/2014/main" id="{DBA18506-8046-4F21-94E3-9F4E3D15D472}"/>
-              </a:ext>
-            </a:extLst>
-          </p:cNvPr>
-          <p:cNvSpPr>
-            <a:spLocks noGrp="1"/>
-          </p:cNvSpPr>
-          <p:nvPr>
-            <p:ph idx="1"/>
-          </p:nvPr>
-        </p:nvSpPr>
-        <p:spPr/>
-        <p:txBody>
-          <a:bodyPr/>
-          <a:lstStyle/>
-          <a:p>
-            <a:r>
-              <a:rPr lang="nl-NL" dirty="0" err="1"/>
-              <a:t>Greedy</a:t>
-            </a:r>
-            <a:r>
-              <a:rPr lang="nl-NL" dirty="0"/>
-              <a:t> algoritmes</a:t>
-            </a:r>
-          </a:p>
-          <a:p>
-            <a:pPr lvl="1"/>
-            <a:r>
-              <a:rPr lang="nl-NL" dirty="0" err="1"/>
-              <a:t>Proximity</a:t>
-            </a:r>
-            <a:r>
-              <a:rPr lang="nl-NL" dirty="0"/>
-              <a:t> first: verbind elk huis aan de dichtstbijzijnde batterij, zolang de capaciteit voldoende is</a:t>
-            </a:r>
-          </a:p>
-          <a:p>
-            <a:pPr lvl="1"/>
-            <a:r>
-              <a:rPr lang="nl-NL" dirty="0"/>
-              <a:t>Priority first: sorteer voor elk huis de afstand tot de batterijen van klein naar groot, en vergelijk de afstand van de eerste en de tweede batterij. De huizen waarbij deze het grootst is worden zo als eerste gekoppeld om zeer lange kabels te vermijden</a:t>
-            </a:r>
-          </a:p>
-          <a:p>
-            <a:r>
-              <a:rPr lang="nl-NL" dirty="0"/>
-              <a:t>(Random) </a:t>
-            </a:r>
-            <a:r>
-              <a:rPr lang="nl-NL" dirty="0" err="1"/>
-              <a:t>Hillclimber</a:t>
-            </a:r>
-            <a:r>
-              <a:rPr lang="nl-NL" dirty="0"/>
-              <a:t> algoritme</a:t>
-            </a:r>
-          </a:p>
-          <a:p>
-            <a:pPr lvl="1"/>
-            <a:r>
-              <a:rPr lang="nl-NL" dirty="0"/>
-              <a:t>Met een beginsituatie</a:t>
-            </a:r>
-          </a:p>
-          <a:p>
-            <a:pPr lvl="1"/>
-            <a:r>
-              <a:rPr lang="nl-NL" dirty="0"/>
-              <a:t>Kies twee random huizen</a:t>
-            </a:r>
-          </a:p>
-          <a:p>
-            <a:pPr lvl="2"/>
-            <a:r>
-              <a:rPr lang="nl-NL" dirty="0"/>
-              <a:t>Als het ruilen van batterijen goedkoper is: wissel ze</a:t>
-            </a:r>
-          </a:p>
-          <a:p>
-            <a:pPr lvl="1"/>
-            <a:r>
-              <a:rPr lang="nl-NL" dirty="0"/>
-              <a:t>Doe dit zolang er 150 * 149 = 22350 keer niet gewisseld is</a:t>
-            </a:r>
-          </a:p>
-          <a:p>
-            <a:r>
-              <a:rPr lang="nl-NL" dirty="0" err="1"/>
-              <a:t>Capacity</a:t>
-            </a:r>
-            <a:r>
-              <a:rPr lang="nl-NL" dirty="0"/>
-              <a:t> fixer</a:t>
-            </a:r>
-          </a:p>
-          <a:p>
-            <a:pPr lvl="1"/>
-            <a:r>
-              <a:rPr lang="nl-NL" dirty="0"/>
-              <a:t>Als er een huis overblijft die op geen enkele batterij past, wissel dan huizen totdat er ruimte overblijft</a:t>
             </a:r>
           </a:p>
         </p:txBody>
@@ -6639,19 +9008,67 @@
             <p:ph type="sldNum" sz="quarter" idx="12"/>
           </p:nvPr>
         </p:nvSpPr>
-        <p:spPr/>
+        <p:spPr>
+          <a:xfrm>
+            <a:off x="10634135" y="6356350"/>
+            <a:ext cx="1530927" cy="365125"/>
+          </a:xfrm>
+        </p:spPr>
         <p:txBody>
-          <a:bodyPr/>
+          <a:bodyPr>
+            <a:normAutofit/>
+          </a:bodyPr>
           <a:lstStyle/>
           <a:p>
+            <a:pPr>
+              <a:spcAft>
+                <a:spcPts val="600"/>
+              </a:spcAft>
+            </a:pPr>
             <a:fld id="{0FBD8FBB-5194-4CDF-A1AC-FF2A7D4344FA}" type="slidenum">
               <a:rPr lang="nl-NL" smtClean="0"/>
-              <a:t>16</a:t>
+              <a:pPr>
+                <a:spcAft>
+                  <a:spcPts val="600"/>
+                </a:spcAft>
+              </a:pPr>
+              <a:t>14</a:t>
             </a:fld>
             <a:endParaRPr lang="nl-NL"/>
           </a:p>
         </p:txBody>
       </p:sp>
+      <p:graphicFrame>
+        <p:nvGraphicFramePr>
+          <p:cNvPr id="6" name="Content Placeholder 2">
+            <a:extLst>
+              <a:ext uri="{FF2B5EF4-FFF2-40B4-BE49-F238E27FC236}">
+                <a16:creationId xmlns:a16="http://schemas.microsoft.com/office/drawing/2014/main" id="{9CC44C54-9543-4655-BEBC-D94A8E5A449E}"/>
+              </a:ext>
+            </a:extLst>
+          </p:cNvPr>
+          <p:cNvGraphicFramePr>
+            <a:graphicFrameLocks noGrp="1"/>
+          </p:cNvGraphicFramePr>
+          <p:nvPr>
+            <p:ph idx="1"/>
+            <p:extLst>
+              <p:ext uri="{D42A27DB-BD31-4B8C-83A1-F6EECF244321}">
+                <p14:modId xmlns:p14="http://schemas.microsoft.com/office/powerpoint/2010/main" val="1046347307"/>
+              </p:ext>
+            </p:extLst>
+          </p:nvPr>
+        </p:nvGraphicFramePr>
+        <p:xfrm>
+          <a:off x="3759896" y="885459"/>
+          <a:ext cx="7728267" cy="5087324"/>
+        </p:xfrm>
+        <a:graphic>
+          <a:graphicData uri="http://schemas.openxmlformats.org/drawingml/2006/diagram">
+            <dgm:relIds xmlns:dgm="http://schemas.openxmlformats.org/drawingml/2006/diagram" xmlns:r="http://schemas.openxmlformats.org/officeDocument/2006/relationships" r:dm="rId2" r:lo="rId3" r:qs="rId4" r:cs="rId5"/>
+          </a:graphicData>
+        </a:graphic>
+      </p:graphicFrame>
     </p:spTree>
     <p:extLst>
       <p:ext uri="{BB962C8B-B14F-4D97-AF65-F5344CB8AC3E}">
@@ -6665,7 +9082,7 @@
 </p:sld>
 </file>
 
-<file path=ppt/slides/slide17.xml><?xml version="1.0" encoding="utf-8"?>
+<file path=ppt/slides/slide15.xml><?xml version="1.0" encoding="utf-8"?>
 <p:sld xmlns:a="http://schemas.openxmlformats.org/drawingml/2006/main" xmlns:r="http://schemas.openxmlformats.org/officeDocument/2006/relationships" xmlns:p="http://schemas.openxmlformats.org/presentationml/2006/main">
   <p:cSld>
     <p:bg>
@@ -6750,7 +9167,7 @@
           <a:p>
             <a:fld id="{0FBD8FBB-5194-4CDF-A1AC-FF2A7D4344FA}" type="slidenum">
               <a:rPr lang="nl-NL" smtClean="0"/>
-              <a:t>17</a:t>
+              <a:t>15</a:t>
             </a:fld>
             <a:endParaRPr lang="nl-NL"/>
           </a:p>
@@ -6857,9 +9274,17 @@
 </p:sld>
 </file>
 
-<file path=ppt/slides/slide18.xml><?xml version="1.0" encoding="utf-8"?>
+<file path=ppt/slides/slide16.xml><?xml version="1.0" encoding="utf-8"?>
 <p:sld xmlns:a="http://schemas.openxmlformats.org/drawingml/2006/main" xmlns:r="http://schemas.openxmlformats.org/officeDocument/2006/relationships" xmlns:p="http://schemas.openxmlformats.org/presentationml/2006/main">
   <p:cSld>
+    <p:bg>
+      <p:bgPr>
+        <a:solidFill>
+          <a:schemeClr val="bg1"/>
+        </a:solidFill>
+        <a:effectLst/>
+      </p:bgPr>
+    </p:bg>
     <p:spTree>
       <p:nvGrpSpPr>
         <p:cNvPr id="1" name=""/>
@@ -6874,37 +9299,417 @@
           <a:chExt cx="0" cy="0"/>
         </a:xfrm>
       </p:grpSpPr>
-      <p:sp>
-        <p:nvSpPr>
-          <p:cNvPr id="2" name="Title 1">
-            <a:extLst>
-              <a:ext uri="{FF2B5EF4-FFF2-40B4-BE49-F238E27FC236}">
-                <a16:creationId xmlns:a16="http://schemas.microsoft.com/office/drawing/2014/main" id="{51147DDE-3A96-4202-A741-334755AE8A1F}"/>
-              </a:ext>
-            </a:extLst>
-          </p:cNvPr>
-          <p:cNvSpPr>
-            <a:spLocks noGrp="1"/>
-          </p:cNvSpPr>
-          <p:nvPr>
-            <p:ph type="title"/>
-          </p:nvPr>
-        </p:nvSpPr>
-        <p:spPr/>
-        <p:txBody>
-          <a:bodyPr/>
-          <a:lstStyle/>
-          <a:p>
-            <a:endParaRPr lang="nl-NL"/>
-          </a:p>
-        </p:txBody>
-      </p:sp>
       <p:pic>
         <p:nvPicPr>
           <p:cNvPr id="5" name="Content Placeholder 4" descr="A screenshot of a cell phone&#10;&#10;Description automatically generated">
             <a:extLst>
               <a:ext uri="{FF2B5EF4-FFF2-40B4-BE49-F238E27FC236}">
-                <a16:creationId xmlns:a16="http://schemas.microsoft.com/office/drawing/2014/main" id="{97DE1C89-9105-4235-B69E-A3EEB843DDA7}"/>
+                <a16:creationId xmlns:a16="http://schemas.microsoft.com/office/drawing/2014/main" id="{DF686019-9AAB-434E-9589-AEFEFCE45F7D}"/>
+              </a:ext>
+            </a:extLst>
+          </p:cNvPr>
+          <p:cNvPicPr>
+            <a:picLocks noGrp="1" noChangeAspect="1"/>
+          </p:cNvPicPr>
+          <p:nvPr>
+            <p:ph idx="1"/>
+          </p:nvPr>
+        </p:nvPicPr>
+        <p:blipFill rotWithShape="1">
+          <a:blip r:embed="rId2">
+            <a:extLst>
+              <a:ext uri="{28A0092B-C50C-407E-A947-70E740481C1C}">
+                <a14:useLocalDpi xmlns:a14="http://schemas.microsoft.com/office/drawing/2010/main" val="0"/>
+              </a:ext>
+            </a:extLst>
+          </a:blip>
+          <a:srcRect l="6667"/>
+          <a:stretch/>
+        </p:blipFill>
+        <p:spPr>
+          <a:xfrm>
+            <a:off x="20" y="10"/>
+            <a:ext cx="12191980" cy="6857990"/>
+          </a:xfrm>
+          <a:prstGeom prst="rect">
+            <a:avLst/>
+          </a:prstGeom>
+        </p:spPr>
+      </p:pic>
+      <p:sp>
+        <p:nvSpPr>
+          <p:cNvPr id="2" name="Slide Number Placeholder 1">
+            <a:extLst>
+              <a:ext uri="{FF2B5EF4-FFF2-40B4-BE49-F238E27FC236}">
+                <a16:creationId xmlns:a16="http://schemas.microsoft.com/office/drawing/2014/main" id="{21E8E846-7613-4156-A954-13BFD88FD849}"/>
+              </a:ext>
+            </a:extLst>
+          </p:cNvPr>
+          <p:cNvSpPr>
+            <a:spLocks noGrp="1"/>
+          </p:cNvSpPr>
+          <p:nvPr>
+            <p:ph type="sldNum" sz="quarter" idx="12"/>
+          </p:nvPr>
+        </p:nvSpPr>
+        <p:spPr/>
+        <p:txBody>
+          <a:bodyPr/>
+          <a:lstStyle/>
+          <a:p>
+            <a:fld id="{0FBD8FBB-5194-4CDF-A1AC-FF2A7D4344FA}" type="slidenum">
+              <a:rPr lang="nl-NL" smtClean="0"/>
+              <a:t>16</a:t>
+            </a:fld>
+            <a:endParaRPr lang="nl-NL"/>
+          </a:p>
+        </p:txBody>
+      </p:sp>
+    </p:spTree>
+    <p:extLst>
+      <p:ext uri="{BB962C8B-B14F-4D97-AF65-F5344CB8AC3E}">
+        <p14:creationId xmlns:p14="http://schemas.microsoft.com/office/powerpoint/2010/main" val="1630481462"/>
+      </p:ext>
+    </p:extLst>
+  </p:cSld>
+  <p:clrMapOvr>
+    <a:masterClrMapping/>
+  </p:clrMapOvr>
+</p:sld>
+</file>
+
+<file path=ppt/slides/slide17.xml><?xml version="1.0" encoding="utf-8"?>
+<p:sld xmlns:a="http://schemas.openxmlformats.org/drawingml/2006/main" xmlns:r="http://schemas.openxmlformats.org/officeDocument/2006/relationships" xmlns:p="http://schemas.openxmlformats.org/presentationml/2006/main">
+  <p:cSld>
+    <p:bg>
+      <p:bgPr>
+        <a:solidFill>
+          <a:schemeClr val="bg1"/>
+        </a:solidFill>
+        <a:effectLst/>
+      </p:bgPr>
+    </p:bg>
+    <p:spTree>
+      <p:nvGrpSpPr>
+        <p:cNvPr id="1" name=""/>
+        <p:cNvGrpSpPr/>
+        <p:nvPr/>
+      </p:nvGrpSpPr>
+      <p:grpSpPr>
+        <a:xfrm>
+          <a:off x="0" y="0"/>
+          <a:ext cx="0" cy="0"/>
+          <a:chOff x="0" y="0"/>
+          <a:chExt cx="0" cy="0"/>
+        </a:xfrm>
+      </p:grpSpPr>
+      <p:sp>
+        <p:nvSpPr>
+          <p:cNvPr id="2" name="Title 1">
+            <a:extLst>
+              <a:ext uri="{FF2B5EF4-FFF2-40B4-BE49-F238E27FC236}">
+                <a16:creationId xmlns:a16="http://schemas.microsoft.com/office/drawing/2014/main" id="{8A2E5EFD-86E4-41A5-921D-B0A8015E2A66}"/>
+              </a:ext>
+            </a:extLst>
+          </p:cNvPr>
+          <p:cNvSpPr>
+            <a:spLocks noGrp="1"/>
+          </p:cNvSpPr>
+          <p:nvPr>
+            <p:ph type="title"/>
+          </p:nvPr>
+        </p:nvSpPr>
+        <p:spPr>
+          <a:xfrm>
+            <a:off x="252919" y="1123837"/>
+            <a:ext cx="2947482" cy="4601183"/>
+          </a:xfrm>
+        </p:spPr>
+        <p:txBody>
+          <a:bodyPr>
+            <a:normAutofit/>
+          </a:bodyPr>
+          <a:lstStyle/>
+          <a:p>
+            <a:r>
+              <a:rPr lang="nl-NL" dirty="0"/>
+              <a:t>Verder optimaliseren!</a:t>
+            </a:r>
+          </a:p>
+        </p:txBody>
+      </p:sp>
+      <p:sp>
+        <p:nvSpPr>
+          <p:cNvPr id="3" name="Content Placeholder 2">
+            <a:extLst>
+              <a:ext uri="{FF2B5EF4-FFF2-40B4-BE49-F238E27FC236}">
+                <a16:creationId xmlns:a16="http://schemas.microsoft.com/office/drawing/2014/main" id="{83FAB263-5AD9-4754-9298-F0259FBBD2FD}"/>
+              </a:ext>
+            </a:extLst>
+          </p:cNvPr>
+          <p:cNvSpPr>
+            <a:spLocks noGrp="1"/>
+          </p:cNvSpPr>
+          <p:nvPr>
+            <p:ph idx="1"/>
+          </p:nvPr>
+        </p:nvSpPr>
+        <p:spPr>
+          <a:xfrm>
+            <a:off x="3869267" y="864108"/>
+            <a:ext cx="3585891" cy="5120640"/>
+          </a:xfrm>
+        </p:spPr>
+        <p:txBody>
+          <a:bodyPr>
+            <a:normAutofit/>
+          </a:bodyPr>
+          <a:lstStyle/>
+          <a:p>
+            <a:r>
+              <a:rPr lang="nl-NL" dirty="0"/>
+              <a:t>Simulated Annealing</a:t>
+            </a:r>
+          </a:p>
+          <a:p>
+            <a:pPr lvl="1"/>
+            <a:r>
+              <a:rPr lang="nl-NL" dirty="0"/>
+              <a:t>Exponentieel koelschema: </a:t>
+            </a:r>
+            <a:r>
+              <a:rPr lang="fr-FR" dirty="0"/>
+              <a:t>T = T_O ^ (1-(</a:t>
+            </a:r>
+            <a:r>
+              <a:rPr lang="fr-FR" dirty="0" err="1"/>
+              <a:t>coolRate</a:t>
+            </a:r>
+            <a:r>
+              <a:rPr lang="fr-FR" dirty="0"/>
+              <a:t>))</a:t>
+            </a:r>
+          </a:p>
+          <a:p>
+            <a:pPr lvl="2"/>
+            <a:r>
+              <a:rPr lang="fr-FR" dirty="0" err="1"/>
+              <a:t>Coolrate</a:t>
+            </a:r>
+            <a:r>
+              <a:rPr lang="fr-FR" dirty="0"/>
+              <a:t> = i / N</a:t>
+            </a:r>
+            <a:endParaRPr lang="nl-NL" dirty="0"/>
+          </a:p>
+          <a:p>
+            <a:pPr lvl="1"/>
+            <a:r>
+              <a:rPr lang="nl-NL" dirty="0"/>
+              <a:t>Temperatuur = 80</a:t>
+            </a:r>
+          </a:p>
+          <a:p>
+            <a:pPr lvl="1"/>
+            <a:r>
+              <a:rPr lang="nl-NL" dirty="0"/>
+              <a:t>Aantal iteraties N = 300</a:t>
+            </a:r>
+          </a:p>
+          <a:p>
+            <a:pPr lvl="1"/>
+            <a:r>
+              <a:rPr lang="nl-NL" dirty="0"/>
+              <a:t>Aantal uitgevoerde swaps = i</a:t>
+            </a:r>
+          </a:p>
+        </p:txBody>
+      </p:sp>
+      <p:pic>
+        <p:nvPicPr>
+          <p:cNvPr id="6" name="Picture 5">
+            <a:extLst>
+              <a:ext uri="{FF2B5EF4-FFF2-40B4-BE49-F238E27FC236}">
+                <a16:creationId xmlns:a16="http://schemas.microsoft.com/office/drawing/2014/main" id="{7ACAE6D0-5B9B-4A34-9008-F33E8BE7D758}"/>
+              </a:ext>
+            </a:extLst>
+          </p:cNvPr>
+          <p:cNvPicPr>
+            <a:picLocks noChangeAspect="1"/>
+          </p:cNvPicPr>
+          <p:nvPr/>
+        </p:nvPicPr>
+        <p:blipFill rotWithShape="1">
+          <a:blip r:embed="rId2">
+            <a:extLst>
+              <a:ext uri="{28A0092B-C50C-407E-A947-70E740481C1C}">
+                <a14:useLocalDpi xmlns:a14="http://schemas.microsoft.com/office/drawing/2010/main" val="0"/>
+              </a:ext>
+            </a:extLst>
+          </a:blip>
+          <a:srcRect t="10892"/>
+          <a:stretch/>
+        </p:blipFill>
+        <p:spPr>
+          <a:xfrm>
+            <a:off x="7818121" y="2409825"/>
+            <a:ext cx="3474718" cy="2322194"/>
+          </a:xfrm>
+          <a:prstGeom prst="rect">
+            <a:avLst/>
+          </a:prstGeom>
+        </p:spPr>
+      </p:pic>
+      <p:sp>
+        <p:nvSpPr>
+          <p:cNvPr id="4" name="Slide Number Placeholder 3">
+            <a:extLst>
+              <a:ext uri="{FF2B5EF4-FFF2-40B4-BE49-F238E27FC236}">
+                <a16:creationId xmlns:a16="http://schemas.microsoft.com/office/drawing/2014/main" id="{E531E068-71A3-475B-B22B-189293362AED}"/>
+              </a:ext>
+            </a:extLst>
+          </p:cNvPr>
+          <p:cNvSpPr>
+            <a:spLocks noGrp="1"/>
+          </p:cNvSpPr>
+          <p:nvPr>
+            <p:ph type="sldNum" sz="quarter" idx="12"/>
+          </p:nvPr>
+        </p:nvSpPr>
+        <p:spPr>
+          <a:xfrm>
+            <a:off x="10634135" y="6356350"/>
+            <a:ext cx="1530927" cy="365125"/>
+          </a:xfrm>
+        </p:spPr>
+        <p:txBody>
+          <a:bodyPr>
+            <a:normAutofit/>
+          </a:bodyPr>
+          <a:lstStyle/>
+          <a:p>
+            <a:pPr>
+              <a:spcAft>
+                <a:spcPts val="600"/>
+              </a:spcAft>
+            </a:pPr>
+            <a:fld id="{0FBD8FBB-5194-4CDF-A1AC-FF2A7D4344FA}" type="slidenum">
+              <a:rPr lang="nl-NL" smtClean="0"/>
+              <a:pPr>
+                <a:spcAft>
+                  <a:spcPts val="600"/>
+                </a:spcAft>
+              </a:pPr>
+              <a:t>17</a:t>
+            </a:fld>
+            <a:endParaRPr lang="nl-NL"/>
+          </a:p>
+        </p:txBody>
+      </p:sp>
+    </p:spTree>
+    <p:extLst>
+      <p:ext uri="{BB962C8B-B14F-4D97-AF65-F5344CB8AC3E}">
+        <p14:creationId xmlns:p14="http://schemas.microsoft.com/office/powerpoint/2010/main" val="2206917326"/>
+      </p:ext>
+    </p:extLst>
+  </p:cSld>
+  <p:clrMapOvr>
+    <a:masterClrMapping/>
+  </p:clrMapOvr>
+</p:sld>
+</file>
+
+<file path=ppt/slides/slide18.xml><?xml version="1.0" encoding="utf-8"?>
+<p:sld xmlns:a="http://schemas.openxmlformats.org/drawingml/2006/main" xmlns:r="http://schemas.openxmlformats.org/officeDocument/2006/relationships" xmlns:p="http://schemas.openxmlformats.org/presentationml/2006/main">
+  <p:cSld>
+    <p:bg>
+      <p:bgPr>
+        <a:solidFill>
+          <a:schemeClr val="bg1"/>
+        </a:solidFill>
+        <a:effectLst/>
+      </p:bgPr>
+    </p:bg>
+    <p:spTree>
+      <p:nvGrpSpPr>
+        <p:cNvPr id="1" name=""/>
+        <p:cNvGrpSpPr/>
+        <p:nvPr/>
+      </p:nvGrpSpPr>
+      <p:grpSpPr>
+        <a:xfrm>
+          <a:off x="0" y="0"/>
+          <a:ext cx="0" cy="0"/>
+          <a:chOff x="0" y="0"/>
+          <a:chExt cx="0" cy="0"/>
+        </a:xfrm>
+      </p:grpSpPr>
+      <p:sp useBgFill="1">
+        <p:nvSpPr>
+          <p:cNvPr id="28" name="Rectangle 17">
+            <a:extLst>
+              <a:ext uri="{FF2B5EF4-FFF2-40B4-BE49-F238E27FC236}">
+                <a16:creationId xmlns:a16="http://schemas.microsoft.com/office/drawing/2014/main" id="{BA863124-0EB2-45B7-B5E6-9F5E5C22C86B}"/>
+              </a:ext>
+              <a:ext uri="{C183D7F6-B498-43B3-948B-1728B52AA6E4}">
+                <adec:decorative xmlns:adec="http://schemas.microsoft.com/office/drawing/2017/decorative" val="1"/>
+              </a:ext>
+            </a:extLst>
+          </p:cNvPr>
+          <p:cNvSpPr>
+            <a:spLocks noGrp="1" noRot="1" noChangeAspect="1" noMove="1" noResize="1" noEditPoints="1" noAdjustHandles="1" noChangeArrowheads="1" noChangeShapeType="1" noTextEdit="1"/>
+          </p:cNvSpPr>
+          <p:nvPr>
+            <p:extLst>
+              <p:ext uri="{386F3935-93C4-4BCD-93E2-E3B085C9AB24}">
+                <p16:designElem xmlns:p16="http://schemas.microsoft.com/office/powerpoint/2015/main" val="1"/>
+              </p:ext>
+            </p:extLst>
+          </p:nvPr>
+        </p:nvSpPr>
+        <p:spPr>
+          <a:xfrm>
+            <a:off x="0" y="0"/>
+            <a:ext cx="12192000" cy="6858000"/>
+          </a:xfrm>
+          <a:prstGeom prst="rect">
+            <a:avLst/>
+          </a:prstGeom>
+          <a:ln>
+            <a:noFill/>
+          </a:ln>
+        </p:spPr>
+        <p:style>
+          <a:lnRef idx="2">
+            <a:schemeClr val="accent1">
+              <a:shade val="50000"/>
+            </a:schemeClr>
+          </a:lnRef>
+          <a:fillRef idx="1">
+            <a:schemeClr val="accent1"/>
+          </a:fillRef>
+          <a:effectRef idx="0">
+            <a:schemeClr val="accent1"/>
+          </a:effectRef>
+          <a:fontRef idx="minor">
+            <a:schemeClr val="lt1"/>
+          </a:fontRef>
+        </p:style>
+        <p:txBody>
+          <a:bodyPr rtlCol="0" anchor="ctr"/>
+          <a:lstStyle/>
+          <a:p>
+            <a:pPr algn="ctr"/>
+            <a:endParaRPr lang="en-US"/>
+          </a:p>
+        </p:txBody>
+      </p:sp>
+      <p:pic>
+        <p:nvPicPr>
+          <p:cNvPr id="7" name="Content Placeholder 6">
+            <a:extLst>
+              <a:ext uri="{FF2B5EF4-FFF2-40B4-BE49-F238E27FC236}">
+                <a16:creationId xmlns:a16="http://schemas.microsoft.com/office/drawing/2014/main" id="{E500CDD0-56A0-4E2F-B1A1-2A025D927E34}"/>
               </a:ext>
             </a:extLst>
           </p:cNvPr>
@@ -6929,44 +9734,218 @@
         </p:blipFill>
         <p:spPr>
           <a:xfrm>
-            <a:off x="-367121" y="33337"/>
-            <a:ext cx="12926242" cy="6791325"/>
+            <a:off x="643467" y="833023"/>
+            <a:ext cx="6910413" cy="5182810"/>
+          </a:xfrm>
+          <a:prstGeom prst="rect">
+            <a:avLst/>
+          </a:prstGeom>
+        </p:spPr>
+      </p:pic>
+      <p:cxnSp>
+        <p:nvCxnSpPr>
+          <p:cNvPr id="29" name="Straight Connector 19">
+            <a:extLst>
+              <a:ext uri="{FF2B5EF4-FFF2-40B4-BE49-F238E27FC236}">
+                <a16:creationId xmlns:a16="http://schemas.microsoft.com/office/drawing/2014/main" id="{6ED21F3D-D181-42CC-9BDC-972B9FB16919}"/>
+              </a:ext>
+              <a:ext uri="{C183D7F6-B498-43B3-948B-1728B52AA6E4}">
+                <adec:decorative xmlns:adec="http://schemas.microsoft.com/office/drawing/2017/decorative" val="1"/>
+              </a:ext>
+            </a:extLst>
+          </p:cNvPr>
+          <p:cNvCxnSpPr>
+            <a:cxnSpLocks noGrp="1" noRot="1" noChangeAspect="1" noMove="1" noResize="1" noEditPoints="1" noAdjustHandles="1" noChangeArrowheads="1" noChangeShapeType="1"/>
+          </p:cNvCxnSpPr>
+          <p:nvPr>
+            <p:extLst>
+              <p:ext uri="{386F3935-93C4-4BCD-93E2-E3B085C9AB24}">
+                <p16:designElem xmlns:p16="http://schemas.microsoft.com/office/powerpoint/2015/main" val="1"/>
+              </p:ext>
+            </p:extLst>
+          </p:nvPr>
+        </p:nvCxnSpPr>
+        <p:spPr>
+          <a:xfrm>
+            <a:off x="7716710" y="1643605"/>
+            <a:ext cx="0" cy="3611301"/>
+          </a:xfrm>
+          <a:prstGeom prst="line">
+            <a:avLst/>
+          </a:prstGeom>
+        </p:spPr>
+        <p:style>
+          <a:lnRef idx="1">
+            <a:schemeClr val="accent1"/>
+          </a:lnRef>
+          <a:fillRef idx="0">
+            <a:schemeClr val="accent1"/>
+          </a:fillRef>
+          <a:effectRef idx="0">
+            <a:schemeClr val="accent1"/>
+          </a:effectRef>
+          <a:fontRef idx="minor">
+            <a:schemeClr val="tx1"/>
+          </a:fontRef>
+        </p:style>
+      </p:cxnSp>
+      <p:pic>
+        <p:nvPicPr>
+          <p:cNvPr id="9" name="Picture 8" descr="A screenshot of a cell phone&#10;&#10;Description automatically generated">
+            <a:extLst>
+              <a:ext uri="{FF2B5EF4-FFF2-40B4-BE49-F238E27FC236}">
+                <a16:creationId xmlns:a16="http://schemas.microsoft.com/office/drawing/2014/main" id="{B89FF4DF-F0C4-406E-AEB4-A919AB8F54A5}"/>
+              </a:ext>
+            </a:extLst>
+          </p:cNvPr>
+          <p:cNvPicPr>
+            <a:picLocks noChangeAspect="1"/>
+          </p:cNvPicPr>
+          <p:nvPr/>
+        </p:nvPicPr>
+        <p:blipFill>
+          <a:blip r:embed="rId3">
+            <a:extLst>
+              <a:ext uri="{28A0092B-C50C-407E-A947-70E740481C1C}">
+                <a14:useLocalDpi xmlns:a14="http://schemas.microsoft.com/office/drawing/2010/main" val="0"/>
+              </a:ext>
+            </a:extLst>
+          </a:blip>
+          <a:stretch>
+            <a:fillRect/>
+          </a:stretch>
+        </p:blipFill>
+        <p:spPr>
+          <a:xfrm>
+            <a:off x="7875615" y="2007160"/>
+            <a:ext cx="3779382" cy="2834536"/>
+          </a:xfrm>
+          <a:prstGeom prst="rect">
+            <a:avLst/>
+          </a:prstGeom>
+        </p:spPr>
+      </p:pic>
+      <p:sp>
+        <p:nvSpPr>
+          <p:cNvPr id="30" name="Rectangle 21">
+            <a:extLst>
+              <a:ext uri="{FF2B5EF4-FFF2-40B4-BE49-F238E27FC236}">
+                <a16:creationId xmlns:a16="http://schemas.microsoft.com/office/drawing/2014/main" id="{AFBD2F30-61F9-4E98-AB48-A22FBAF3B814}"/>
+              </a:ext>
+              <a:ext uri="{C183D7F6-B498-43B3-948B-1728B52AA6E4}">
+                <adec:decorative xmlns:adec="http://schemas.microsoft.com/office/drawing/2017/decorative" val="1"/>
+              </a:ext>
+            </a:extLst>
+          </p:cNvPr>
+          <p:cNvSpPr>
+            <a:spLocks noGrp="1" noRot="1" noChangeAspect="1" noMove="1" noResize="1" noEditPoints="1" noAdjustHandles="1" noChangeArrowheads="1" noChangeShapeType="1" noTextEdit="1"/>
+          </p:cNvSpPr>
+          <p:nvPr>
+            <p:extLst>
+              <p:ext uri="{386F3935-93C4-4BCD-93E2-E3B085C9AB24}">
+                <p16:designElem xmlns:p16="http://schemas.microsoft.com/office/powerpoint/2015/main" val="1"/>
+              </p:ext>
+            </p:extLst>
+          </p:nvPr>
+        </p:nvSpPr>
+        <p:spPr>
+          <a:xfrm>
+            <a:off x="11815864" y="758952"/>
+            <a:ext cx="384048" cy="5330952"/>
+          </a:xfrm>
+          <a:prstGeom prst="rect">
+            <a:avLst/>
+          </a:prstGeom>
+          <a:solidFill>
+            <a:srgbClr val="C8C8C8">
+              <a:alpha val="49804"/>
+            </a:srgbClr>
+          </a:solidFill>
+          <a:ln>
+            <a:noFill/>
+          </a:ln>
+        </p:spPr>
+        <p:style>
+          <a:lnRef idx="2">
+            <a:schemeClr val="accent1">
+              <a:shade val="50000"/>
+            </a:schemeClr>
+          </a:lnRef>
+          <a:fillRef idx="1">
+            <a:schemeClr val="accent1"/>
+          </a:fillRef>
+          <a:effectRef idx="0">
+            <a:schemeClr val="accent1"/>
+          </a:effectRef>
+          <a:fontRef idx="minor">
+            <a:schemeClr val="lt1"/>
+          </a:fontRef>
+        </p:style>
+      </p:sp>
+      <p:sp>
+        <p:nvSpPr>
+          <p:cNvPr id="4" name="Slide Number Placeholder 3">
+            <a:extLst>
+              <a:ext uri="{FF2B5EF4-FFF2-40B4-BE49-F238E27FC236}">
+                <a16:creationId xmlns:a16="http://schemas.microsoft.com/office/drawing/2014/main" id="{78A04EDC-A373-4402-98DE-2D6D3FB493A7}"/>
+              </a:ext>
+            </a:extLst>
+          </p:cNvPr>
+          <p:cNvSpPr>
+            <a:spLocks noGrp="1"/>
+          </p:cNvSpPr>
+          <p:nvPr>
+            <p:ph type="sldNum" sz="quarter" idx="12"/>
+          </p:nvPr>
+        </p:nvSpPr>
+        <p:spPr>
+          <a:xfrm>
+            <a:off x="10634135" y="6356350"/>
+            <a:ext cx="1530927" cy="365125"/>
           </a:xfrm>
         </p:spPr>
-      </p:pic>
-      <p:sp>
-        <p:nvSpPr>
-          <p:cNvPr id="3" name="Slide Number Placeholder 2">
-            <a:extLst>
-              <a:ext uri="{FF2B5EF4-FFF2-40B4-BE49-F238E27FC236}">
-                <a16:creationId xmlns:a16="http://schemas.microsoft.com/office/drawing/2014/main" id="{0118669D-CE8D-4F7B-B416-47EA520DF12E}"/>
-              </a:ext>
-            </a:extLst>
-          </p:cNvPr>
-          <p:cNvSpPr>
-            <a:spLocks noGrp="1"/>
-          </p:cNvSpPr>
-          <p:nvPr>
-            <p:ph type="sldNum" sz="quarter" idx="12"/>
-          </p:nvPr>
-        </p:nvSpPr>
-        <p:spPr/>
         <p:txBody>
-          <a:bodyPr/>
+          <a:bodyPr vert="horz" lIns="91440" tIns="45720" rIns="91440" bIns="45720" rtlCol="0" anchor="ctr">
+            <a:normAutofit/>
+          </a:bodyPr>
           <a:lstStyle/>
           <a:p>
+            <a:pPr>
+              <a:spcAft>
+                <a:spcPts val="600"/>
+              </a:spcAft>
+            </a:pPr>
             <a:fld id="{0FBD8FBB-5194-4CDF-A1AC-FF2A7D4344FA}" type="slidenum">
-              <a:rPr lang="nl-NL" smtClean="0"/>
+              <a:rPr lang="en-US" b="1" kern="1200" dirty="0">
+                <a:solidFill>
+                  <a:schemeClr val="accent1"/>
+                </a:solidFill>
+                <a:latin typeface="+mn-lt"/>
+                <a:ea typeface="+mn-ea"/>
+                <a:cs typeface="+mn-cs"/>
+              </a:rPr>
+              <a:pPr>
+                <a:spcAft>
+                  <a:spcPts val="600"/>
+                </a:spcAft>
+              </a:pPr>
               <a:t>18</a:t>
             </a:fld>
-            <a:endParaRPr lang="nl-NL"/>
+            <a:endParaRPr lang="en-US" b="1" kern="1200" dirty="0">
+              <a:solidFill>
+                <a:schemeClr val="accent1"/>
+              </a:solidFill>
+              <a:latin typeface="+mn-lt"/>
+              <a:ea typeface="+mn-ea"/>
+              <a:cs typeface="+mn-cs"/>
+            </a:endParaRPr>
           </a:p>
         </p:txBody>
       </p:sp>
     </p:spTree>
     <p:extLst>
       <p:ext uri="{BB962C8B-B14F-4D97-AF65-F5344CB8AC3E}">
-        <p14:creationId xmlns:p14="http://schemas.microsoft.com/office/powerpoint/2010/main" val="151880687"/>
+        <p14:creationId xmlns:p14="http://schemas.microsoft.com/office/powerpoint/2010/main" val="2902091921"/>
       </p:ext>
     </p:extLst>
   </p:cSld>
@@ -7001,721 +9980,9 @@
           <a:chExt cx="0" cy="0"/>
         </a:xfrm>
       </p:grpSpPr>
-      <p:pic>
-        <p:nvPicPr>
-          <p:cNvPr id="5" name="Content Placeholder 4" descr="A screenshot of a cell phone&#10;&#10;Description automatically generated">
-            <a:extLst>
-              <a:ext uri="{FF2B5EF4-FFF2-40B4-BE49-F238E27FC236}">
-                <a16:creationId xmlns:a16="http://schemas.microsoft.com/office/drawing/2014/main" id="{DF686019-9AAB-434E-9589-AEFEFCE45F7D}"/>
-              </a:ext>
-            </a:extLst>
-          </p:cNvPr>
-          <p:cNvPicPr>
-            <a:picLocks noGrp="1" noChangeAspect="1"/>
-          </p:cNvPicPr>
-          <p:nvPr>
-            <p:ph idx="1"/>
-          </p:nvPr>
-        </p:nvPicPr>
-        <p:blipFill rotWithShape="1">
-          <a:blip r:embed="rId2">
-            <a:extLst>
-              <a:ext uri="{28A0092B-C50C-407E-A947-70E740481C1C}">
-                <a14:useLocalDpi xmlns:a14="http://schemas.microsoft.com/office/drawing/2010/main" val="0"/>
-              </a:ext>
-            </a:extLst>
-          </a:blip>
-          <a:srcRect l="6667"/>
-          <a:stretch/>
-        </p:blipFill>
-        <p:spPr>
-          <a:xfrm>
-            <a:off x="20" y="10"/>
-            <a:ext cx="12191980" cy="6857990"/>
-          </a:xfrm>
-          <a:prstGeom prst="rect">
-            <a:avLst/>
-          </a:prstGeom>
-        </p:spPr>
-      </p:pic>
-      <p:sp>
-        <p:nvSpPr>
-          <p:cNvPr id="2" name="Slide Number Placeholder 1">
-            <a:extLst>
-              <a:ext uri="{FF2B5EF4-FFF2-40B4-BE49-F238E27FC236}">
-                <a16:creationId xmlns:a16="http://schemas.microsoft.com/office/drawing/2014/main" id="{21E8E846-7613-4156-A954-13BFD88FD849}"/>
-              </a:ext>
-            </a:extLst>
-          </p:cNvPr>
-          <p:cNvSpPr>
-            <a:spLocks noGrp="1"/>
-          </p:cNvSpPr>
-          <p:nvPr>
-            <p:ph type="sldNum" sz="quarter" idx="12"/>
-          </p:nvPr>
-        </p:nvSpPr>
-        <p:spPr/>
-        <p:txBody>
-          <a:bodyPr/>
-          <a:lstStyle/>
-          <a:p>
-            <a:fld id="{0FBD8FBB-5194-4CDF-A1AC-FF2A7D4344FA}" type="slidenum">
-              <a:rPr lang="nl-NL" smtClean="0"/>
-              <a:t>19</a:t>
-            </a:fld>
-            <a:endParaRPr lang="nl-NL"/>
-          </a:p>
-        </p:txBody>
-      </p:sp>
-    </p:spTree>
-    <p:extLst>
-      <p:ext uri="{BB962C8B-B14F-4D97-AF65-F5344CB8AC3E}">
-        <p14:creationId xmlns:p14="http://schemas.microsoft.com/office/powerpoint/2010/main" val="1630481462"/>
-      </p:ext>
-    </p:extLst>
-  </p:cSld>
-  <p:clrMapOvr>
-    <a:masterClrMapping/>
-  </p:clrMapOvr>
-</p:sld>
-</file>
-
-<file path=ppt/slides/slide2.xml><?xml version="1.0" encoding="utf-8"?>
-<p:sld xmlns:a="http://schemas.openxmlformats.org/drawingml/2006/main" xmlns:r="http://schemas.openxmlformats.org/officeDocument/2006/relationships" xmlns:p="http://schemas.openxmlformats.org/presentationml/2006/main">
-  <p:cSld>
-    <p:bg>
-      <p:bgPr>
-        <a:solidFill>
-          <a:schemeClr val="bg1"/>
-        </a:solidFill>
-        <a:effectLst/>
-      </p:bgPr>
-    </p:bg>
-    <p:spTree>
-      <p:nvGrpSpPr>
-        <p:cNvPr id="1" name=""/>
-        <p:cNvGrpSpPr/>
-        <p:nvPr/>
-      </p:nvGrpSpPr>
-      <p:grpSpPr>
-        <a:xfrm>
-          <a:off x="0" y="0"/>
-          <a:ext cx="0" cy="0"/>
-          <a:chOff x="0" y="0"/>
-          <a:chExt cx="0" cy="0"/>
-        </a:xfrm>
-      </p:grpSpPr>
-      <p:sp useBgFill="1">
-        <p:nvSpPr>
-          <p:cNvPr id="11" name="Rectangle 10">
-            <a:extLst>
-              <a:ext uri="{FF2B5EF4-FFF2-40B4-BE49-F238E27FC236}">
-                <a16:creationId xmlns:a16="http://schemas.microsoft.com/office/drawing/2014/main" id="{DCCCDCCF-DDE7-4FF9-BA8E-DFD3AC93A6C7}"/>
-              </a:ext>
-              <a:ext uri="{C183D7F6-B498-43B3-948B-1728B52AA6E4}">
-                <adec:decorative xmlns:adec="http://schemas.microsoft.com/office/drawing/2017/decorative" val="1"/>
-              </a:ext>
-            </a:extLst>
-          </p:cNvPr>
-          <p:cNvSpPr>
-            <a:spLocks noGrp="1" noRot="1" noChangeAspect="1" noMove="1" noResize="1" noEditPoints="1" noAdjustHandles="1" noChangeArrowheads="1" noChangeShapeType="1" noTextEdit="1"/>
-          </p:cNvSpPr>
-          <p:nvPr>
-            <p:extLst>
-              <p:ext uri="{386F3935-93C4-4BCD-93E2-E3B085C9AB24}">
-                <p16:designElem xmlns:p16="http://schemas.microsoft.com/office/powerpoint/2015/main" val="1"/>
-              </p:ext>
-            </p:extLst>
-          </p:nvPr>
-        </p:nvSpPr>
-        <p:spPr>
-          <a:xfrm>
-            <a:off x="0" y="0"/>
-            <a:ext cx="12192000" cy="6858000"/>
-          </a:xfrm>
-          <a:prstGeom prst="rect">
-            <a:avLst/>
-          </a:prstGeom>
-          <a:ln>
-            <a:noFill/>
-          </a:ln>
-        </p:spPr>
-        <p:style>
-          <a:lnRef idx="2">
-            <a:schemeClr val="accent1">
-              <a:shade val="50000"/>
-            </a:schemeClr>
-          </a:lnRef>
-          <a:fillRef idx="1">
-            <a:schemeClr val="accent1"/>
-          </a:fillRef>
-          <a:effectRef idx="0">
-            <a:schemeClr val="accent1"/>
-          </a:effectRef>
-          <a:fontRef idx="minor">
-            <a:schemeClr val="lt1"/>
-          </a:fontRef>
-        </p:style>
-        <p:txBody>
-          <a:bodyPr rtlCol="0" anchor="ctr"/>
-          <a:lstStyle/>
-          <a:p>
-            <a:pPr algn="ctr"/>
-            <a:endParaRPr lang="en-US"/>
-          </a:p>
-        </p:txBody>
-      </p:sp>
-      <p:pic>
-        <p:nvPicPr>
-          <p:cNvPr id="6" name="Picture 5" descr="A picture containing solar cell, outdoor object, outdoor, court&#10;&#10;Description automatically generated">
-            <a:extLst>
-              <a:ext uri="{FF2B5EF4-FFF2-40B4-BE49-F238E27FC236}">
-                <a16:creationId xmlns:a16="http://schemas.microsoft.com/office/drawing/2014/main" id="{B7A2A63F-199D-48EC-A8CF-0A3EB5F1F60E}"/>
-              </a:ext>
-            </a:extLst>
-          </p:cNvPr>
-          <p:cNvPicPr>
-            <a:picLocks noChangeAspect="1"/>
-          </p:cNvPicPr>
-          <p:nvPr/>
-        </p:nvPicPr>
-        <p:blipFill rotWithShape="1">
-          <a:blip r:embed="rId2">
-            <a:extLst>
-              <a:ext uri="{28A0092B-C50C-407E-A947-70E740481C1C}">
-                <a14:useLocalDpi xmlns:a14="http://schemas.microsoft.com/office/drawing/2010/main" val="0"/>
-              </a:ext>
-            </a:extLst>
-          </a:blip>
-          <a:srcRect l="25"/>
-          <a:stretch/>
-        </p:blipFill>
-        <p:spPr>
-          <a:xfrm>
-            <a:off x="20" y="1"/>
-            <a:ext cx="12188932" cy="6858000"/>
-          </a:xfrm>
-          <a:prstGeom prst="rect">
-            <a:avLst/>
-          </a:prstGeom>
-        </p:spPr>
-      </p:pic>
-      <p:sp>
-        <p:nvSpPr>
-          <p:cNvPr id="13" name="Rectangle 12">
-            <a:extLst>
-              <a:ext uri="{FF2B5EF4-FFF2-40B4-BE49-F238E27FC236}">
-                <a16:creationId xmlns:a16="http://schemas.microsoft.com/office/drawing/2014/main" id="{C2352FE0-ACFA-479E-A574-CED1C035D3F5}"/>
-              </a:ext>
-              <a:ext uri="{C183D7F6-B498-43B3-948B-1728B52AA6E4}">
-                <adec:decorative xmlns:adec="http://schemas.microsoft.com/office/drawing/2017/decorative" val="1"/>
-              </a:ext>
-            </a:extLst>
-          </p:cNvPr>
-          <p:cNvSpPr>
-            <a:spLocks noGrp="1" noRot="1" noChangeAspect="1" noMove="1" noResize="1" noEditPoints="1" noAdjustHandles="1" noChangeArrowheads="1" noChangeShapeType="1" noTextEdit="1"/>
-          </p:cNvSpPr>
-          <p:nvPr>
-            <p:extLst>
-              <p:ext uri="{386F3935-93C4-4BCD-93E2-E3B085C9AB24}">
-                <p16:designElem xmlns:p16="http://schemas.microsoft.com/office/powerpoint/2015/main" val="1"/>
-              </p:ext>
-            </p:extLst>
-          </p:nvPr>
-        </p:nvSpPr>
-        <p:spPr>
-          <a:xfrm>
-            <a:off x="1" y="758952"/>
-            <a:ext cx="3443590" cy="5330952"/>
-          </a:xfrm>
-          <a:prstGeom prst="rect">
-            <a:avLst/>
-          </a:prstGeom>
-          <a:solidFill>
-            <a:schemeClr val="accent1"/>
-          </a:solidFill>
-          <a:ln>
-            <a:noFill/>
-          </a:ln>
-        </p:spPr>
-        <p:style>
-          <a:lnRef idx="2">
-            <a:schemeClr val="accent1">
-              <a:shade val="50000"/>
-            </a:schemeClr>
-          </a:lnRef>
-          <a:fillRef idx="1">
-            <a:schemeClr val="accent1"/>
-          </a:fillRef>
-          <a:effectRef idx="0">
-            <a:schemeClr val="accent1"/>
-          </a:effectRef>
-          <a:fontRef idx="minor">
-            <a:schemeClr val="lt1"/>
-          </a:fontRef>
-        </p:style>
-      </p:sp>
-      <p:sp>
-        <p:nvSpPr>
-          <p:cNvPr id="2" name="Title 1">
-            <a:extLst>
-              <a:ext uri="{FF2B5EF4-FFF2-40B4-BE49-F238E27FC236}">
-                <a16:creationId xmlns:a16="http://schemas.microsoft.com/office/drawing/2014/main" id="{21832F80-21D6-48FF-8415-4A25F9A42224}"/>
-              </a:ext>
-            </a:extLst>
-          </p:cNvPr>
-          <p:cNvSpPr>
-            <a:spLocks noGrp="1"/>
-          </p:cNvSpPr>
-          <p:nvPr>
-            <p:ph type="title"/>
-          </p:nvPr>
-        </p:nvSpPr>
-        <p:spPr>
-          <a:xfrm>
-            <a:off x="252919" y="1123837"/>
-            <a:ext cx="2947482" cy="4601183"/>
-          </a:xfrm>
-        </p:spPr>
-        <p:txBody>
-          <a:bodyPr>
-            <a:normAutofit/>
-          </a:bodyPr>
-          <a:lstStyle/>
-          <a:p>
-            <a:r>
-              <a:rPr lang="en-GB" dirty="0"/>
-              <a:t>Case</a:t>
-            </a:r>
-            <a:endParaRPr lang="en-US" dirty="0"/>
-          </a:p>
-        </p:txBody>
-      </p:sp>
-      <p:sp>
-        <p:nvSpPr>
-          <p:cNvPr id="15" name="Rectangle 14">
-            <a:extLst>
-              <a:ext uri="{FF2B5EF4-FFF2-40B4-BE49-F238E27FC236}">
-                <a16:creationId xmlns:a16="http://schemas.microsoft.com/office/drawing/2014/main" id="{401F5979-1992-492E-ABBD-62EBC1016CB4}"/>
-              </a:ext>
-              <a:ext uri="{C183D7F6-B498-43B3-948B-1728B52AA6E4}">
-                <adec:decorative xmlns:adec="http://schemas.microsoft.com/office/drawing/2017/decorative" val="1"/>
-              </a:ext>
-            </a:extLst>
-          </p:cNvPr>
-          <p:cNvSpPr>
-            <a:spLocks noGrp="1" noRot="1" noChangeAspect="1" noMove="1" noResize="1" noEditPoints="1" noAdjustHandles="1" noChangeArrowheads="1" noChangeShapeType="1" noTextEdit="1"/>
-          </p:cNvSpPr>
-          <p:nvPr>
-            <p:extLst>
-              <p:ext uri="{386F3935-93C4-4BCD-93E2-E3B085C9AB24}">
-                <p16:designElem xmlns:p16="http://schemas.microsoft.com/office/powerpoint/2015/main" val="1"/>
-              </p:ext>
-            </p:extLst>
-          </p:nvPr>
-        </p:nvSpPr>
-        <p:spPr>
-          <a:xfrm>
-            <a:off x="3697130" y="754144"/>
-            <a:ext cx="7865196" cy="5335760"/>
-          </a:xfrm>
-          <a:prstGeom prst="rect">
-            <a:avLst/>
-          </a:prstGeom>
-          <a:solidFill>
-            <a:schemeClr val="bg1">
-              <a:alpha val="88000"/>
-            </a:schemeClr>
-          </a:solidFill>
-          <a:ln>
-            <a:noFill/>
-          </a:ln>
-        </p:spPr>
-        <p:style>
-          <a:lnRef idx="2">
-            <a:schemeClr val="accent1">
-              <a:shade val="50000"/>
-            </a:schemeClr>
-          </a:lnRef>
-          <a:fillRef idx="1">
-            <a:schemeClr val="accent1"/>
-          </a:fillRef>
-          <a:effectRef idx="0">
-            <a:schemeClr val="accent1"/>
-          </a:effectRef>
-          <a:fontRef idx="minor">
-            <a:schemeClr val="lt1"/>
-          </a:fontRef>
-        </p:style>
-      </p:sp>
-      <p:sp>
-        <p:nvSpPr>
-          <p:cNvPr id="3" name="Content Placeholder 2">
-            <a:extLst>
-              <a:ext uri="{FF2B5EF4-FFF2-40B4-BE49-F238E27FC236}">
-                <a16:creationId xmlns:a16="http://schemas.microsoft.com/office/drawing/2014/main" id="{B1E237C2-4AF2-4B05-BBC8-FF8C0D376DB8}"/>
-              </a:ext>
-            </a:extLst>
-          </p:cNvPr>
-          <p:cNvSpPr>
-            <a:spLocks noGrp="1"/>
-          </p:cNvSpPr>
-          <p:nvPr>
-            <p:ph idx="1"/>
-          </p:nvPr>
-        </p:nvSpPr>
-        <p:spPr>
-          <a:xfrm>
-            <a:off x="3972128" y="971055"/>
-            <a:ext cx="7315200" cy="4901938"/>
-          </a:xfrm>
-        </p:spPr>
-        <p:txBody>
-          <a:bodyPr>
-            <a:normAutofit/>
-          </a:bodyPr>
-          <a:lstStyle/>
-          <a:p>
-            <a:r>
-              <a:rPr lang="nl-NL" dirty="0"/>
-              <a:t>150 huizen</a:t>
-            </a:r>
-          </a:p>
-          <a:p>
-            <a:r>
-              <a:rPr lang="nl-NL" dirty="0"/>
-              <a:t>5 batterijen</a:t>
-            </a:r>
-          </a:p>
-          <a:p>
-            <a:r>
-              <a:rPr lang="nl-NL" dirty="0"/>
-              <a:t>Elk huis heeft zonnepanelen, en dus een energie output</a:t>
-            </a:r>
-          </a:p>
-          <a:p>
-            <a:r>
-              <a:rPr lang="nl-NL" dirty="0"/>
-              <a:t>Deze output moet opgeslagen worden in de batterijen</a:t>
-            </a:r>
-          </a:p>
-          <a:p>
-            <a:r>
-              <a:rPr lang="nl-NL" dirty="0"/>
-              <a:t>Batterijen hebben een opslagcapaciteit die niet overschreden mag worden</a:t>
-            </a:r>
-          </a:p>
-          <a:p>
-            <a:r>
-              <a:rPr lang="nl-NL" dirty="0"/>
-              <a:t>Verbind elk huis aan een batterij</a:t>
-            </a:r>
-          </a:p>
-        </p:txBody>
-      </p:sp>
-      <p:sp>
-        <p:nvSpPr>
-          <p:cNvPr id="17" name="Rectangle 16">
-            <a:extLst>
-              <a:ext uri="{FF2B5EF4-FFF2-40B4-BE49-F238E27FC236}">
-                <a16:creationId xmlns:a16="http://schemas.microsoft.com/office/drawing/2014/main" id="{377CB93F-A0E2-4BBE-B2FC-E93932C7ECEE}"/>
-              </a:ext>
-              <a:ext uri="{C183D7F6-B498-43B3-948B-1728B52AA6E4}">
-                <adec:decorative xmlns:adec="http://schemas.microsoft.com/office/drawing/2017/decorative" val="1"/>
-              </a:ext>
-            </a:extLst>
-          </p:cNvPr>
-          <p:cNvSpPr>
-            <a:spLocks noGrp="1" noRot="1" noChangeAspect="1" noMove="1" noResize="1" noEditPoints="1" noAdjustHandles="1" noChangeArrowheads="1" noChangeShapeType="1" noTextEdit="1"/>
-          </p:cNvSpPr>
-          <p:nvPr>
-            <p:extLst>
-              <p:ext uri="{386F3935-93C4-4BCD-93E2-E3B085C9AB24}">
-                <p16:designElem xmlns:p16="http://schemas.microsoft.com/office/powerpoint/2015/main" val="1"/>
-              </p:ext>
-            </p:extLst>
-          </p:nvPr>
-        </p:nvSpPr>
-        <p:spPr>
-          <a:xfrm>
-            <a:off x="11815864" y="758952"/>
-            <a:ext cx="384048" cy="5330952"/>
-          </a:xfrm>
-          <a:prstGeom prst="rect">
-            <a:avLst/>
-          </a:prstGeom>
-          <a:solidFill>
-            <a:srgbClr val="C8C8C8">
-              <a:alpha val="49804"/>
-            </a:srgbClr>
-          </a:solidFill>
-          <a:ln>
-            <a:noFill/>
-          </a:ln>
-        </p:spPr>
-        <p:style>
-          <a:lnRef idx="2">
-            <a:schemeClr val="accent1">
-              <a:shade val="50000"/>
-            </a:schemeClr>
-          </a:lnRef>
-          <a:fillRef idx="1">
-            <a:schemeClr val="accent1"/>
-          </a:fillRef>
-          <a:effectRef idx="0">
-            <a:schemeClr val="accent1"/>
-          </a:effectRef>
-          <a:fontRef idx="minor">
-            <a:schemeClr val="lt1"/>
-          </a:fontRef>
-        </p:style>
-      </p:sp>
-      <p:sp>
-        <p:nvSpPr>
-          <p:cNvPr id="4" name="Slide Number Placeholder 3">
-            <a:extLst>
-              <a:ext uri="{FF2B5EF4-FFF2-40B4-BE49-F238E27FC236}">
-                <a16:creationId xmlns:a16="http://schemas.microsoft.com/office/drawing/2014/main" id="{5758FD30-74DA-40CD-938E-6902FEE09C2F}"/>
-              </a:ext>
-            </a:extLst>
-          </p:cNvPr>
-          <p:cNvSpPr>
-            <a:spLocks noGrp="1"/>
-          </p:cNvSpPr>
-          <p:nvPr>
-            <p:ph type="sldNum" sz="quarter" idx="12"/>
-          </p:nvPr>
-        </p:nvSpPr>
-        <p:spPr/>
-        <p:txBody>
-          <a:bodyPr/>
-          <a:lstStyle/>
-          <a:p>
-            <a:fld id="{0FBD8FBB-5194-4CDF-A1AC-FF2A7D4344FA}" type="slidenum">
-              <a:rPr lang="nl-NL" smtClean="0"/>
-              <a:t>2</a:t>
-            </a:fld>
-            <a:endParaRPr lang="nl-NL"/>
-          </a:p>
-        </p:txBody>
-      </p:sp>
-    </p:spTree>
-    <p:extLst>
-      <p:ext uri="{BB962C8B-B14F-4D97-AF65-F5344CB8AC3E}">
-        <p14:creationId xmlns:p14="http://schemas.microsoft.com/office/powerpoint/2010/main" val="549373656"/>
-      </p:ext>
-    </p:extLst>
-  </p:cSld>
-  <p:clrMapOvr>
-    <a:masterClrMapping/>
-  </p:clrMapOvr>
-</p:sld>
-</file>
-
-<file path=ppt/slides/slide20.xml><?xml version="1.0" encoding="utf-8"?>
-<p:sld xmlns:a="http://schemas.openxmlformats.org/drawingml/2006/main" xmlns:r="http://schemas.openxmlformats.org/officeDocument/2006/relationships" xmlns:p="http://schemas.openxmlformats.org/presentationml/2006/main">
-  <p:cSld>
-    <p:spTree>
-      <p:nvGrpSpPr>
-        <p:cNvPr id="1" name=""/>
-        <p:cNvGrpSpPr/>
-        <p:nvPr/>
-      </p:nvGrpSpPr>
-      <p:grpSpPr>
-        <a:xfrm>
-          <a:off x="0" y="0"/>
-          <a:ext cx="0" cy="0"/>
-          <a:chOff x="0" y="0"/>
-          <a:chExt cx="0" cy="0"/>
-        </a:xfrm>
-      </p:grpSpPr>
-      <p:sp>
-        <p:nvSpPr>
-          <p:cNvPr id="2" name="Title 1">
-            <a:extLst>
-              <a:ext uri="{FF2B5EF4-FFF2-40B4-BE49-F238E27FC236}">
-                <a16:creationId xmlns:a16="http://schemas.microsoft.com/office/drawing/2014/main" id="{8A2E5EFD-86E4-41A5-921D-B0A8015E2A66}"/>
-              </a:ext>
-            </a:extLst>
-          </p:cNvPr>
-          <p:cNvSpPr>
-            <a:spLocks noGrp="1"/>
-          </p:cNvSpPr>
-          <p:nvPr>
-            <p:ph type="title"/>
-          </p:nvPr>
-        </p:nvSpPr>
-        <p:spPr/>
-        <p:txBody>
-          <a:bodyPr/>
-          <a:lstStyle/>
-          <a:p>
-            <a:r>
-              <a:rPr lang="nl-NL" dirty="0"/>
-              <a:t>Verder optimaliseren!</a:t>
-            </a:r>
-          </a:p>
-        </p:txBody>
-      </p:sp>
-      <p:sp>
-        <p:nvSpPr>
-          <p:cNvPr id="3" name="Content Placeholder 2">
-            <a:extLst>
-              <a:ext uri="{FF2B5EF4-FFF2-40B4-BE49-F238E27FC236}">
-                <a16:creationId xmlns:a16="http://schemas.microsoft.com/office/drawing/2014/main" id="{83FAB263-5AD9-4754-9298-F0259FBBD2FD}"/>
-              </a:ext>
-            </a:extLst>
-          </p:cNvPr>
-          <p:cNvSpPr>
-            <a:spLocks noGrp="1"/>
-          </p:cNvSpPr>
-          <p:nvPr>
-            <p:ph idx="1"/>
-          </p:nvPr>
-        </p:nvSpPr>
-        <p:spPr/>
-        <p:txBody>
-          <a:bodyPr/>
-          <a:lstStyle/>
-          <a:p>
-            <a:r>
-              <a:rPr lang="nl-NL" dirty="0" err="1"/>
-              <a:t>Simulated</a:t>
-            </a:r>
-            <a:r>
-              <a:rPr lang="nl-NL" dirty="0"/>
-              <a:t> </a:t>
-            </a:r>
-            <a:r>
-              <a:rPr lang="nl-NL" dirty="0" err="1"/>
-              <a:t>Annealing</a:t>
-            </a:r>
-            <a:endParaRPr lang="nl-NL" dirty="0"/>
-          </a:p>
-          <a:p>
-            <a:pPr lvl="1"/>
-            <a:r>
-              <a:rPr lang="nl-NL" dirty="0"/>
-              <a:t>Exponentieel koelschema: </a:t>
-            </a:r>
-            <a:r>
-              <a:rPr lang="fr-FR" dirty="0"/>
-              <a:t>T = T_O ^ (1-(</a:t>
-            </a:r>
-            <a:r>
-              <a:rPr lang="fr-FR" dirty="0" err="1"/>
-              <a:t>coolRate</a:t>
-            </a:r>
-            <a:r>
-              <a:rPr lang="fr-FR" dirty="0"/>
-              <a:t>))</a:t>
-            </a:r>
-          </a:p>
-          <a:p>
-            <a:pPr lvl="2"/>
-            <a:r>
-              <a:rPr lang="fr-FR" dirty="0" err="1"/>
-              <a:t>Coolrate</a:t>
-            </a:r>
-            <a:r>
-              <a:rPr lang="fr-FR" dirty="0"/>
-              <a:t> = i / N</a:t>
-            </a:r>
-            <a:endParaRPr lang="nl-NL" dirty="0"/>
-          </a:p>
-          <a:p>
-            <a:pPr lvl="1"/>
-            <a:r>
-              <a:rPr lang="nl-NL" dirty="0"/>
-              <a:t>Temperatuur = 80</a:t>
-            </a:r>
-          </a:p>
-          <a:p>
-            <a:pPr lvl="1"/>
-            <a:r>
-              <a:rPr lang="nl-NL" dirty="0"/>
-              <a:t>Aantal iteraties N = 300</a:t>
-            </a:r>
-          </a:p>
-          <a:p>
-            <a:pPr lvl="1"/>
-            <a:r>
-              <a:rPr lang="nl-NL" dirty="0"/>
-              <a:t>Aantal uitgevoerde swaps = i</a:t>
-            </a:r>
-          </a:p>
-        </p:txBody>
-      </p:sp>
-      <p:sp>
-        <p:nvSpPr>
-          <p:cNvPr id="4" name="Slide Number Placeholder 3">
-            <a:extLst>
-              <a:ext uri="{FF2B5EF4-FFF2-40B4-BE49-F238E27FC236}">
-                <a16:creationId xmlns:a16="http://schemas.microsoft.com/office/drawing/2014/main" id="{E531E068-71A3-475B-B22B-189293362AED}"/>
-              </a:ext>
-            </a:extLst>
-          </p:cNvPr>
-          <p:cNvSpPr>
-            <a:spLocks noGrp="1"/>
-          </p:cNvSpPr>
-          <p:nvPr>
-            <p:ph type="sldNum" sz="quarter" idx="12"/>
-          </p:nvPr>
-        </p:nvSpPr>
-        <p:spPr/>
-        <p:txBody>
-          <a:bodyPr/>
-          <a:lstStyle/>
-          <a:p>
-            <a:fld id="{0FBD8FBB-5194-4CDF-A1AC-FF2A7D4344FA}" type="slidenum">
-              <a:rPr lang="nl-NL" smtClean="0"/>
-              <a:t>20</a:t>
-            </a:fld>
-            <a:endParaRPr lang="nl-NL"/>
-          </a:p>
-        </p:txBody>
-      </p:sp>
-    </p:spTree>
-    <p:extLst>
-      <p:ext uri="{BB962C8B-B14F-4D97-AF65-F5344CB8AC3E}">
-        <p14:creationId xmlns:p14="http://schemas.microsoft.com/office/powerpoint/2010/main" val="2206917326"/>
-      </p:ext>
-    </p:extLst>
-  </p:cSld>
-  <p:clrMapOvr>
-    <a:masterClrMapping/>
-  </p:clrMapOvr>
-</p:sld>
-</file>
-
-<file path=ppt/slides/slide21.xml><?xml version="1.0" encoding="utf-8"?>
-<p:sld xmlns:a="http://schemas.openxmlformats.org/drawingml/2006/main" xmlns:r="http://schemas.openxmlformats.org/officeDocument/2006/relationships" xmlns:p="http://schemas.openxmlformats.org/presentationml/2006/main">
-  <p:cSld>
-    <p:bg>
-      <p:bgPr>
-        <a:solidFill>
-          <a:schemeClr val="bg1"/>
-        </a:solidFill>
-        <a:effectLst/>
-      </p:bgPr>
-    </p:bg>
-    <p:spTree>
-      <p:nvGrpSpPr>
-        <p:cNvPr id="1" name=""/>
-        <p:cNvGrpSpPr/>
-        <p:nvPr/>
-      </p:nvGrpSpPr>
-      <p:grpSpPr>
-        <a:xfrm>
-          <a:off x="0" y="0"/>
-          <a:ext cx="0" cy="0"/>
-          <a:chOff x="0" y="0"/>
-          <a:chExt cx="0" cy="0"/>
-        </a:xfrm>
-      </p:grpSpPr>
-      <p:sp>
-        <p:nvSpPr>
-          <p:cNvPr id="11" name="Rectangle 10">
+      <p:sp>
+        <p:nvSpPr>
+          <p:cNvPr id="18" name="Rectangle 17">
             <a:extLst>
               <a:ext uri="{FF2B5EF4-FFF2-40B4-BE49-F238E27FC236}">
                 <a16:creationId xmlns:a16="http://schemas.microsoft.com/office/drawing/2014/main" id="{2ABBB681-F4D2-40F2-ACC3-DE0B4B4880EF}"/>
@@ -7745,10 +10012,7 @@
             <a:avLst/>
           </a:prstGeom>
           <a:solidFill>
-            <a:schemeClr val="tx1">
-              <a:lumMod val="65000"/>
-              <a:lumOff val="35000"/>
-            </a:schemeClr>
+            <a:srgbClr val="37424E"/>
           </a:solidFill>
           <a:ln>
             <a:noFill/>
@@ -7781,7 +10045,7 @@
       </p:sp>
       <p:sp>
         <p:nvSpPr>
-          <p:cNvPr id="13" name="Rectangle 12">
+          <p:cNvPr id="20" name="Rectangle 19">
             <a:extLst>
               <a:ext uri="{FF2B5EF4-FFF2-40B4-BE49-F238E27FC236}">
                 <a16:creationId xmlns:a16="http://schemas.microsoft.com/office/drawing/2014/main" id="{09388ED0-1FEF-4E11-B488-BD661D1AC1A6}"/>
@@ -7846,10 +10110,10 @@
       </p:sp>
       <p:pic>
         <p:nvPicPr>
-          <p:cNvPr id="6" name="Content Placeholder 5" descr="A screenshot of a cell phone&#10;&#10;Description automatically generated">
+          <p:cNvPr id="10" name="Content Placeholder 9" descr="A picture containing sky, indoor, filled&#10;&#10;Description automatically generated">
             <a:extLst>
               <a:ext uri="{FF2B5EF4-FFF2-40B4-BE49-F238E27FC236}">
-                <a16:creationId xmlns:a16="http://schemas.microsoft.com/office/drawing/2014/main" id="{605C42F0-8882-458D-B164-744BF671A439}"/>
+                <a16:creationId xmlns:a16="http://schemas.microsoft.com/office/drawing/2014/main" id="{F20272E3-C83D-481C-97A4-1B52BF954F18}"/>
               </a:ext>
             </a:extLst>
           </p:cNvPr>
@@ -7874,8 +10138,8 @@
         </p:blipFill>
         <p:spPr>
           <a:xfrm>
-            <a:off x="1075094" y="771434"/>
-            <a:ext cx="10041813" cy="5271953"/>
+            <a:off x="824047" y="771434"/>
+            <a:ext cx="10543906" cy="5271953"/>
           </a:xfrm>
           <a:prstGeom prst="rect">
             <a:avLst/>
@@ -7887,7 +10151,7 @@
           <p:cNvPr id="4" name="Slide Number Placeholder 3">
             <a:extLst>
               <a:ext uri="{FF2B5EF4-FFF2-40B4-BE49-F238E27FC236}">
-                <a16:creationId xmlns:a16="http://schemas.microsoft.com/office/drawing/2014/main" id="{78A04EDC-A373-4402-98DE-2D6D3FB493A7}"/>
+                <a16:creationId xmlns:a16="http://schemas.microsoft.com/office/drawing/2014/main" id="{2EA2E4E7-229F-4AA2-A8C7-94672573380C}"/>
               </a:ext>
             </a:extLst>
           </p:cNvPr>
@@ -7926,7 +10190,7 @@
                   <a:spcPts val="600"/>
                 </a:spcAft>
               </a:pPr>
-              <a:t>21</a:t>
+              <a:t>19</a:t>
             </a:fld>
             <a:endParaRPr lang="en-US">
               <a:solidFill>
@@ -7936,10 +10200,75 @@
           </a:p>
         </p:txBody>
       </p:sp>
+      <p:pic>
+        <p:nvPicPr>
+          <p:cNvPr id="2" name="Picture 1">
+            <a:extLst>
+              <a:ext uri="{FF2B5EF4-FFF2-40B4-BE49-F238E27FC236}">
+                <a16:creationId xmlns:a16="http://schemas.microsoft.com/office/drawing/2014/main" id="{E52C1875-3602-4634-B843-96319C621ACE}"/>
+              </a:ext>
+            </a:extLst>
+          </p:cNvPr>
+          <p:cNvPicPr>
+            <a:picLocks noChangeAspect="1"/>
+          </p:cNvPicPr>
+          <p:nvPr/>
+        </p:nvPicPr>
+        <p:blipFill>
+          <a:blip r:embed="rId3"/>
+          <a:stretch>
+            <a:fillRect/>
+          </a:stretch>
+        </p:blipFill>
+        <p:spPr>
+          <a:xfrm>
+            <a:off x="477012" y="458470"/>
+            <a:ext cx="1828800" cy="885825"/>
+          </a:xfrm>
+          <a:prstGeom prst="rect">
+            <a:avLst/>
+          </a:prstGeom>
+        </p:spPr>
+      </p:pic>
+      <p:sp>
+        <p:nvSpPr>
+          <p:cNvPr id="3" name="TextBox 2">
+            <a:extLst>
+              <a:ext uri="{FF2B5EF4-FFF2-40B4-BE49-F238E27FC236}">
+                <a16:creationId xmlns:a16="http://schemas.microsoft.com/office/drawing/2014/main" id="{822FA894-4FBC-4FE9-AA17-E4E1FFDE8B5C}"/>
+              </a:ext>
+            </a:extLst>
+          </p:cNvPr>
+          <p:cNvSpPr txBox="1"/>
+          <p:nvPr/>
+        </p:nvSpPr>
+        <p:spPr>
+          <a:xfrm>
+            <a:off x="3755455" y="716716"/>
+            <a:ext cx="4681090" cy="369332"/>
+          </a:xfrm>
+          <a:prstGeom prst="rect">
+            <a:avLst/>
+          </a:prstGeom>
+          <a:noFill/>
+        </p:spPr>
+        <p:txBody>
+          <a:bodyPr wrap="none" rtlCol="0">
+            <a:spAutoFit/>
+          </a:bodyPr>
+          <a:lstStyle/>
+          <a:p>
+            <a:r>
+              <a:rPr lang="nl-NL" dirty="0"/>
+              <a:t>Ons beste resultaat van de simulated annealing</a:t>
+            </a:r>
+          </a:p>
+        </p:txBody>
+      </p:sp>
     </p:spTree>
     <p:extLst>
       <p:ext uri="{BB962C8B-B14F-4D97-AF65-F5344CB8AC3E}">
-        <p14:creationId xmlns:p14="http://schemas.microsoft.com/office/powerpoint/2010/main" val="2902091921"/>
+        <p14:creationId xmlns:p14="http://schemas.microsoft.com/office/powerpoint/2010/main" val="2826361343"/>
       </p:ext>
     </p:extLst>
   </p:cSld>
@@ -7949,7 +10278,7 @@
 </p:sld>
 </file>
 
-<file path=ppt/slides/slide22.xml><?xml version="1.0" encoding="utf-8"?>
+<file path=ppt/slides/slide2.xml><?xml version="1.0" encoding="utf-8"?>
 <p:sld xmlns:a="http://schemas.openxmlformats.org/drawingml/2006/main" xmlns:r="http://schemas.openxmlformats.org/officeDocument/2006/relationships" xmlns:p="http://schemas.openxmlformats.org/presentationml/2006/main">
   <p:cSld>
     <p:bg>
@@ -7974,12 +10303,12 @@
           <a:chExt cx="0" cy="0"/>
         </a:xfrm>
       </p:grpSpPr>
-      <p:sp>
-        <p:nvSpPr>
-          <p:cNvPr id="18" name="Rectangle 17">
+      <p:sp useBgFill="1">
+        <p:nvSpPr>
+          <p:cNvPr id="11" name="Rectangle 10">
             <a:extLst>
               <a:ext uri="{FF2B5EF4-FFF2-40B4-BE49-F238E27FC236}">
-                <a16:creationId xmlns:a16="http://schemas.microsoft.com/office/drawing/2014/main" id="{2ABBB681-F4D2-40F2-ACC3-DE0B4B4880EF}"/>
+                <a16:creationId xmlns:a16="http://schemas.microsoft.com/office/drawing/2014/main" id="{DCCCDCCF-DDE7-4FF9-BA8E-DFD3AC93A6C7}"/>
               </a:ext>
               <a:ext uri="{C183D7F6-B498-43B3-948B-1728B52AA6E4}">
                 <adec:decorative xmlns:adec="http://schemas.microsoft.com/office/drawing/2017/decorative" val="1"/>
@@ -7999,15 +10328,12 @@
         </p:nvSpPr>
         <p:spPr>
           <a:xfrm>
-            <a:off x="0" y="-21590"/>
+            <a:off x="0" y="0"/>
             <a:ext cx="12192000" cy="6858000"/>
           </a:xfrm>
           <a:prstGeom prst="rect">
             <a:avLst/>
           </a:prstGeom>
-          <a:solidFill>
-            <a:srgbClr val="37424E"/>
-          </a:solidFill>
           <a:ln>
             <a:noFill/>
           </a:ln>
@@ -8037,12 +10363,47 @@
           </a:p>
         </p:txBody>
       </p:sp>
-      <p:sp>
-        <p:nvSpPr>
-          <p:cNvPr id="20" name="Rectangle 19">
+      <p:pic>
+        <p:nvPicPr>
+          <p:cNvPr id="6" name="Picture 5" descr="A picture containing solar cell, outdoor object, outdoor, court&#10;&#10;Description automatically generated">
             <a:extLst>
               <a:ext uri="{FF2B5EF4-FFF2-40B4-BE49-F238E27FC236}">
-                <a16:creationId xmlns:a16="http://schemas.microsoft.com/office/drawing/2014/main" id="{09388ED0-1FEF-4E11-B488-BD661D1AC1A6}"/>
+                <a16:creationId xmlns:a16="http://schemas.microsoft.com/office/drawing/2014/main" id="{B7A2A63F-199D-48EC-A8CF-0A3EB5F1F60E}"/>
+              </a:ext>
+            </a:extLst>
+          </p:cNvPr>
+          <p:cNvPicPr>
+            <a:picLocks noChangeAspect="1"/>
+          </p:cNvPicPr>
+          <p:nvPr/>
+        </p:nvPicPr>
+        <p:blipFill rotWithShape="1">
+          <a:blip r:embed="rId2">
+            <a:extLst>
+              <a:ext uri="{28A0092B-C50C-407E-A947-70E740481C1C}">
+                <a14:useLocalDpi xmlns:a14="http://schemas.microsoft.com/office/drawing/2010/main" val="0"/>
+              </a:ext>
+            </a:extLst>
+          </a:blip>
+          <a:srcRect l="25"/>
+          <a:stretch/>
+        </p:blipFill>
+        <p:spPr>
+          <a:xfrm>
+            <a:off x="20" y="1"/>
+            <a:ext cx="12188932" cy="6858000"/>
+          </a:xfrm>
+          <a:prstGeom prst="rect">
+            <a:avLst/>
+          </a:prstGeom>
+        </p:spPr>
+      </p:pic>
+      <p:sp>
+        <p:nvSpPr>
+          <p:cNvPr id="13" name="Rectangle 12">
+            <a:extLst>
+              <a:ext uri="{FF2B5EF4-FFF2-40B4-BE49-F238E27FC236}">
+                <a16:creationId xmlns:a16="http://schemas.microsoft.com/office/drawing/2014/main" id="{C2352FE0-ACFA-479E-A574-CED1C035D3F5}"/>
               </a:ext>
               <a:ext uri="{C183D7F6-B498-43B3-948B-1728B52AA6E4}">
                 <adec:decorative xmlns:adec="http://schemas.microsoft.com/office/drawing/2017/decorative" val="1"/>
@@ -8062,19 +10423,17 @@
         </p:nvSpPr>
         <p:spPr>
           <a:xfrm>
-            <a:off x="477012" y="458470"/>
-            <a:ext cx="11237976" cy="5897880"/>
+            <a:off x="1" y="758952"/>
+            <a:ext cx="3443590" cy="5330952"/>
           </a:xfrm>
           <a:prstGeom prst="rect">
             <a:avLst/>
           </a:prstGeom>
           <a:solidFill>
-            <a:srgbClr val="FFFFFF"/>
+            <a:schemeClr val="accent1"/>
           </a:solidFill>
           <a:ln>
-            <a:solidFill>
-              <a:srgbClr val="FFFFFF"/>
-            </a:solidFill>
+            <a:noFill/>
           </a:ln>
         </p:spPr>
         <p:style>
@@ -8093,59 +10452,106 @@
             <a:schemeClr val="lt1"/>
           </a:fontRef>
         </p:style>
-        <p:txBody>
-          <a:bodyPr rtlCol="0" anchor="ctr"/>
-          <a:lstStyle/>
-          <a:p>
-            <a:pPr algn="ctr"/>
-            <a:endParaRPr lang="en-US"/>
-          </a:p>
-        </p:txBody>
-      </p:sp>
-      <p:pic>
-        <p:nvPicPr>
-          <p:cNvPr id="10" name="Content Placeholder 9" descr="A picture containing sky, indoor, filled&#10;&#10;Description automatically generated">
+      </p:sp>
+      <p:sp>
+        <p:nvSpPr>
+          <p:cNvPr id="2" name="Title 1">
             <a:extLst>
               <a:ext uri="{FF2B5EF4-FFF2-40B4-BE49-F238E27FC236}">
-                <a16:creationId xmlns:a16="http://schemas.microsoft.com/office/drawing/2014/main" id="{F20272E3-C83D-481C-97A4-1B52BF954F18}"/>
+                <a16:creationId xmlns:a16="http://schemas.microsoft.com/office/drawing/2014/main" id="{21832F80-21D6-48FF-8415-4A25F9A42224}"/>
               </a:ext>
             </a:extLst>
           </p:cNvPr>
-          <p:cNvPicPr>
-            <a:picLocks noGrp="1" noChangeAspect="1"/>
-          </p:cNvPicPr>
-          <p:nvPr>
-            <p:ph idx="1"/>
-          </p:nvPr>
-        </p:nvPicPr>
-        <p:blipFill>
-          <a:blip r:embed="rId2">
-            <a:extLst>
-              <a:ext uri="{28A0092B-C50C-407E-A947-70E740481C1C}">
-                <a14:useLocalDpi xmlns:a14="http://schemas.microsoft.com/office/drawing/2010/main" val="0"/>
-              </a:ext>
-            </a:extLst>
-          </a:blip>
-          <a:stretch>
-            <a:fillRect/>
-          </a:stretch>
-        </p:blipFill>
+          <p:cNvSpPr>
+            <a:spLocks noGrp="1"/>
+          </p:cNvSpPr>
+          <p:nvPr>
+            <p:ph type="title"/>
+          </p:nvPr>
+        </p:nvSpPr>
         <p:spPr>
           <a:xfrm>
-            <a:off x="824047" y="771434"/>
-            <a:ext cx="10543906" cy="5271953"/>
+            <a:off x="252919" y="1123837"/>
+            <a:ext cx="2947482" cy="4601183"/>
+          </a:xfrm>
+        </p:spPr>
+        <p:txBody>
+          <a:bodyPr>
+            <a:normAutofit/>
+          </a:bodyPr>
+          <a:lstStyle/>
+          <a:p>
+            <a:r>
+              <a:rPr lang="en-GB" dirty="0"/>
+              <a:t>Case</a:t>
+            </a:r>
+            <a:endParaRPr lang="en-US" dirty="0"/>
+          </a:p>
+        </p:txBody>
+      </p:sp>
+      <p:sp>
+        <p:nvSpPr>
+          <p:cNvPr id="15" name="Rectangle 14">
+            <a:extLst>
+              <a:ext uri="{FF2B5EF4-FFF2-40B4-BE49-F238E27FC236}">
+                <a16:creationId xmlns:a16="http://schemas.microsoft.com/office/drawing/2014/main" id="{401F5979-1992-492E-ABBD-62EBC1016CB4}"/>
+              </a:ext>
+              <a:ext uri="{C183D7F6-B498-43B3-948B-1728B52AA6E4}">
+                <adec:decorative xmlns:adec="http://schemas.microsoft.com/office/drawing/2017/decorative" val="1"/>
+              </a:ext>
+            </a:extLst>
+          </p:cNvPr>
+          <p:cNvSpPr>
+            <a:spLocks noGrp="1" noRot="1" noChangeAspect="1" noMove="1" noResize="1" noEditPoints="1" noAdjustHandles="1" noChangeArrowheads="1" noChangeShapeType="1" noTextEdit="1"/>
+          </p:cNvSpPr>
+          <p:nvPr>
+            <p:extLst>
+              <p:ext uri="{386F3935-93C4-4BCD-93E2-E3B085C9AB24}">
+                <p16:designElem xmlns:p16="http://schemas.microsoft.com/office/powerpoint/2015/main" val="1"/>
+              </p:ext>
+            </p:extLst>
+          </p:nvPr>
+        </p:nvSpPr>
+        <p:spPr>
+          <a:xfrm>
+            <a:off x="3697130" y="754144"/>
+            <a:ext cx="7865196" cy="5335760"/>
           </a:xfrm>
           <a:prstGeom prst="rect">
             <a:avLst/>
           </a:prstGeom>
+          <a:solidFill>
+            <a:schemeClr val="bg1">
+              <a:alpha val="88000"/>
+            </a:schemeClr>
+          </a:solidFill>
+          <a:ln>
+            <a:noFill/>
+          </a:ln>
         </p:spPr>
-      </p:pic>
-      <p:sp>
-        <p:nvSpPr>
-          <p:cNvPr id="4" name="Slide Number Placeholder 3">
+        <p:style>
+          <a:lnRef idx="2">
+            <a:schemeClr val="accent1">
+              <a:shade val="50000"/>
+            </a:schemeClr>
+          </a:lnRef>
+          <a:fillRef idx="1">
+            <a:schemeClr val="accent1"/>
+          </a:fillRef>
+          <a:effectRef idx="0">
+            <a:schemeClr val="accent1"/>
+          </a:effectRef>
+          <a:fontRef idx="minor">
+            <a:schemeClr val="lt1"/>
+          </a:fontRef>
+        </p:style>
+      </p:sp>
+      <p:sp>
+        <p:nvSpPr>
+          <p:cNvPr id="3" name="Content Placeholder 2">
             <a:extLst>
               <a:ext uri="{FF2B5EF4-FFF2-40B4-BE49-F238E27FC236}">
-                <a16:creationId xmlns:a16="http://schemas.microsoft.com/office/drawing/2014/main" id="{2EA2E4E7-229F-4AA2-A8C7-94672573380C}"/>
+                <a16:creationId xmlns:a16="http://schemas.microsoft.com/office/drawing/2014/main" id="{B1E237C2-4AF2-4B05-BBC8-FF8C0D376DB8}"/>
               </a:ext>
             </a:extLst>
           </p:cNvPr>
@@ -8153,129 +10559,148 @@
             <a:spLocks noGrp="1"/>
           </p:cNvSpPr>
           <p:nvPr>
-            <p:ph type="sldNum" sz="quarter" idx="12"/>
+            <p:ph idx="1"/>
           </p:nvPr>
         </p:nvSpPr>
         <p:spPr>
           <a:xfrm>
-            <a:off x="10634135" y="6356350"/>
-            <a:ext cx="1530927" cy="365125"/>
+            <a:off x="3972128" y="971055"/>
+            <a:ext cx="7315200" cy="4901938"/>
           </a:xfrm>
         </p:spPr>
         <p:txBody>
-          <a:bodyPr vert="horz" lIns="91440" tIns="45720" rIns="91440" bIns="45720" rtlCol="0" anchor="ctr">
+          <a:bodyPr>
             <a:normAutofit/>
           </a:bodyPr>
           <a:lstStyle/>
           <a:p>
-            <a:pPr>
-              <a:spcAft>
-                <a:spcPts val="600"/>
-              </a:spcAft>
-            </a:pPr>
-            <a:fld id="{0FBD8FBB-5194-4CDF-A1AC-FF2A7D4344FA}" type="slidenum">
-              <a:rPr lang="en-US">
-                <a:solidFill>
-                  <a:srgbClr val="FFFFFF"/>
-                </a:solidFill>
-              </a:rPr>
-              <a:pPr>
-                <a:spcAft>
-                  <a:spcPts val="600"/>
-                </a:spcAft>
-              </a:pPr>
-              <a:t>22</a:t>
-            </a:fld>
-            <a:endParaRPr lang="en-US">
-              <a:solidFill>
-                <a:srgbClr val="FFFFFF"/>
-              </a:solidFill>
-            </a:endParaRPr>
+            <a:r>
+              <a:rPr lang="nl-NL" dirty="0"/>
+              <a:t>150 huizen</a:t>
+            </a:r>
+          </a:p>
+          <a:p>
+            <a:r>
+              <a:rPr lang="nl-NL" dirty="0"/>
+              <a:t>5 batterijen</a:t>
+            </a:r>
+          </a:p>
+          <a:p>
+            <a:r>
+              <a:rPr lang="nl-NL" dirty="0"/>
+              <a:t>Elk huis heeft zonnepanelen, en dus een energie output</a:t>
+            </a:r>
+          </a:p>
+          <a:p>
+            <a:r>
+              <a:rPr lang="nl-NL" dirty="0"/>
+              <a:t>Deze output moet opgeslagen worden in de batterijen</a:t>
+            </a:r>
+          </a:p>
+          <a:p>
+            <a:r>
+              <a:rPr lang="nl-NL" dirty="0"/>
+              <a:t>Batterijen hebben een opslagcapaciteit die niet overschreden mag worden</a:t>
+            </a:r>
+          </a:p>
+          <a:p>
+            <a:r>
+              <a:rPr lang="nl-NL" dirty="0"/>
+              <a:t>Verbind elk huis aan een batterij</a:t>
+            </a:r>
           </a:p>
         </p:txBody>
       </p:sp>
-      <p:pic>
-        <p:nvPicPr>
-          <p:cNvPr id="2" name="Picture 1">
+      <p:sp>
+        <p:nvSpPr>
+          <p:cNvPr id="17" name="Rectangle 16">
             <a:extLst>
               <a:ext uri="{FF2B5EF4-FFF2-40B4-BE49-F238E27FC236}">
-                <a16:creationId xmlns:a16="http://schemas.microsoft.com/office/drawing/2014/main" id="{E52C1875-3602-4634-B843-96319C621ACE}"/>
+                <a16:creationId xmlns:a16="http://schemas.microsoft.com/office/drawing/2014/main" id="{377CB93F-A0E2-4BBE-B2FC-E93932C7ECEE}"/>
+              </a:ext>
+              <a:ext uri="{C183D7F6-B498-43B3-948B-1728B52AA6E4}">
+                <adec:decorative xmlns:adec="http://schemas.microsoft.com/office/drawing/2017/decorative" val="1"/>
               </a:ext>
             </a:extLst>
           </p:cNvPr>
-          <p:cNvPicPr>
-            <a:picLocks noChangeAspect="1"/>
-          </p:cNvPicPr>
-          <p:nvPr/>
-        </p:nvPicPr>
-        <p:blipFill>
-          <a:blip r:embed="rId3"/>
-          <a:stretch>
-            <a:fillRect/>
-          </a:stretch>
-        </p:blipFill>
+          <p:cNvSpPr>
+            <a:spLocks noGrp="1" noRot="1" noChangeAspect="1" noMove="1" noResize="1" noEditPoints="1" noAdjustHandles="1" noChangeArrowheads="1" noChangeShapeType="1" noTextEdit="1"/>
+          </p:cNvSpPr>
+          <p:nvPr>
+            <p:extLst>
+              <p:ext uri="{386F3935-93C4-4BCD-93E2-E3B085C9AB24}">
+                <p16:designElem xmlns:p16="http://schemas.microsoft.com/office/powerpoint/2015/main" val="1"/>
+              </p:ext>
+            </p:extLst>
+          </p:nvPr>
+        </p:nvSpPr>
         <p:spPr>
           <a:xfrm>
-            <a:off x="477012" y="458470"/>
-            <a:ext cx="1828800" cy="885825"/>
+            <a:off x="11815864" y="758952"/>
+            <a:ext cx="384048" cy="5330952"/>
           </a:xfrm>
           <a:prstGeom prst="rect">
             <a:avLst/>
           </a:prstGeom>
+          <a:solidFill>
+            <a:srgbClr val="C8C8C8">
+              <a:alpha val="49804"/>
+            </a:srgbClr>
+          </a:solidFill>
+          <a:ln>
+            <a:noFill/>
+          </a:ln>
         </p:spPr>
-      </p:pic>
-      <p:sp>
-        <p:nvSpPr>
-          <p:cNvPr id="3" name="TextBox 2">
+        <p:style>
+          <a:lnRef idx="2">
+            <a:schemeClr val="accent1">
+              <a:shade val="50000"/>
+            </a:schemeClr>
+          </a:lnRef>
+          <a:fillRef idx="1">
+            <a:schemeClr val="accent1"/>
+          </a:fillRef>
+          <a:effectRef idx="0">
+            <a:schemeClr val="accent1"/>
+          </a:effectRef>
+          <a:fontRef idx="minor">
+            <a:schemeClr val="lt1"/>
+          </a:fontRef>
+        </p:style>
+      </p:sp>
+      <p:sp>
+        <p:nvSpPr>
+          <p:cNvPr id="4" name="Slide Number Placeholder 3">
             <a:extLst>
               <a:ext uri="{FF2B5EF4-FFF2-40B4-BE49-F238E27FC236}">
-                <a16:creationId xmlns:a16="http://schemas.microsoft.com/office/drawing/2014/main" id="{822FA894-4FBC-4FE9-AA17-E4E1FFDE8B5C}"/>
+                <a16:creationId xmlns:a16="http://schemas.microsoft.com/office/drawing/2014/main" id="{5758FD30-74DA-40CD-938E-6902FEE09C2F}"/>
               </a:ext>
             </a:extLst>
           </p:cNvPr>
-          <p:cNvSpPr txBox="1"/>
-          <p:nvPr/>
-        </p:nvSpPr>
-        <p:spPr>
-          <a:xfrm>
-            <a:off x="3755455" y="716716"/>
-            <a:ext cx="4681090" cy="369332"/>
-          </a:xfrm>
-          <a:prstGeom prst="rect">
-            <a:avLst/>
-          </a:prstGeom>
-          <a:noFill/>
-        </p:spPr>
+          <p:cNvSpPr>
+            <a:spLocks noGrp="1"/>
+          </p:cNvSpPr>
+          <p:nvPr>
+            <p:ph type="sldNum" sz="quarter" idx="12"/>
+          </p:nvPr>
+        </p:nvSpPr>
+        <p:spPr/>
         <p:txBody>
-          <a:bodyPr wrap="none" rtlCol="0">
-            <a:spAutoFit/>
-          </a:bodyPr>
+          <a:bodyPr/>
           <a:lstStyle/>
           <a:p>
-            <a:r>
-              <a:rPr lang="nl-NL" dirty="0"/>
-              <a:t>Ons beste resultaat van de </a:t>
-            </a:r>
-            <a:r>
-              <a:rPr lang="nl-NL" dirty="0" err="1"/>
-              <a:t>simulated</a:t>
-            </a:r>
-            <a:r>
-              <a:rPr lang="nl-NL" dirty="0"/>
-              <a:t> </a:t>
-            </a:r>
-            <a:r>
-              <a:rPr lang="nl-NL" dirty="0" err="1"/>
-              <a:t>annealing</a:t>
-            </a:r>
-            <a:endParaRPr lang="nl-NL" dirty="0"/>
+            <a:fld id="{0FBD8FBB-5194-4CDF-A1AC-FF2A7D4344FA}" type="slidenum">
+              <a:rPr lang="nl-NL" smtClean="0"/>
+              <a:t>2</a:t>
+            </a:fld>
+            <a:endParaRPr lang="nl-NL"/>
           </a:p>
         </p:txBody>
       </p:sp>
     </p:spTree>
     <p:extLst>
       <p:ext uri="{BB962C8B-B14F-4D97-AF65-F5344CB8AC3E}">
-        <p14:creationId xmlns:p14="http://schemas.microsoft.com/office/powerpoint/2010/main" val="2826361343"/>
+        <p14:creationId xmlns:p14="http://schemas.microsoft.com/office/powerpoint/2010/main" val="549373656"/>
       </p:ext>
     </p:extLst>
   </p:cSld>
@@ -8285,7 +10710,7 @@
 </p:sld>
 </file>
 
-<file path=ppt/slides/slide23.xml><?xml version="1.0" encoding="utf-8"?>
+<file path=ppt/slides/slide20.xml><?xml version="1.0" encoding="utf-8"?>
 <p:sld xmlns:a="http://schemas.openxmlformats.org/drawingml/2006/main" xmlns:r="http://schemas.openxmlformats.org/officeDocument/2006/relationships" xmlns:p="http://schemas.openxmlformats.org/presentationml/2006/main">
   <p:cSld>
     <p:spTree>
@@ -8503,7 +10928,7 @@
           <a:p>
             <a:fld id="{0FBD8FBB-5194-4CDF-A1AC-FF2A7D4344FA}" type="slidenum">
               <a:rPr lang="nl-NL" smtClean="0"/>
-              <a:t>23</a:t>
+              <a:t>20</a:t>
             </a:fld>
             <a:endParaRPr lang="nl-NL"/>
           </a:p>
@@ -8522,7 +10947,7 @@
 </p:sld>
 </file>
 
-<file path=ppt/slides/slide24.xml><?xml version="1.0" encoding="utf-8"?>
+<file path=ppt/slides/slide21.xml><?xml version="1.0" encoding="utf-8"?>
 <p:sld xmlns:a="http://schemas.openxmlformats.org/drawingml/2006/main" xmlns:r="http://schemas.openxmlformats.org/officeDocument/2006/relationships" xmlns:p="http://schemas.openxmlformats.org/presentationml/2006/main">
   <p:cSld>
     <p:bg>
@@ -8607,7 +11032,7 @@
           <a:p>
             <a:fld id="{0FBD8FBB-5194-4CDF-A1AC-FF2A7D4344FA}" type="slidenum">
               <a:rPr lang="nl-NL" smtClean="0"/>
-              <a:t>24</a:t>
+              <a:t>21</a:t>
             </a:fld>
             <a:endParaRPr lang="nl-NL"/>
           </a:p>
@@ -8626,7 +11051,7 @@
 </p:sld>
 </file>
 
-<file path=ppt/slides/slide25.xml><?xml version="1.0" encoding="utf-8"?>
+<file path=ppt/slides/slide22.xml><?xml version="1.0" encoding="utf-8"?>
 <p:sld xmlns:a="http://schemas.openxmlformats.org/drawingml/2006/main" xmlns:r="http://schemas.openxmlformats.org/officeDocument/2006/relationships" xmlns:p="http://schemas.openxmlformats.org/presentationml/2006/main">
   <p:cSld>
     <p:spTree>
@@ -8748,7 +11173,7 @@
           <a:p>
             <a:fld id="{0FBD8FBB-5194-4CDF-A1AC-FF2A7D4344FA}" type="slidenum">
               <a:rPr lang="nl-NL" smtClean="0"/>
-              <a:t>25</a:t>
+              <a:t>22</a:t>
             </a:fld>
             <a:endParaRPr lang="nl-NL"/>
           </a:p>
@@ -9017,7 +11442,7 @@
 </p:sld>
 </file>
 
-<file path=ppt/slides/slide26.xml><?xml version="1.0" encoding="utf-8"?>
+<file path=ppt/slides/slide23.xml><?xml version="1.0" encoding="utf-8"?>
 <p:sld xmlns:a="http://schemas.openxmlformats.org/drawingml/2006/main" xmlns:r="http://schemas.openxmlformats.org/officeDocument/2006/relationships" xmlns:p="http://schemas.openxmlformats.org/presentationml/2006/main">
   <p:cSld>
     <p:bg>
@@ -9255,7 +11680,7 @@
                   <a:spcPts val="600"/>
                 </a:spcAft>
               </a:pPr>
-              <a:t>26</a:t>
+              <a:t>23</a:t>
             </a:fld>
             <a:endParaRPr lang="en-US">
               <a:solidFill>
@@ -9278,7 +11703,7 @@
 </p:sld>
 </file>
 
-<file path=ppt/slides/slide27.xml><?xml version="1.0" encoding="utf-8"?>
+<file path=ppt/slides/slide24.xml><?xml version="1.0" encoding="utf-8"?>
 <p:sld xmlns:a="http://schemas.openxmlformats.org/drawingml/2006/main" xmlns:r="http://schemas.openxmlformats.org/officeDocument/2006/relationships" xmlns:p="http://schemas.openxmlformats.org/presentationml/2006/main">
   <p:cSld>
     <p:spTree>
@@ -9421,7 +11846,7 @@
           <a:p>
             <a:fld id="{0FBD8FBB-5194-4CDF-A1AC-FF2A7D4344FA}" type="slidenum">
               <a:rPr lang="nl-NL" smtClean="0"/>
-              <a:t>27</a:t>
+              <a:t>24</a:t>
             </a:fld>
             <a:endParaRPr lang="nl-NL"/>
           </a:p>
@@ -9440,7 +11865,7 @@
 </p:sld>
 </file>
 
-<file path=ppt/slides/slide28.xml><?xml version="1.0" encoding="utf-8"?>
+<file path=ppt/slides/slide25.xml><?xml version="1.0" encoding="utf-8"?>
 <p:sld xmlns:a="http://schemas.openxmlformats.org/drawingml/2006/main" xmlns:r="http://schemas.openxmlformats.org/officeDocument/2006/relationships" xmlns:p="http://schemas.openxmlformats.org/presentationml/2006/main">
   <p:cSld>
     <p:bg>
@@ -9467,7 +11892,272 @@
       </p:grpSpPr>
       <p:sp>
         <p:nvSpPr>
-          <p:cNvPr id="27" name="Rectangle 26">
+          <p:cNvPr id="15" name="Rectangle 10">
+            <a:extLst>
+              <a:ext uri="{FF2B5EF4-FFF2-40B4-BE49-F238E27FC236}">
+                <a16:creationId xmlns:a16="http://schemas.microsoft.com/office/drawing/2014/main" id="{F754C990-9493-43C5-A08F-2B9A55F7DF0A}"/>
+              </a:ext>
+              <a:ext uri="{C183D7F6-B498-43B3-948B-1728B52AA6E4}">
+                <adec:decorative xmlns:adec="http://schemas.microsoft.com/office/drawing/2017/decorative" val="1"/>
+              </a:ext>
+            </a:extLst>
+          </p:cNvPr>
+          <p:cNvSpPr>
+            <a:spLocks noGrp="1" noRot="1" noChangeAspect="1" noMove="1" noResize="1" noEditPoints="1" noAdjustHandles="1" noChangeArrowheads="1" noChangeShapeType="1" noTextEdit="1"/>
+          </p:cNvSpPr>
+          <p:nvPr>
+            <p:extLst>
+              <p:ext uri="{386F3935-93C4-4BCD-93E2-E3B085C9AB24}">
+                <p16:designElem xmlns:p16="http://schemas.microsoft.com/office/powerpoint/2015/main" val="1"/>
+              </p:ext>
+            </p:extLst>
+          </p:nvPr>
+        </p:nvSpPr>
+        <p:spPr>
+          <a:xfrm>
+            <a:off x="0" y="0"/>
+            <a:ext cx="12192000" cy="6858000"/>
+          </a:xfrm>
+          <a:prstGeom prst="rect">
+            <a:avLst/>
+          </a:prstGeom>
+          <a:solidFill>
+            <a:schemeClr val="bg2"/>
+          </a:solidFill>
+          <a:ln>
+            <a:noFill/>
+          </a:ln>
+        </p:spPr>
+        <p:style>
+          <a:lnRef idx="2">
+            <a:schemeClr val="accent1">
+              <a:shade val="50000"/>
+            </a:schemeClr>
+          </a:lnRef>
+          <a:fillRef idx="1">
+            <a:schemeClr val="accent1"/>
+          </a:fillRef>
+          <a:effectRef idx="0">
+            <a:schemeClr val="accent1"/>
+          </a:effectRef>
+          <a:fontRef idx="minor">
+            <a:schemeClr val="lt1"/>
+          </a:fontRef>
+        </p:style>
+        <p:txBody>
+          <a:bodyPr rtlCol="0" anchor="ctr"/>
+          <a:lstStyle/>
+          <a:p>
+            <a:pPr algn="ctr"/>
+            <a:endParaRPr lang="en-US"/>
+          </a:p>
+        </p:txBody>
+      </p:sp>
+      <p:sp>
+        <p:nvSpPr>
+          <p:cNvPr id="16" name="Rectangle 12">
+            <a:extLst>
+              <a:ext uri="{FF2B5EF4-FFF2-40B4-BE49-F238E27FC236}">
+                <a16:creationId xmlns:a16="http://schemas.microsoft.com/office/drawing/2014/main" id="{B176A2F0-4868-448D-8624-668A960A0E45}"/>
+              </a:ext>
+              <a:ext uri="{C183D7F6-B498-43B3-948B-1728B52AA6E4}">
+                <adec:decorative xmlns:adec="http://schemas.microsoft.com/office/drawing/2017/decorative" val="1"/>
+              </a:ext>
+            </a:extLst>
+          </p:cNvPr>
+          <p:cNvSpPr>
+            <a:spLocks noGrp="1" noRot="1" noChangeAspect="1" noMove="1" noResize="1" noEditPoints="1" noAdjustHandles="1" noChangeArrowheads="1" noChangeShapeType="1" noTextEdit="1"/>
+          </p:cNvSpPr>
+          <p:nvPr>
+            <p:extLst>
+              <p:ext uri="{386F3935-93C4-4BCD-93E2-E3B085C9AB24}">
+                <p16:designElem xmlns:p16="http://schemas.microsoft.com/office/powerpoint/2015/main" val="1"/>
+              </p:ext>
+            </p:extLst>
+          </p:nvPr>
+        </p:nvSpPr>
+        <p:spPr>
+          <a:xfrm>
+            <a:off x="477012" y="480060"/>
+            <a:ext cx="11237976" cy="5897880"/>
+          </a:xfrm>
+          <a:prstGeom prst="rect">
+            <a:avLst/>
+          </a:prstGeom>
+          <a:solidFill>
+            <a:schemeClr val="bg1"/>
+          </a:solidFill>
+          <a:ln w="31750" cap="sq">
+            <a:solidFill>
+              <a:srgbClr val="FF7046"/>
+            </a:solidFill>
+            <a:miter lim="800000"/>
+          </a:ln>
+        </p:spPr>
+        <p:style>
+          <a:lnRef idx="2">
+            <a:schemeClr val="accent1">
+              <a:shade val="50000"/>
+            </a:schemeClr>
+          </a:lnRef>
+          <a:fillRef idx="1">
+            <a:schemeClr val="accent1"/>
+          </a:fillRef>
+          <a:effectRef idx="0">
+            <a:schemeClr val="accent1"/>
+          </a:effectRef>
+          <a:fontRef idx="minor">
+            <a:schemeClr val="lt1"/>
+          </a:fontRef>
+        </p:style>
+        <p:txBody>
+          <a:bodyPr rtlCol="0" anchor="ctr"/>
+          <a:lstStyle/>
+          <a:p>
+            <a:pPr algn="ctr"/>
+            <a:endParaRPr lang="en-US"/>
+          </a:p>
+        </p:txBody>
+      </p:sp>
+      <p:pic>
+        <p:nvPicPr>
+          <p:cNvPr id="6" name="Content Placeholder 5" descr="A picture containing sky, indoor, table, computer&#10;&#10;Description automatically generated">
+            <a:extLst>
+              <a:ext uri="{FF2B5EF4-FFF2-40B4-BE49-F238E27FC236}">
+                <a16:creationId xmlns:a16="http://schemas.microsoft.com/office/drawing/2014/main" id="{FC706522-0065-4355-A223-AFC87F09348B}"/>
+              </a:ext>
+            </a:extLst>
+          </p:cNvPr>
+          <p:cNvPicPr>
+            <a:picLocks noGrp="1" noChangeAspect="1"/>
+          </p:cNvPicPr>
+          <p:nvPr>
+            <p:ph idx="1"/>
+          </p:nvPr>
+        </p:nvPicPr>
+        <p:blipFill>
+          <a:blip r:embed="rId2">
+            <a:extLst>
+              <a:ext uri="{28A0092B-C50C-407E-A947-70E740481C1C}">
+                <a14:useLocalDpi xmlns:a14="http://schemas.microsoft.com/office/drawing/2010/main" val="0"/>
+              </a:ext>
+            </a:extLst>
+          </a:blip>
+          <a:stretch>
+            <a:fillRect/>
+          </a:stretch>
+        </p:blipFill>
+        <p:spPr>
+          <a:xfrm>
+            <a:off x="801539" y="847949"/>
+            <a:ext cx="10588922" cy="5162101"/>
+          </a:xfrm>
+          <a:prstGeom prst="rect">
+            <a:avLst/>
+          </a:prstGeom>
+        </p:spPr>
+      </p:pic>
+      <p:sp>
+        <p:nvSpPr>
+          <p:cNvPr id="4" name="Slide Number Placeholder 3">
+            <a:extLst>
+              <a:ext uri="{FF2B5EF4-FFF2-40B4-BE49-F238E27FC236}">
+                <a16:creationId xmlns:a16="http://schemas.microsoft.com/office/drawing/2014/main" id="{7D9F1682-73B7-4402-9DE6-A4D423881A07}"/>
+              </a:ext>
+            </a:extLst>
+          </p:cNvPr>
+          <p:cNvSpPr>
+            <a:spLocks noGrp="1"/>
+          </p:cNvSpPr>
+          <p:nvPr>
+            <p:ph type="sldNum" sz="quarter" idx="12"/>
+          </p:nvPr>
+        </p:nvSpPr>
+        <p:spPr>
+          <a:xfrm>
+            <a:off x="10634135" y="6356350"/>
+            <a:ext cx="1530927" cy="365125"/>
+          </a:xfrm>
+        </p:spPr>
+        <p:txBody>
+          <a:bodyPr vert="horz" lIns="91440" tIns="45720" rIns="91440" bIns="45720" rtlCol="0" anchor="ctr">
+            <a:normAutofit/>
+          </a:bodyPr>
+          <a:lstStyle/>
+          <a:p>
+            <a:pPr>
+              <a:spcAft>
+                <a:spcPts val="600"/>
+              </a:spcAft>
+            </a:pPr>
+            <a:fld id="{0FBD8FBB-5194-4CDF-A1AC-FF2A7D4344FA}" type="slidenum">
+              <a:rPr lang="en-US">
+                <a:solidFill>
+                  <a:schemeClr val="tx1">
+                    <a:lumMod val="65000"/>
+                    <a:lumOff val="35000"/>
+                  </a:schemeClr>
+                </a:solidFill>
+              </a:rPr>
+              <a:pPr>
+                <a:spcAft>
+                  <a:spcPts val="600"/>
+                </a:spcAft>
+              </a:pPr>
+              <a:t>25</a:t>
+            </a:fld>
+            <a:endParaRPr lang="en-US">
+              <a:solidFill>
+                <a:schemeClr val="tx1">
+                  <a:lumMod val="65000"/>
+                  <a:lumOff val="35000"/>
+                </a:schemeClr>
+              </a:solidFill>
+            </a:endParaRPr>
+          </a:p>
+        </p:txBody>
+      </p:sp>
+    </p:spTree>
+    <p:extLst>
+      <p:ext uri="{BB962C8B-B14F-4D97-AF65-F5344CB8AC3E}">
+        <p14:creationId xmlns:p14="http://schemas.microsoft.com/office/powerpoint/2010/main" val="176846529"/>
+      </p:ext>
+    </p:extLst>
+  </p:cSld>
+  <p:clrMapOvr>
+    <a:masterClrMapping/>
+  </p:clrMapOvr>
+</p:sld>
+</file>
+
+<file path=ppt/slides/slide26.xml><?xml version="1.0" encoding="utf-8"?>
+<p:sld xmlns:a="http://schemas.openxmlformats.org/drawingml/2006/main" xmlns:r="http://schemas.openxmlformats.org/officeDocument/2006/relationships" xmlns:p="http://schemas.openxmlformats.org/presentationml/2006/main">
+  <p:cSld>
+    <p:bg>
+      <p:bgPr>
+        <a:solidFill>
+          <a:schemeClr val="bg1"/>
+        </a:solidFill>
+        <a:effectLst/>
+      </p:bgPr>
+    </p:bg>
+    <p:spTree>
+      <p:nvGrpSpPr>
+        <p:cNvPr id="1" name=""/>
+        <p:cNvGrpSpPr/>
+        <p:nvPr/>
+      </p:nvGrpSpPr>
+      <p:grpSpPr>
+        <a:xfrm>
+          <a:off x="0" y="0"/>
+          <a:ext cx="0" cy="0"/>
+          <a:chOff x="0" y="0"/>
+          <a:chExt cx="0" cy="0"/>
+        </a:xfrm>
+      </p:grpSpPr>
+      <p:sp>
+        <p:nvSpPr>
+          <p:cNvPr id="40" name="Rectangle 39">
             <a:extLst>
               <a:ext uri="{FF2B5EF4-FFF2-40B4-BE49-F238E27FC236}">
                 <a16:creationId xmlns:a16="http://schemas.microsoft.com/office/drawing/2014/main" id="{C162DF2A-64D1-4AA9-BA42-8A4063EADE09}"/>
@@ -9522,7 +12212,7 @@
       </p:sp>
       <p:sp>
         <p:nvSpPr>
-          <p:cNvPr id="29" name="Rectangle 28">
+          <p:cNvPr id="42" name="Rectangle 41">
             <a:extLst>
               <a:ext uri="{FF2B5EF4-FFF2-40B4-BE49-F238E27FC236}">
                 <a16:creationId xmlns:a16="http://schemas.microsoft.com/office/drawing/2014/main" id="{5D7C1373-63AF-4A75-909E-990E05356670}"/>
@@ -9579,10 +12269,10 @@
       </p:sp>
       <p:sp useBgFill="1">
         <p:nvSpPr>
-          <p:cNvPr id="31" name="Rectangle 30">
+          <p:cNvPr id="44" name="Rectangle 43">
             <a:extLst>
               <a:ext uri="{FF2B5EF4-FFF2-40B4-BE49-F238E27FC236}">
-                <a16:creationId xmlns:a16="http://schemas.microsoft.com/office/drawing/2014/main" id="{2F4AD318-2FB6-4C6E-931E-58E404FA18CD}"/>
+                <a16:creationId xmlns:a16="http://schemas.microsoft.com/office/drawing/2014/main" id="{90EB472E-7CA6-4C2D-81E9-CD39A44F0B83}"/>
               </a:ext>
               <a:ext uri="{C183D7F6-B498-43B3-948B-1728B52AA6E4}">
                 <adec:decorative xmlns:adec="http://schemas.microsoft.com/office/drawing/2017/decorative" val="1"/>
@@ -9639,10 +12329,10 @@
       </p:sp>
       <p:sp>
         <p:nvSpPr>
-          <p:cNvPr id="33" name="Freeform: Shape 32">
+          <p:cNvPr id="46" name="Rectangle 45">
             <a:extLst>
               <a:ext uri="{FF2B5EF4-FFF2-40B4-BE49-F238E27FC236}">
-                <a16:creationId xmlns:a16="http://schemas.microsoft.com/office/drawing/2014/main" id="{6E187274-5DC2-4BE0-AF99-925D6D973550}"/>
+                <a16:creationId xmlns:a16="http://schemas.microsoft.com/office/drawing/2014/main" id="{4689BC21-5566-4B70-91EA-44B4299CB337}"/>
               </a:ext>
               <a:ext uri="{C183D7F6-B498-43B3-948B-1728B52AA6E4}">
                 <adec:decorative xmlns:adec="http://schemas.microsoft.com/office/drawing/2017/decorative" val="1"/>
@@ -9662,55 +12352,12 @@
         </p:nvSpPr>
         <p:spPr>
           <a:xfrm>
-            <a:off x="7987094" y="761999"/>
-            <a:ext cx="4208489" cy="5334001"/>
+            <a:off x="3411870" y="761999"/>
+            <a:ext cx="8790301" cy="3810001"/>
           </a:xfrm>
-          <a:custGeom>
+          <a:prstGeom prst="rect">
             <a:avLst/>
-            <a:gdLst>
-              <a:gd name="connsiteX0" fmla="*/ 1015642 w 4208489"/>
-              <a:gd name="connsiteY0" fmla="*/ 0 h 5334001"/>
-              <a:gd name="connsiteX1" fmla="*/ 4208489 w 4208489"/>
-              <a:gd name="connsiteY1" fmla="*/ 0 h 5334001"/>
-              <a:gd name="connsiteX2" fmla="*/ 4208489 w 4208489"/>
-              <a:gd name="connsiteY2" fmla="*/ 5334001 h 5334001"/>
-              <a:gd name="connsiteX3" fmla="*/ 0 w 4208489"/>
-              <a:gd name="connsiteY3" fmla="*/ 5334001 h 5334001"/>
-            </a:gdLst>
-            <a:ahLst/>
-            <a:cxnLst>
-              <a:cxn ang="0">
-                <a:pos x="connsiteX0" y="connsiteY0"/>
-              </a:cxn>
-              <a:cxn ang="0">
-                <a:pos x="connsiteX1" y="connsiteY1"/>
-              </a:cxn>
-              <a:cxn ang="0">
-                <a:pos x="connsiteX2" y="connsiteY2"/>
-              </a:cxn>
-              <a:cxn ang="0">
-                <a:pos x="connsiteX3" y="connsiteY3"/>
-              </a:cxn>
-            </a:cxnLst>
-            <a:rect l="l" t="t" r="r" b="b"/>
-            <a:pathLst>
-              <a:path w="4208489" h="5334001">
-                <a:moveTo>
-                  <a:pt x="1015642" y="0"/>
-                </a:moveTo>
-                <a:lnTo>
-                  <a:pt x="4208489" y="0"/>
-                </a:lnTo>
-                <a:lnTo>
-                  <a:pt x="4208489" y="5334001"/>
-                </a:lnTo>
-                <a:lnTo>
-                  <a:pt x="0" y="5334001"/>
-                </a:lnTo>
-                <a:close/>
-              </a:path>
-            </a:pathLst>
-          </a:custGeom>
+          </a:prstGeom>
           <a:solidFill>
             <a:schemeClr val="accent1"/>
           </a:solidFill>
@@ -9753,8 +12400,8 @@
         </p:nvSpPr>
         <p:spPr>
           <a:xfrm>
-            <a:off x="1069849" y="1298448"/>
-            <a:ext cx="7056444" cy="3255264"/>
+            <a:off x="3722622" y="1298448"/>
+            <a:ext cx="7187529" cy="2951819"/>
           </a:xfrm>
         </p:spPr>
         <p:txBody>
@@ -9763,24 +12410,23 @@
           </a:bodyPr>
           <a:lstStyle/>
           <a:p>
-            <a:pPr algn="r"/>
-            <a:r>
-              <a:rPr lang="nl-NL" sz="5900" spc="-100" dirty="0">
-                <a:solidFill>
-                  <a:schemeClr val="accent1"/>
-                </a:solidFill>
-              </a:rPr>
-              <a:t>Vragen / feedback?</a:t>
+            <a:r>
+              <a:rPr lang="en-US" sz="5400" spc="-100" dirty="0" err="1"/>
+              <a:t>Vragen</a:t>
+            </a:r>
+            <a:r>
+              <a:rPr lang="en-US" sz="5400" spc="-100" dirty="0"/>
+              <a:t> ?</a:t>
             </a:r>
           </a:p>
         </p:txBody>
       </p:sp>
       <p:sp>
         <p:nvSpPr>
-          <p:cNvPr id="35" name="Freeform: Shape 34">
+          <p:cNvPr id="48" name="Rectangle 47">
             <a:extLst>
               <a:ext uri="{FF2B5EF4-FFF2-40B4-BE49-F238E27FC236}">
-                <a16:creationId xmlns:a16="http://schemas.microsoft.com/office/drawing/2014/main" id="{1A118E35-1CBF-4863-8497-F4DF1A166D2D}"/>
+                <a16:creationId xmlns:a16="http://schemas.microsoft.com/office/drawing/2014/main" id="{7F1FCE6A-97BC-41EB-809A-50936E0F940B}"/>
               </a:ext>
               <a:ext uri="{C183D7F6-B498-43B3-948B-1728B52AA6E4}">
                 <adec:decorative xmlns:adec="http://schemas.microsoft.com/office/drawing/2017/decorative" val="1"/>
@@ -9800,49 +12446,14 @@
         </p:nvSpPr>
         <p:spPr>
           <a:xfrm>
-            <a:off x="-3582" y="752748"/>
-            <a:ext cx="1001483" cy="4744251"/>
+            <a:off x="3400889" y="4684418"/>
+            <a:ext cx="8801282" cy="1411582"/>
           </a:xfrm>
-          <a:custGeom>
+          <a:prstGeom prst="rect">
             <a:avLst/>
-            <a:gdLst>
-              <a:gd name="connsiteX0" fmla="*/ 0 w 1001483"/>
-              <a:gd name="connsiteY0" fmla="*/ 0 h 4744251"/>
-              <a:gd name="connsiteX1" fmla="*/ 1001483 w 1001483"/>
-              <a:gd name="connsiteY1" fmla="*/ 0 h 4744251"/>
-              <a:gd name="connsiteX2" fmla="*/ 0 w 1001483"/>
-              <a:gd name="connsiteY2" fmla="*/ 4744251 h 4744251"/>
-            </a:gdLst>
-            <a:ahLst/>
-            <a:cxnLst>
-              <a:cxn ang="0">
-                <a:pos x="connsiteX0" y="connsiteY0"/>
-              </a:cxn>
-              <a:cxn ang="0">
-                <a:pos x="connsiteX1" y="connsiteY1"/>
-              </a:cxn>
-              <a:cxn ang="0">
-                <a:pos x="connsiteX2" y="connsiteY2"/>
-              </a:cxn>
-            </a:cxnLst>
-            <a:rect l="l" t="t" r="r" b="b"/>
-            <a:pathLst>
-              <a:path w="1001483" h="4744251">
-                <a:moveTo>
-                  <a:pt x="0" y="0"/>
-                </a:moveTo>
-                <a:lnTo>
-                  <a:pt x="1001483" y="0"/>
-                </a:lnTo>
-                <a:lnTo>
-                  <a:pt x="0" y="4744251"/>
-                </a:lnTo>
-                <a:close/>
-              </a:path>
-            </a:pathLst>
-          </a:custGeom>
+          </a:prstGeom>
           <a:solidFill>
-            <a:schemeClr val="accent1"/>
+            <a:srgbClr val="595959"/>
           </a:solidFill>
           <a:ln>
             <a:noFill/>
@@ -9867,6 +12478,71 @@
       </p:sp>
       <p:sp>
         <p:nvSpPr>
+          <p:cNvPr id="50" name="Rectangle 49">
+            <a:extLst>
+              <a:ext uri="{FF2B5EF4-FFF2-40B4-BE49-F238E27FC236}">
+                <a16:creationId xmlns:a16="http://schemas.microsoft.com/office/drawing/2014/main" id="{AE0A0486-F672-4FEF-A0A9-E6C3B7E3A545}"/>
+              </a:ext>
+              <a:ext uri="{C183D7F6-B498-43B3-948B-1728B52AA6E4}">
+                <adec:decorative xmlns:adec="http://schemas.microsoft.com/office/drawing/2017/decorative" val="1"/>
+              </a:ext>
+            </a:extLst>
+          </p:cNvPr>
+          <p:cNvSpPr>
+            <a:spLocks noGrp="1" noRot="1" noChangeAspect="1" noMove="1" noResize="1" noEditPoints="1" noAdjustHandles="1" noChangeArrowheads="1" noChangeShapeType="1" noTextEdit="1"/>
+          </p:cNvSpPr>
+          <p:nvPr>
+            <p:extLst>
+              <p:ext uri="{386F3935-93C4-4BCD-93E2-E3B085C9AB24}">
+                <p16:designElem xmlns:p16="http://schemas.microsoft.com/office/powerpoint/2015/main" val="1"/>
+              </p:ext>
+            </p:extLst>
+          </p:nvPr>
+        </p:nvSpPr>
+        <p:spPr>
+          <a:xfrm>
+            <a:off x="0" y="761999"/>
+            <a:ext cx="3289875" cy="5334001"/>
+          </a:xfrm>
+          <a:prstGeom prst="rect">
+            <a:avLst/>
+          </a:prstGeom>
+          <a:solidFill>
+            <a:srgbClr val="C8C8C8">
+              <a:alpha val="50000"/>
+            </a:srgbClr>
+          </a:solidFill>
+          <a:ln>
+            <a:noFill/>
+          </a:ln>
+        </p:spPr>
+        <p:style>
+          <a:lnRef idx="2">
+            <a:schemeClr val="accent1">
+              <a:shade val="50000"/>
+            </a:schemeClr>
+          </a:lnRef>
+          <a:fillRef idx="1">
+            <a:schemeClr val="accent1"/>
+          </a:fillRef>
+          <a:effectRef idx="0">
+            <a:schemeClr val="accent1"/>
+          </a:effectRef>
+          <a:fontRef idx="minor">
+            <a:schemeClr val="lt1"/>
+          </a:fontRef>
+        </p:style>
+        <p:txBody>
+          <a:bodyPr rtlCol="0" anchor="ctr"/>
+          <a:lstStyle/>
+          <a:p>
+            <a:pPr algn="ctr"/>
+            <a:endParaRPr lang="en-US"/>
+          </a:p>
+        </p:txBody>
+      </p:sp>
+      <p:sp>
+        <p:nvSpPr>
           <p:cNvPr id="3" name="Slide Number Placeholder 2">
             <a:extLst>
               <a:ext uri="{FF2B5EF4-FFF2-40B4-BE49-F238E27FC236}">
@@ -9881,16 +12557,47 @@
             <p:ph type="sldNum" sz="quarter" idx="12"/>
           </p:nvPr>
         </p:nvSpPr>
-        <p:spPr/>
+        <p:spPr>
+          <a:xfrm>
+            <a:off x="10634135" y="6356350"/>
+            <a:ext cx="1530927" cy="365125"/>
+          </a:xfrm>
+        </p:spPr>
         <p:txBody>
-          <a:bodyPr/>
+          <a:bodyPr vert="horz" lIns="91440" tIns="45720" rIns="91440" bIns="45720" rtlCol="0" anchor="ctr">
+            <a:normAutofit/>
+          </a:bodyPr>
           <a:lstStyle/>
           <a:p>
+            <a:pPr>
+              <a:spcAft>
+                <a:spcPts val="600"/>
+              </a:spcAft>
+            </a:pPr>
             <a:fld id="{0FBD8FBB-5194-4CDF-A1AC-FF2A7D4344FA}" type="slidenum">
-              <a:rPr lang="nl-NL" smtClean="0"/>
-              <a:t>28</a:t>
+              <a:rPr lang="en-US" b="1" kern="1200" dirty="0">
+                <a:solidFill>
+                  <a:schemeClr val="accent1"/>
+                </a:solidFill>
+                <a:latin typeface="+mn-lt"/>
+                <a:ea typeface="+mn-ea"/>
+                <a:cs typeface="+mn-cs"/>
+              </a:rPr>
+              <a:pPr>
+                <a:spcAft>
+                  <a:spcPts val="600"/>
+                </a:spcAft>
+              </a:pPr>
+              <a:t>26</a:t>
             </a:fld>
-            <a:endParaRPr lang="nl-NL"/>
+            <a:endParaRPr lang="en-US" b="1" kern="1200" dirty="0">
+              <a:solidFill>
+                <a:schemeClr val="accent1"/>
+              </a:solidFill>
+              <a:latin typeface="+mn-lt"/>
+              <a:ea typeface="+mn-ea"/>
+              <a:cs typeface="+mn-cs"/>
+            </a:endParaRPr>
           </a:p>
         </p:txBody>
       </p:sp>
@@ -9929,7 +12636,7 @@
           <p:cNvPr id="2" name="Title 1">
             <a:extLst>
               <a:ext uri="{FF2B5EF4-FFF2-40B4-BE49-F238E27FC236}">
-                <a16:creationId xmlns:a16="http://schemas.microsoft.com/office/drawing/2014/main" id="{A0B9CF88-6E10-4BB3-B3F7-0E9B5ABA1B13}"/>
+                <a16:creationId xmlns:a16="http://schemas.microsoft.com/office/drawing/2014/main" id="{AC5FADA8-E050-49CD-8BF0-91F48E096AA4}"/>
               </a:ext>
             </a:extLst>
           </p:cNvPr>
@@ -9938,6 +12645,43 @@
           </p:cNvSpPr>
           <p:nvPr>
             <p:ph type="title"/>
+          </p:nvPr>
+        </p:nvSpPr>
+        <p:spPr/>
+        <p:txBody>
+          <a:bodyPr>
+            <a:normAutofit/>
+          </a:bodyPr>
+          <a:lstStyle/>
+          <a:p>
+            <a:r>
+              <a:rPr lang="nl-NL" sz="2400" dirty="0"/>
+              <a:t>Stap A:</a:t>
+            </a:r>
+            <a:br>
+              <a:rPr lang="nl-NL" sz="2400" dirty="0"/>
+            </a:br>
+            <a:r>
+              <a:rPr lang="nl-NL" sz="2400" dirty="0"/>
+              <a:t>Verbind alle huizen aan een batterij</a:t>
+            </a:r>
+          </a:p>
+        </p:txBody>
+      </p:sp>
+      <p:sp>
+        <p:nvSpPr>
+          <p:cNvPr id="3" name="Content Placeholder 2">
+            <a:extLst>
+              <a:ext uri="{FF2B5EF4-FFF2-40B4-BE49-F238E27FC236}">
+                <a16:creationId xmlns:a16="http://schemas.microsoft.com/office/drawing/2014/main" id="{EB383318-9344-4126-8093-D4C67FEFFB85}"/>
+              </a:ext>
+            </a:extLst>
+          </p:cNvPr>
+          <p:cNvSpPr>
+            <a:spLocks noGrp="1"/>
+          </p:cNvSpPr>
+          <p:nvPr>
+            <p:ph idx="1"/>
           </p:nvPr>
         </p:nvSpPr>
         <p:spPr/>
@@ -9946,71 +12690,64 @@
           <a:lstStyle/>
           <a:p>
             <a:r>
-              <a:rPr lang="nl-NL" u="sng" dirty="0" err="1"/>
-              <a:t>Objectives</a:t>
-            </a:r>
-            <a:endParaRPr lang="nl-NL" dirty="0"/>
+              <a:rPr lang="nl-NL" dirty="0" err="1"/>
+              <a:t>Objective</a:t>
+            </a:r>
+            <a:r>
+              <a:rPr lang="nl-NL" dirty="0"/>
+              <a:t>: Overschrijd de capaciteit niet</a:t>
+            </a:r>
+          </a:p>
+          <a:p>
+            <a:r>
+              <a:rPr lang="nl-NL" dirty="0"/>
+              <a:t>Elk huis mag maar aan één batterij</a:t>
+            </a:r>
           </a:p>
         </p:txBody>
       </p:sp>
-      <p:sp>
-        <p:nvSpPr>
-          <p:cNvPr id="3" name="Content Placeholder 2">
+      <p:pic>
+        <p:nvPicPr>
+          <p:cNvPr id="5" name="Picture 4" descr="A close up of a bottle&#10;&#10;Description automatically generated">
             <a:extLst>
               <a:ext uri="{FF2B5EF4-FFF2-40B4-BE49-F238E27FC236}">
-                <a16:creationId xmlns:a16="http://schemas.microsoft.com/office/drawing/2014/main" id="{542C97D2-B486-40DF-A17C-34AF44E86041}"/>
+                <a16:creationId xmlns:a16="http://schemas.microsoft.com/office/drawing/2014/main" id="{074C1313-C5FA-48D9-9BFD-2AB557C34B1D}"/>
               </a:ext>
             </a:extLst>
           </p:cNvPr>
-          <p:cNvSpPr>
-            <a:spLocks noGrp="1"/>
-          </p:cNvSpPr>
-          <p:nvPr>
-            <p:ph idx="1"/>
-          </p:nvPr>
-        </p:nvSpPr>
-        <p:spPr/>
-        <p:txBody>
-          <a:bodyPr/>
-          <a:lstStyle/>
-          <a:p>
-            <a:r>
-              <a:rPr lang="nl-NL" dirty="0"/>
-              <a:t>Stap A: Verbind de huizen, denk aan capaciteit</a:t>
-            </a:r>
-          </a:p>
-          <a:p>
-            <a:r>
-              <a:rPr lang="nl-NL" dirty="0"/>
-              <a:t>Stap B: Verminder de kosten van de kabels</a:t>
-            </a:r>
-          </a:p>
-          <a:p>
-            <a:r>
-              <a:rPr lang="nl-NL" dirty="0"/>
-              <a:t>Stap C: Verminder de kosten door de batterijen te verplaatsen</a:t>
-            </a:r>
-          </a:p>
-          <a:p>
-            <a:r>
-              <a:rPr lang="nl-NL" dirty="0"/>
-              <a:t>Stap D: Verminder kosten met nieuwe typen batterijen</a:t>
-            </a:r>
-          </a:p>
-          <a:p>
-            <a:r>
-              <a:rPr lang="nl-NL" dirty="0"/>
-              <a:t>Stap E:  Vermijd kabels onder huizen door</a:t>
-            </a:r>
-          </a:p>
-        </p:txBody>
-      </p:sp>
+          <p:cNvPicPr>
+            <a:picLocks noChangeAspect="1"/>
+          </p:cNvPicPr>
+          <p:nvPr/>
+        </p:nvPicPr>
+        <p:blipFill>
+          <a:blip r:embed="rId2">
+            <a:extLst>
+              <a:ext uri="{28A0092B-C50C-407E-A947-70E740481C1C}">
+                <a14:useLocalDpi xmlns:a14="http://schemas.microsoft.com/office/drawing/2010/main" val="0"/>
+              </a:ext>
+            </a:extLst>
+          </a:blip>
+          <a:stretch>
+            <a:fillRect/>
+          </a:stretch>
+        </p:blipFill>
+        <p:spPr>
+          <a:xfrm>
+            <a:off x="8820149" y="628649"/>
+            <a:ext cx="2276475" cy="2276475"/>
+          </a:xfrm>
+          <a:prstGeom prst="rect">
+            <a:avLst/>
+          </a:prstGeom>
+        </p:spPr>
+      </p:pic>
       <p:sp>
         <p:nvSpPr>
           <p:cNvPr id="4" name="Slide Number Placeholder 3">
             <a:extLst>
               <a:ext uri="{FF2B5EF4-FFF2-40B4-BE49-F238E27FC236}">
-                <a16:creationId xmlns:a16="http://schemas.microsoft.com/office/drawing/2014/main" id="{F68253D9-B212-4119-A17C-03C149ABBD1C}"/>
+                <a16:creationId xmlns:a16="http://schemas.microsoft.com/office/drawing/2014/main" id="{5B45CC2F-7155-400D-92BE-BDDE8445356E}"/>
               </a:ext>
             </a:extLst>
           </p:cNvPr>
@@ -10037,7 +12774,7 @@
     </p:spTree>
     <p:extLst>
       <p:ext uri="{BB962C8B-B14F-4D97-AF65-F5344CB8AC3E}">
-        <p14:creationId xmlns:p14="http://schemas.microsoft.com/office/powerpoint/2010/main" val="3144955338"/>
+        <p14:creationId xmlns:p14="http://schemas.microsoft.com/office/powerpoint/2010/main" val="3483654439"/>
       </p:ext>
     </p:extLst>
   </p:cSld>
@@ -10069,7 +12806,7 @@
           <p:cNvPr id="2" name="Title 1">
             <a:extLst>
               <a:ext uri="{FF2B5EF4-FFF2-40B4-BE49-F238E27FC236}">
-                <a16:creationId xmlns:a16="http://schemas.microsoft.com/office/drawing/2014/main" id="{AC5FADA8-E050-49CD-8BF0-91F48E096AA4}"/>
+                <a16:creationId xmlns:a16="http://schemas.microsoft.com/office/drawing/2014/main" id="{091BCE18-AE4C-44D6-BEEC-205784FF06C7}"/>
               </a:ext>
             </a:extLst>
           </p:cNvPr>
@@ -10089,14 +12826,14 @@
           <a:p>
             <a:r>
               <a:rPr lang="nl-NL" sz="2400" dirty="0"/>
-              <a:t>Stap A:</a:t>
+              <a:t>Stap B:</a:t>
             </a:r>
             <a:br>
               <a:rPr lang="nl-NL" sz="2400" dirty="0"/>
             </a:br>
             <a:r>
               <a:rPr lang="nl-NL" sz="2400" dirty="0"/>
-              <a:t>Verbind alle huizen aan een batterij</a:t>
+              <a:t>Optimaliseer de kosten</a:t>
             </a:r>
           </a:p>
         </p:txBody>
@@ -10106,7 +12843,7 @@
           <p:cNvPr id="3" name="Content Placeholder 2">
             <a:extLst>
               <a:ext uri="{FF2B5EF4-FFF2-40B4-BE49-F238E27FC236}">
-                <a16:creationId xmlns:a16="http://schemas.microsoft.com/office/drawing/2014/main" id="{EB383318-9344-4126-8093-D4C67FEFFB85}"/>
+                <a16:creationId xmlns:a16="http://schemas.microsoft.com/office/drawing/2014/main" id="{CE73CF64-2D44-46BE-958B-0A6A0E321B99}"/>
               </a:ext>
             </a:extLst>
           </p:cNvPr>
@@ -10128,23 +12865,88 @@
             </a:r>
             <a:r>
               <a:rPr lang="nl-NL" dirty="0"/>
-              <a:t>: Overschrijd de capaciteit niet</a:t>
+              <a:t>: Leg de kabels zo efficiënt mogelijk neer</a:t>
             </a:r>
           </a:p>
           <a:p>
             <a:r>
               <a:rPr lang="nl-NL" dirty="0"/>
-              <a:t>Elk huis mag maar aan één batterij</a:t>
-            </a:r>
+              <a:t>De capaciteit mag ook nu niet overschreden worden</a:t>
+            </a:r>
+          </a:p>
+          <a:p>
+            <a:r>
+              <a:rPr lang="nl-NL" dirty="0"/>
+              <a:t>De batterijen kosten 5000 per stuk</a:t>
+            </a:r>
+          </a:p>
+          <a:p>
+            <a:r>
+              <a:rPr lang="nl-NL" dirty="0"/>
+              <a:t>De kabels kosten 9 per </a:t>
+            </a:r>
+            <a:r>
+              <a:rPr lang="nl-NL" dirty="0" err="1"/>
+              <a:t>gridsegment</a:t>
+            </a:r>
+            <a:endParaRPr lang="nl-NL" dirty="0"/>
+          </a:p>
+          <a:p>
+            <a:pPr lvl="1"/>
+            <a:r>
+              <a:rPr lang="nl-NL" dirty="0"/>
+              <a:t>Lopen over </a:t>
+            </a:r>
+            <a:r>
+              <a:rPr lang="nl-NL" dirty="0" err="1"/>
+              <a:t>gridlijnen</a:t>
+            </a:r>
+            <a:r>
+              <a:rPr lang="nl-NL" dirty="0"/>
+              <a:t> volgens </a:t>
+            </a:r>
+            <a:r>
+              <a:rPr lang="nl-NL" dirty="0" err="1"/>
+              <a:t>manhattan</a:t>
+            </a:r>
+            <a:r>
+              <a:rPr lang="nl-NL" dirty="0"/>
+              <a:t> </a:t>
+            </a:r>
+            <a:r>
+              <a:rPr lang="nl-NL" dirty="0" err="1"/>
+              <a:t>distance</a:t>
+            </a:r>
+            <a:endParaRPr lang="nl-NL" dirty="0"/>
+          </a:p>
+          <a:p>
+            <a:pPr lvl="1"/>
+            <a:r>
+              <a:rPr lang="nl-NL" dirty="0"/>
+              <a:t>Mogen ook punten met een huis passeren</a:t>
+            </a:r>
+          </a:p>
+          <a:p>
+            <a:pPr lvl="1"/>
+            <a:r>
+              <a:rPr lang="nl-NL" dirty="0"/>
+              <a:t>Kabels kunnen niet samengevoegd worden</a:t>
+            </a:r>
+          </a:p>
+          <a:p>
+            <a:endParaRPr lang="nl-NL" dirty="0"/>
+          </a:p>
+          <a:p>
+            <a:endParaRPr lang="nl-NL" dirty="0"/>
           </a:p>
         </p:txBody>
       </p:sp>
       <p:pic>
         <p:nvPicPr>
-          <p:cNvPr id="5" name="Picture 4" descr="A close up of a bottle&#10;&#10;Description automatically generated">
+          <p:cNvPr id="7" name="Picture 6" descr="A picture containing sweet&#10;&#10;Description automatically generated">
             <a:extLst>
               <a:ext uri="{FF2B5EF4-FFF2-40B4-BE49-F238E27FC236}">
-                <a16:creationId xmlns:a16="http://schemas.microsoft.com/office/drawing/2014/main" id="{074C1313-C5FA-48D9-9BFD-2AB557C34B1D}"/>
+                <a16:creationId xmlns:a16="http://schemas.microsoft.com/office/drawing/2014/main" id="{30FBA32C-5DB4-4B3D-81FA-844AB985FEE8}"/>
               </a:ext>
             </a:extLst>
           </p:cNvPr>
@@ -10167,8 +12969,8 @@
         </p:blipFill>
         <p:spPr>
           <a:xfrm>
-            <a:off x="8820149" y="628649"/>
-            <a:ext cx="2276475" cy="2276475"/>
+            <a:off x="3448050" y="4387181"/>
+            <a:ext cx="8372475" cy="1606711"/>
           </a:xfrm>
           <a:prstGeom prst="rect">
             <a:avLst/>
@@ -10180,7 +12982,7 @@
           <p:cNvPr id="4" name="Slide Number Placeholder 3">
             <a:extLst>
               <a:ext uri="{FF2B5EF4-FFF2-40B4-BE49-F238E27FC236}">
-                <a16:creationId xmlns:a16="http://schemas.microsoft.com/office/drawing/2014/main" id="{5B45CC2F-7155-400D-92BE-BDDE8445356E}"/>
+                <a16:creationId xmlns:a16="http://schemas.microsoft.com/office/drawing/2014/main" id="{21FEFCA8-98D5-4CAF-AF90-F1CDDED010FA}"/>
               </a:ext>
             </a:extLst>
           </p:cNvPr>
@@ -10207,7 +13009,7 @@
     </p:spTree>
     <p:extLst>
       <p:ext uri="{BB962C8B-B14F-4D97-AF65-F5344CB8AC3E}">
-        <p14:creationId xmlns:p14="http://schemas.microsoft.com/office/powerpoint/2010/main" val="3483654439"/>
+        <p14:creationId xmlns:p14="http://schemas.microsoft.com/office/powerpoint/2010/main" val="2044134421"/>
       </p:ext>
     </p:extLst>
   </p:cSld>
@@ -10239,7 +13041,7 @@
           <p:cNvPr id="2" name="Title 1">
             <a:extLst>
               <a:ext uri="{FF2B5EF4-FFF2-40B4-BE49-F238E27FC236}">
-                <a16:creationId xmlns:a16="http://schemas.microsoft.com/office/drawing/2014/main" id="{091BCE18-AE4C-44D6-BEEC-205784FF06C7}"/>
+                <a16:creationId xmlns:a16="http://schemas.microsoft.com/office/drawing/2014/main" id="{DDB046FE-E51A-4E3C-84F0-2E92FDA9A84A}"/>
               </a:ext>
             </a:extLst>
           </p:cNvPr>
@@ -10259,14 +13061,14 @@
           <a:p>
             <a:r>
               <a:rPr lang="nl-NL" sz="2400" dirty="0"/>
-              <a:t>Stap B:</a:t>
+              <a:t>Stap C:</a:t>
             </a:r>
             <a:br>
               <a:rPr lang="nl-NL" sz="2400" dirty="0"/>
             </a:br>
             <a:r>
               <a:rPr lang="nl-NL" sz="2400" dirty="0"/>
-              <a:t>Optimaliseer de kosten</a:t>
+              <a:t>Verplaats de batterijen om de kosten verder te drukken</a:t>
             </a:r>
           </a:p>
         </p:txBody>
@@ -10276,7 +13078,7 @@
           <p:cNvPr id="3" name="Content Placeholder 2">
             <a:extLst>
               <a:ext uri="{FF2B5EF4-FFF2-40B4-BE49-F238E27FC236}">
-                <a16:creationId xmlns:a16="http://schemas.microsoft.com/office/drawing/2014/main" id="{CE73CF64-2D44-46BE-958B-0A6A0E321B99}"/>
+                <a16:creationId xmlns:a16="http://schemas.microsoft.com/office/drawing/2014/main" id="{D3EEF75A-CBA3-408D-9691-7FD57668B550}"/>
               </a:ext>
             </a:extLst>
           </p:cNvPr>
@@ -10293,129 +13095,18 @@
           <a:lstStyle/>
           <a:p>
             <a:r>
-              <a:rPr lang="nl-NL" dirty="0" err="1"/>
-              <a:t>Objective</a:t>
-            </a:r>
-            <a:r>
               <a:rPr lang="nl-NL" dirty="0"/>
-              <a:t>: Leg de kabels zo efficiënt mogelijk neer</a:t>
-            </a:r>
-          </a:p>
-          <a:p>
-            <a:r>
-              <a:rPr lang="nl-NL" dirty="0"/>
-              <a:t>De capaciteit mag ook nu niet overschreden worden</a:t>
-            </a:r>
-          </a:p>
-          <a:p>
-            <a:r>
-              <a:rPr lang="nl-NL" dirty="0"/>
-              <a:t>De batterijen kosten 5000 per stuk</a:t>
-            </a:r>
-          </a:p>
-          <a:p>
-            <a:r>
-              <a:rPr lang="nl-NL" dirty="0"/>
-              <a:t>De kabels kosten 9 per </a:t>
-            </a:r>
-            <a:r>
-              <a:rPr lang="nl-NL" dirty="0" err="1"/>
-              <a:t>gridsegment</a:t>
-            </a:r>
-            <a:endParaRPr lang="nl-NL" dirty="0"/>
-          </a:p>
-          <a:p>
-            <a:pPr lvl="1"/>
-            <a:r>
-              <a:rPr lang="nl-NL" dirty="0"/>
-              <a:t>Lopen over </a:t>
-            </a:r>
-            <a:r>
-              <a:rPr lang="nl-NL" dirty="0" err="1"/>
-              <a:t>gridlijnen</a:t>
-            </a:r>
-            <a:r>
-              <a:rPr lang="nl-NL" dirty="0"/>
-              <a:t> volgens </a:t>
-            </a:r>
-            <a:r>
-              <a:rPr lang="nl-NL" dirty="0" err="1"/>
-              <a:t>manhattan</a:t>
-            </a:r>
-            <a:r>
-              <a:rPr lang="nl-NL" dirty="0"/>
-              <a:t> </a:t>
-            </a:r>
-            <a:r>
-              <a:rPr lang="nl-NL" dirty="0" err="1"/>
-              <a:t>distance</a:t>
-            </a:r>
-            <a:endParaRPr lang="nl-NL" dirty="0"/>
-          </a:p>
-          <a:p>
-            <a:pPr lvl="1"/>
-            <a:r>
-              <a:rPr lang="nl-NL" dirty="0"/>
-              <a:t>Mogen ook punten met een huis passeren</a:t>
-            </a:r>
-          </a:p>
-          <a:p>
-            <a:pPr lvl="1"/>
-            <a:r>
-              <a:rPr lang="nl-NL" dirty="0"/>
-              <a:t>Kabels kunnen niet samengevoegd worden</a:t>
-            </a:r>
-          </a:p>
-          <a:p>
-            <a:endParaRPr lang="nl-NL" dirty="0"/>
-          </a:p>
-          <a:p>
-            <a:endParaRPr lang="nl-NL" dirty="0"/>
+              <a:t>De batterijen mogen verplaatst worden om de kosten nog verder te optimaliseren</a:t>
+            </a:r>
           </a:p>
         </p:txBody>
       </p:sp>
-      <p:pic>
-        <p:nvPicPr>
-          <p:cNvPr id="7" name="Picture 6" descr="A picture containing sweet&#10;&#10;Description automatically generated">
-            <a:extLst>
-              <a:ext uri="{FF2B5EF4-FFF2-40B4-BE49-F238E27FC236}">
-                <a16:creationId xmlns:a16="http://schemas.microsoft.com/office/drawing/2014/main" id="{30FBA32C-5DB4-4B3D-81FA-844AB985FEE8}"/>
-              </a:ext>
-            </a:extLst>
-          </p:cNvPr>
-          <p:cNvPicPr>
-            <a:picLocks noChangeAspect="1"/>
-          </p:cNvPicPr>
-          <p:nvPr/>
-        </p:nvPicPr>
-        <p:blipFill>
-          <a:blip r:embed="rId2">
-            <a:extLst>
-              <a:ext uri="{28A0092B-C50C-407E-A947-70E740481C1C}">
-                <a14:useLocalDpi xmlns:a14="http://schemas.microsoft.com/office/drawing/2010/main" val="0"/>
-              </a:ext>
-            </a:extLst>
-          </a:blip>
-          <a:stretch>
-            <a:fillRect/>
-          </a:stretch>
-        </p:blipFill>
-        <p:spPr>
-          <a:xfrm>
-            <a:off x="3448050" y="4387181"/>
-            <a:ext cx="8372475" cy="1606711"/>
-          </a:xfrm>
-          <a:prstGeom prst="rect">
-            <a:avLst/>
-          </a:prstGeom>
-        </p:spPr>
-      </p:pic>
       <p:sp>
         <p:nvSpPr>
           <p:cNvPr id="4" name="Slide Number Placeholder 3">
             <a:extLst>
               <a:ext uri="{FF2B5EF4-FFF2-40B4-BE49-F238E27FC236}">
-                <a16:creationId xmlns:a16="http://schemas.microsoft.com/office/drawing/2014/main" id="{21FEFCA8-98D5-4CAF-AF90-F1CDDED010FA}"/>
+                <a16:creationId xmlns:a16="http://schemas.microsoft.com/office/drawing/2014/main" id="{7D5A451D-B21E-4DAF-ACDA-AB4CA66E9714}"/>
               </a:ext>
             </a:extLst>
           </p:cNvPr>
@@ -10434,130 +13125,6 @@
             <a:fld id="{0FBD8FBB-5194-4CDF-A1AC-FF2A7D4344FA}" type="slidenum">
               <a:rPr lang="nl-NL" smtClean="0"/>
               <a:t>5</a:t>
-            </a:fld>
-            <a:endParaRPr lang="nl-NL"/>
-          </a:p>
-        </p:txBody>
-      </p:sp>
-    </p:spTree>
-    <p:extLst>
-      <p:ext uri="{BB962C8B-B14F-4D97-AF65-F5344CB8AC3E}">
-        <p14:creationId xmlns:p14="http://schemas.microsoft.com/office/powerpoint/2010/main" val="2044134421"/>
-      </p:ext>
-    </p:extLst>
-  </p:cSld>
-  <p:clrMapOvr>
-    <a:masterClrMapping/>
-  </p:clrMapOvr>
-</p:sld>
-</file>
-
-<file path=ppt/slides/slide6.xml><?xml version="1.0" encoding="utf-8"?>
-<p:sld xmlns:a="http://schemas.openxmlformats.org/drawingml/2006/main" xmlns:r="http://schemas.openxmlformats.org/officeDocument/2006/relationships" xmlns:p="http://schemas.openxmlformats.org/presentationml/2006/main">
-  <p:cSld>
-    <p:spTree>
-      <p:nvGrpSpPr>
-        <p:cNvPr id="1" name=""/>
-        <p:cNvGrpSpPr/>
-        <p:nvPr/>
-      </p:nvGrpSpPr>
-      <p:grpSpPr>
-        <a:xfrm>
-          <a:off x="0" y="0"/>
-          <a:ext cx="0" cy="0"/>
-          <a:chOff x="0" y="0"/>
-          <a:chExt cx="0" cy="0"/>
-        </a:xfrm>
-      </p:grpSpPr>
-      <p:sp>
-        <p:nvSpPr>
-          <p:cNvPr id="2" name="Title 1">
-            <a:extLst>
-              <a:ext uri="{FF2B5EF4-FFF2-40B4-BE49-F238E27FC236}">
-                <a16:creationId xmlns:a16="http://schemas.microsoft.com/office/drawing/2014/main" id="{DDB046FE-E51A-4E3C-84F0-2E92FDA9A84A}"/>
-              </a:ext>
-            </a:extLst>
-          </p:cNvPr>
-          <p:cNvSpPr>
-            <a:spLocks noGrp="1"/>
-          </p:cNvSpPr>
-          <p:nvPr>
-            <p:ph type="title"/>
-          </p:nvPr>
-        </p:nvSpPr>
-        <p:spPr/>
-        <p:txBody>
-          <a:bodyPr>
-            <a:normAutofit/>
-          </a:bodyPr>
-          <a:lstStyle/>
-          <a:p>
-            <a:r>
-              <a:rPr lang="nl-NL" sz="2400" dirty="0"/>
-              <a:t>Stap C:</a:t>
-            </a:r>
-            <a:br>
-              <a:rPr lang="nl-NL" sz="2400" dirty="0"/>
-            </a:br>
-            <a:r>
-              <a:rPr lang="nl-NL" sz="2400" dirty="0"/>
-              <a:t>Verplaats de batterijen om de kosten verder te drukken</a:t>
-            </a:r>
-          </a:p>
-        </p:txBody>
-      </p:sp>
-      <p:sp>
-        <p:nvSpPr>
-          <p:cNvPr id="3" name="Content Placeholder 2">
-            <a:extLst>
-              <a:ext uri="{FF2B5EF4-FFF2-40B4-BE49-F238E27FC236}">
-                <a16:creationId xmlns:a16="http://schemas.microsoft.com/office/drawing/2014/main" id="{D3EEF75A-CBA3-408D-9691-7FD57668B550}"/>
-              </a:ext>
-            </a:extLst>
-          </p:cNvPr>
-          <p:cNvSpPr>
-            <a:spLocks noGrp="1"/>
-          </p:cNvSpPr>
-          <p:nvPr>
-            <p:ph idx="1"/>
-          </p:nvPr>
-        </p:nvSpPr>
-        <p:spPr/>
-        <p:txBody>
-          <a:bodyPr/>
-          <a:lstStyle/>
-          <a:p>
-            <a:r>
-              <a:rPr lang="nl-NL" dirty="0"/>
-              <a:t>De batterijen mogen verplaatst worden om de kosten nog verder te optimaliseren</a:t>
-            </a:r>
-          </a:p>
-        </p:txBody>
-      </p:sp>
-      <p:sp>
-        <p:nvSpPr>
-          <p:cNvPr id="4" name="Slide Number Placeholder 3">
-            <a:extLst>
-              <a:ext uri="{FF2B5EF4-FFF2-40B4-BE49-F238E27FC236}">
-                <a16:creationId xmlns:a16="http://schemas.microsoft.com/office/drawing/2014/main" id="{7D5A451D-B21E-4DAF-ACDA-AB4CA66E9714}"/>
-              </a:ext>
-            </a:extLst>
-          </p:cNvPr>
-          <p:cNvSpPr>
-            <a:spLocks noGrp="1"/>
-          </p:cNvSpPr>
-          <p:nvPr>
-            <p:ph type="sldNum" sz="quarter" idx="12"/>
-          </p:nvPr>
-        </p:nvSpPr>
-        <p:spPr/>
-        <p:txBody>
-          <a:bodyPr/>
-          <a:lstStyle/>
-          <a:p>
-            <a:fld id="{0FBD8FBB-5194-4CDF-A1AC-FF2A7D4344FA}" type="slidenum">
-              <a:rPr lang="nl-NL" smtClean="0"/>
-              <a:t>6</a:t>
             </a:fld>
             <a:endParaRPr lang="nl-NL"/>
           </a:p>
@@ -10576,7 +13143,7 @@
 </p:sld>
 </file>
 
-<file path=ppt/slides/slide7.xml><?xml version="1.0" encoding="utf-8"?>
+<file path=ppt/slides/slide6.xml><?xml version="1.0" encoding="utf-8"?>
 <p:sld xmlns:a="http://schemas.openxmlformats.org/drawingml/2006/main" xmlns:r="http://schemas.openxmlformats.org/officeDocument/2006/relationships" xmlns:p="http://schemas.openxmlformats.org/presentationml/2006/main">
   <p:cSld>
     <p:spTree>
@@ -10958,7 +13525,7 @@
           <a:p>
             <a:fld id="{0FBD8FBB-5194-4CDF-A1AC-FF2A7D4344FA}" type="slidenum">
               <a:rPr lang="nl-NL" smtClean="0"/>
-              <a:t>7</a:t>
+              <a:t>6</a:t>
             </a:fld>
             <a:endParaRPr lang="nl-NL"/>
           </a:p>
@@ -10977,7 +13544,7 @@
 </p:sld>
 </file>
 
-<file path=ppt/slides/slide8.xml><?xml version="1.0" encoding="utf-8"?>
+<file path=ppt/slides/slide7.xml><?xml version="1.0" encoding="utf-8"?>
 <p:sld xmlns:a="http://schemas.openxmlformats.org/drawingml/2006/main" xmlns:r="http://schemas.openxmlformats.org/officeDocument/2006/relationships" xmlns:p="http://schemas.openxmlformats.org/presentationml/2006/main">
   <p:cSld>
     <p:bg>
@@ -11163,9 +13730,79 @@
           <a:p>
             <a:fld id="{0FBD8FBB-5194-4CDF-A1AC-FF2A7D4344FA}" type="slidenum">
               <a:rPr lang="nl-NL" smtClean="0"/>
-              <a:t>8</a:t>
+              <a:t>7</a:t>
             </a:fld>
             <a:endParaRPr lang="nl-NL"/>
+          </a:p>
+        </p:txBody>
+      </p:sp>
+      <p:sp>
+        <p:nvSpPr>
+          <p:cNvPr id="5" name="TextBox 4">
+            <a:extLst>
+              <a:ext uri="{FF2B5EF4-FFF2-40B4-BE49-F238E27FC236}">
+                <a16:creationId xmlns:a16="http://schemas.microsoft.com/office/drawing/2014/main" id="{908FEB46-C280-4CCC-B59C-59CE4CEB4085}"/>
+              </a:ext>
+            </a:extLst>
+          </p:cNvPr>
+          <p:cNvSpPr txBox="1"/>
+          <p:nvPr/>
+        </p:nvSpPr>
+        <p:spPr>
+          <a:xfrm>
+            <a:off x="7841781" y="312594"/>
+            <a:ext cx="640240" cy="369332"/>
+          </a:xfrm>
+          <a:prstGeom prst="rect">
+            <a:avLst/>
+          </a:prstGeom>
+          <a:noFill/>
+        </p:spPr>
+        <p:txBody>
+          <a:bodyPr wrap="none" rtlCol="0">
+            <a:spAutoFit/>
+          </a:bodyPr>
+          <a:lstStyle/>
+          <a:p>
+            <a:r>
+              <a:rPr lang="nl-NL" dirty="0"/>
+              <a:t>2403</a:t>
+            </a:r>
+          </a:p>
+        </p:txBody>
+      </p:sp>
+      <p:sp>
+        <p:nvSpPr>
+          <p:cNvPr id="8" name="TextBox 7">
+            <a:extLst>
+              <a:ext uri="{FF2B5EF4-FFF2-40B4-BE49-F238E27FC236}">
+                <a16:creationId xmlns:a16="http://schemas.microsoft.com/office/drawing/2014/main" id="{13EBF6E9-FAC1-4344-80CB-0D324DF7E649}"/>
+              </a:ext>
+            </a:extLst>
+          </p:cNvPr>
+          <p:cNvSpPr txBox="1"/>
+          <p:nvPr/>
+        </p:nvSpPr>
+        <p:spPr>
+          <a:xfrm>
+            <a:off x="7841781" y="6169580"/>
+            <a:ext cx="647934" cy="369332"/>
+          </a:xfrm>
+          <a:prstGeom prst="rect">
+            <a:avLst/>
+          </a:prstGeom>
+          <a:noFill/>
+        </p:spPr>
+        <p:txBody>
+          <a:bodyPr wrap="none" rtlCol="0">
+            <a:spAutoFit/>
+          </a:bodyPr>
+          <a:lstStyle/>
+          <a:p>
+            <a:r>
+              <a:rPr lang="nl-NL" dirty="0"/>
+              <a:t>2160</a:t>
+            </a:r>
           </a:p>
         </p:txBody>
       </p:sp>
@@ -11173,6 +13810,130 @@
     <p:extLst>
       <p:ext uri="{BB962C8B-B14F-4D97-AF65-F5344CB8AC3E}">
         <p14:creationId xmlns:p14="http://schemas.microsoft.com/office/powerpoint/2010/main" val="909765724"/>
+      </p:ext>
+    </p:extLst>
+  </p:cSld>
+  <p:clrMapOvr>
+    <a:masterClrMapping/>
+  </p:clrMapOvr>
+</p:sld>
+</file>
+
+<file path=ppt/slides/slide8.xml><?xml version="1.0" encoding="utf-8"?>
+<p:sld xmlns:a="http://schemas.openxmlformats.org/drawingml/2006/main" xmlns:r="http://schemas.openxmlformats.org/officeDocument/2006/relationships" xmlns:p="http://schemas.openxmlformats.org/presentationml/2006/main">
+  <p:cSld>
+    <p:spTree>
+      <p:nvGrpSpPr>
+        <p:cNvPr id="1" name=""/>
+        <p:cNvGrpSpPr/>
+        <p:nvPr/>
+      </p:nvGrpSpPr>
+      <p:grpSpPr>
+        <a:xfrm>
+          <a:off x="0" y="0"/>
+          <a:ext cx="0" cy="0"/>
+          <a:chOff x="0" y="0"/>
+          <a:chExt cx="0" cy="0"/>
+        </a:xfrm>
+      </p:grpSpPr>
+      <p:sp>
+        <p:nvSpPr>
+          <p:cNvPr id="2" name="Title 1">
+            <a:extLst>
+              <a:ext uri="{FF2B5EF4-FFF2-40B4-BE49-F238E27FC236}">
+                <a16:creationId xmlns:a16="http://schemas.microsoft.com/office/drawing/2014/main" id="{E5AF1DE7-D96A-4027-AFF7-120F66904637}"/>
+              </a:ext>
+            </a:extLst>
+          </p:cNvPr>
+          <p:cNvSpPr>
+            <a:spLocks noGrp="1"/>
+          </p:cNvSpPr>
+          <p:nvPr>
+            <p:ph type="title"/>
+          </p:nvPr>
+        </p:nvSpPr>
+        <p:spPr/>
+        <p:txBody>
+          <a:bodyPr>
+            <a:normAutofit/>
+          </a:bodyPr>
+          <a:lstStyle/>
+          <a:p>
+            <a:r>
+              <a:rPr lang="nl-NL" sz="2400" dirty="0"/>
+              <a:t>Stap E:</a:t>
+            </a:r>
+            <a:br>
+              <a:rPr lang="nl-NL" sz="2400" dirty="0"/>
+            </a:br>
+            <a:r>
+              <a:rPr lang="nl-NL" sz="2400" dirty="0"/>
+              <a:t>Vermijd kabels onder huizen door</a:t>
+            </a:r>
+          </a:p>
+        </p:txBody>
+      </p:sp>
+      <p:sp>
+        <p:nvSpPr>
+          <p:cNvPr id="3" name="Content Placeholder 2">
+            <a:extLst>
+              <a:ext uri="{FF2B5EF4-FFF2-40B4-BE49-F238E27FC236}">
+                <a16:creationId xmlns:a16="http://schemas.microsoft.com/office/drawing/2014/main" id="{C3A8DF12-D27C-42C5-ADC1-A0AD0513F2F9}"/>
+              </a:ext>
+            </a:extLst>
+          </p:cNvPr>
+          <p:cNvSpPr>
+            <a:spLocks noGrp="1"/>
+          </p:cNvSpPr>
+          <p:nvPr>
+            <p:ph idx="1"/>
+          </p:nvPr>
+        </p:nvSpPr>
+        <p:spPr/>
+        <p:txBody>
+          <a:bodyPr/>
+          <a:lstStyle/>
+          <a:p>
+            <a:r>
+              <a:rPr lang="nl-NL" dirty="0"/>
+              <a:t>Het kost nu 5000 om een kabel onder een huis door te leggen</a:t>
+            </a:r>
+          </a:p>
+        </p:txBody>
+      </p:sp>
+      <p:sp>
+        <p:nvSpPr>
+          <p:cNvPr id="4" name="Slide Number Placeholder 3">
+            <a:extLst>
+              <a:ext uri="{FF2B5EF4-FFF2-40B4-BE49-F238E27FC236}">
+                <a16:creationId xmlns:a16="http://schemas.microsoft.com/office/drawing/2014/main" id="{CFBD34D3-B483-424E-B54A-C9AC601028BD}"/>
+              </a:ext>
+            </a:extLst>
+          </p:cNvPr>
+          <p:cNvSpPr>
+            <a:spLocks noGrp="1"/>
+          </p:cNvSpPr>
+          <p:nvPr>
+            <p:ph type="sldNum" sz="quarter" idx="12"/>
+          </p:nvPr>
+        </p:nvSpPr>
+        <p:spPr/>
+        <p:txBody>
+          <a:bodyPr/>
+          <a:lstStyle/>
+          <a:p>
+            <a:fld id="{0FBD8FBB-5194-4CDF-A1AC-FF2A7D4344FA}" type="slidenum">
+              <a:rPr lang="nl-NL" smtClean="0"/>
+              <a:t>8</a:t>
+            </a:fld>
+            <a:endParaRPr lang="nl-NL"/>
+          </a:p>
+        </p:txBody>
+      </p:sp>
+    </p:spTree>
+    <p:extLst>
+      <p:ext uri="{BB962C8B-B14F-4D97-AF65-F5344CB8AC3E}">
+        <p14:creationId xmlns:p14="http://schemas.microsoft.com/office/powerpoint/2010/main" val="1489237602"/>
       </p:ext>
     </p:extLst>
   </p:cSld>
@@ -11204,7 +13965,7 @@
           <p:cNvPr id="2" name="Title 1">
             <a:extLst>
               <a:ext uri="{FF2B5EF4-FFF2-40B4-BE49-F238E27FC236}">
-                <a16:creationId xmlns:a16="http://schemas.microsoft.com/office/drawing/2014/main" id="{E5AF1DE7-D96A-4027-AFF7-120F66904637}"/>
+                <a16:creationId xmlns:a16="http://schemas.microsoft.com/office/drawing/2014/main" id="{FA4FB326-394B-4245-BCCE-BBDF6F5460CE}"/>
               </a:ext>
             </a:extLst>
           </p:cNvPr>
@@ -11213,43 +13974,6 @@
           </p:cNvSpPr>
           <p:nvPr>
             <p:ph type="title"/>
-          </p:nvPr>
-        </p:nvSpPr>
-        <p:spPr/>
-        <p:txBody>
-          <a:bodyPr>
-            <a:normAutofit/>
-          </a:bodyPr>
-          <a:lstStyle/>
-          <a:p>
-            <a:r>
-              <a:rPr lang="nl-NL" sz="2400" dirty="0"/>
-              <a:t>Stap E:</a:t>
-            </a:r>
-            <a:br>
-              <a:rPr lang="nl-NL" sz="2400" dirty="0"/>
-            </a:br>
-            <a:r>
-              <a:rPr lang="nl-NL" sz="2400" dirty="0"/>
-              <a:t>Vermijd kabels onder huizen door</a:t>
-            </a:r>
-          </a:p>
-        </p:txBody>
-      </p:sp>
-      <p:sp>
-        <p:nvSpPr>
-          <p:cNvPr id="3" name="Content Placeholder 2">
-            <a:extLst>
-              <a:ext uri="{FF2B5EF4-FFF2-40B4-BE49-F238E27FC236}">
-                <a16:creationId xmlns:a16="http://schemas.microsoft.com/office/drawing/2014/main" id="{C3A8DF12-D27C-42C5-ADC1-A0AD0513F2F9}"/>
-              </a:ext>
-            </a:extLst>
-          </p:cNvPr>
-          <p:cNvSpPr>
-            <a:spLocks noGrp="1"/>
-          </p:cNvSpPr>
-          <p:nvPr>
-            <p:ph idx="1"/>
           </p:nvPr>
         </p:nvSpPr>
         <p:spPr/>
@@ -11258,18 +13982,591 @@
           <a:lstStyle/>
           <a:p>
             <a:r>
-              <a:rPr lang="nl-NL" dirty="0"/>
-              <a:t>Het kost nu 5000 om een kabel onder een huis door te leggen</a:t>
-            </a:r>
+              <a:rPr lang="en-GB" dirty="0"/>
+              <a:t>Case exploration</a:t>
+            </a:r>
+            <a:endParaRPr lang="en-US" dirty="0"/>
           </a:p>
         </p:txBody>
       </p:sp>
-      <p:sp>
-        <p:nvSpPr>
-          <p:cNvPr id="4" name="Slide Number Placeholder 3">
+      <mc:AlternateContent xmlns:mc="http://schemas.openxmlformats.org/markup-compatibility/2006">
+        <mc:Choice xmlns:a14="http://schemas.microsoft.com/office/drawing/2010/main" Requires="a14">
+          <p:sp>
+            <p:nvSpPr>
+              <p:cNvPr id="3" name="Content Placeholder 2">
+                <a:extLst>
+                  <a:ext uri="{FF2B5EF4-FFF2-40B4-BE49-F238E27FC236}">
+                    <a16:creationId xmlns:a16="http://schemas.microsoft.com/office/drawing/2014/main" id="{4CF4F08C-CD41-4CB8-9667-08B5918D8509}"/>
+                  </a:ext>
+                </a:extLst>
+              </p:cNvPr>
+              <p:cNvSpPr>
+                <a:spLocks noGrp="1"/>
+              </p:cNvSpPr>
+              <p:nvPr>
+                <p:ph idx="1"/>
+              </p:nvPr>
+            </p:nvSpPr>
+            <p:spPr>
+              <a:xfrm>
+                <a:off x="3869268" y="864108"/>
+                <a:ext cx="7315200" cy="3296831"/>
+              </a:xfrm>
+            </p:spPr>
+            <p:txBody>
+              <a:bodyPr>
+                <a:normAutofit/>
+              </a:bodyPr>
+              <a:lstStyle/>
+              <a:p>
+                <a:r>
+                  <a:rPr lang="en-GB" dirty="0"/>
+                  <a:t>Complexiteitsfunctie: </a:t>
+                </a:r>
+                <a:r>
+                  <a:rPr lang="en-GB" dirty="0" err="1"/>
+                  <a:t>aantal</a:t>
+                </a:r>
+                <a:r>
+                  <a:rPr lang="en-GB" dirty="0"/>
+                  <a:t> </a:t>
+                </a:r>
+                <a:r>
+                  <a:rPr lang="en-GB" dirty="0" err="1"/>
+                  <a:t>mogelijke</a:t>
+                </a:r>
+                <a:r>
+                  <a:rPr lang="en-GB" dirty="0"/>
+                  <a:t> </a:t>
+                </a:r>
+                <a:r>
+                  <a:rPr lang="en-GB" dirty="0" err="1"/>
+                  <a:t>connecties</a:t>
+                </a:r>
+                <a:r>
+                  <a:rPr lang="en-GB" dirty="0"/>
+                  <a:t> </a:t>
+                </a:r>
+                <a:r>
+                  <a:rPr lang="en-GB" dirty="0" err="1"/>
+                  <a:t>tussen</a:t>
+                </a:r>
+                <a:r>
+                  <a:rPr lang="en-GB" dirty="0"/>
+                  <a:t> </a:t>
+                </a:r>
+                <a:r>
+                  <a:rPr lang="en-GB" dirty="0" err="1"/>
+                  <a:t>huizen</a:t>
+                </a:r>
+                <a:r>
+                  <a:rPr lang="en-GB" dirty="0"/>
+                  <a:t> </a:t>
+                </a:r>
+                <a:r>
+                  <a:rPr lang="en-GB" dirty="0" err="1"/>
+                  <a:t>en</a:t>
+                </a:r>
+                <a:r>
+                  <a:rPr lang="en-GB" dirty="0"/>
+                  <a:t> </a:t>
+                </a:r>
+                <a:r>
+                  <a:rPr lang="en-GB" dirty="0" err="1"/>
+                  <a:t>batterijen</a:t>
+                </a:r>
+                <a:endParaRPr lang="en-GB" dirty="0"/>
+              </a:p>
+              <a:p>
+                <a:pPr lvl="1"/>
+                <a:r>
+                  <a:rPr lang="en-GB" dirty="0"/>
+                  <a:t>Constraint relaxation: </a:t>
+                </a:r>
+                <a:r>
+                  <a:rPr lang="en-GB" dirty="0" err="1"/>
+                  <a:t>geen</a:t>
+                </a:r>
+                <a:r>
+                  <a:rPr lang="en-GB" dirty="0"/>
+                  <a:t> </a:t>
+                </a:r>
+                <a:r>
+                  <a:rPr lang="en-GB" dirty="0" err="1"/>
+                  <a:t>rekening</a:t>
+                </a:r>
+                <a:r>
+                  <a:rPr lang="en-GB" dirty="0"/>
+                  <a:t> </a:t>
+                </a:r>
+                <a:r>
+                  <a:rPr lang="en-GB" dirty="0" err="1"/>
+                  <a:t>houdend</a:t>
+                </a:r>
+                <a:r>
+                  <a:rPr lang="en-GB" dirty="0"/>
+                  <a:t> met de </a:t>
+                </a:r>
+                <a:r>
+                  <a:rPr lang="en-GB" dirty="0" err="1"/>
+                  <a:t>capaciteit</a:t>
+                </a:r>
+                <a:r>
+                  <a:rPr lang="en-GB" dirty="0"/>
+                  <a:t> van de </a:t>
+                </a:r>
+                <a:r>
+                  <a:rPr lang="en-GB" dirty="0" err="1"/>
+                  <a:t>batterijen</a:t>
+                </a:r>
+                <a:endParaRPr lang="en-GB" dirty="0"/>
+              </a:p>
+              <a:p>
+                <a:pPr lvl="1"/>
+                <a:r>
+                  <a:rPr lang="en-GB" dirty="0"/>
+                  <a:t>C</a:t>
+                </a:r>
+                <a14:m>
+                  <m:oMath xmlns:m="http://schemas.openxmlformats.org/officeDocument/2006/math">
+                    <m:r>
+                      <a:rPr lang="en-GB" b="0" i="0" smtClean="0">
+                        <a:latin typeface="Cambria Math" panose="02040503050406030204" pitchFamily="18" charset="0"/>
+                      </a:rPr>
+                      <m:t> </m:t>
+                    </m:r>
+                    <m:r>
+                      <a:rPr lang="en-GB" i="1" smtClean="0">
+                        <a:latin typeface="Cambria Math" panose="02040503050406030204" pitchFamily="18" charset="0"/>
+                      </a:rPr>
+                      <m:t>=</m:t>
+                    </m:r>
+                    <m:sSup>
+                      <m:sSupPr>
+                        <m:ctrlPr>
+                          <a:rPr lang="en-GB" i="1" smtClean="0">
+                            <a:latin typeface="Cambria Math" panose="02040503050406030204" pitchFamily="18" charset="0"/>
+                          </a:rPr>
+                        </m:ctrlPr>
+                      </m:sSupPr>
+                      <m:e>
+                        <m:r>
+                          <a:rPr lang="en-GB" b="0" i="1" smtClean="0">
+                            <a:latin typeface="Cambria Math" panose="02040503050406030204" pitchFamily="18" charset="0"/>
+                          </a:rPr>
+                          <m:t>𝐵</m:t>
+                        </m:r>
+                      </m:e>
+                      <m:sup>
+                        <m:r>
+                          <a:rPr lang="en-GB" b="0" i="1" smtClean="0">
+                            <a:latin typeface="Cambria Math" panose="02040503050406030204" pitchFamily="18" charset="0"/>
+                          </a:rPr>
+                          <m:t>𝐻</m:t>
+                        </m:r>
+                      </m:sup>
+                    </m:sSup>
+                  </m:oMath>
+                </a14:m>
+                <a:endParaRPr lang="en-GB" dirty="0"/>
+              </a:p>
+              <a:p>
+                <a:pPr lvl="1"/>
+                <a:r>
+                  <a:rPr lang="en-GB" dirty="0"/>
+                  <a:t>B = </a:t>
+                </a:r>
+                <a:r>
+                  <a:rPr lang="en-GB" dirty="0" err="1"/>
+                  <a:t>aantal</a:t>
+                </a:r>
+                <a:r>
+                  <a:rPr lang="en-GB" dirty="0"/>
+                  <a:t> </a:t>
+                </a:r>
+                <a:r>
+                  <a:rPr lang="en-GB" dirty="0" err="1"/>
+                  <a:t>batterijen</a:t>
+                </a:r>
+                <a:r>
+                  <a:rPr lang="en-GB" dirty="0"/>
+                  <a:t>, H = </a:t>
+                </a:r>
+                <a:r>
+                  <a:rPr lang="en-GB" dirty="0" err="1"/>
+                  <a:t>aantal</a:t>
+                </a:r>
+                <a:r>
+                  <a:rPr lang="en-GB" dirty="0"/>
+                  <a:t> </a:t>
+                </a:r>
+                <a:r>
+                  <a:rPr lang="en-GB" dirty="0" err="1"/>
+                  <a:t>huizen</a:t>
+                </a:r>
+                <a:endParaRPr lang="en-GB" dirty="0"/>
+              </a:p>
+              <a:p>
+                <a:pPr lvl="1"/>
+                <a:r>
+                  <a:rPr lang="en-US" dirty="0"/>
+                  <a:t>C = 7.006492e+104</a:t>
+                </a:r>
+                <a:endParaRPr lang="en-GB" dirty="0"/>
+              </a:p>
+              <a:p>
+                <a:pPr lvl="1"/>
+                <a:endParaRPr lang="en-GB" dirty="0"/>
+              </a:p>
+              <a:p>
+                <a:r>
+                  <a:rPr lang="en-GB" dirty="0" err="1"/>
+                  <a:t>Constante</a:t>
+                </a:r>
+                <a:r>
+                  <a:rPr lang="en-GB" dirty="0"/>
+                  <a:t> </a:t>
+                </a:r>
+                <a:r>
+                  <a:rPr lang="en-GB" dirty="0" err="1"/>
+                  <a:t>kosten</a:t>
+                </a:r>
+                <a:r>
+                  <a:rPr lang="en-GB" dirty="0"/>
+                  <a:t> (</a:t>
+                </a:r>
+                <a:r>
+                  <a:rPr lang="en-GB" dirty="0" err="1"/>
+                  <a:t>bij</a:t>
+                </a:r>
+                <a:r>
+                  <a:rPr lang="en-GB" dirty="0"/>
+                  <a:t> </a:t>
+                </a:r>
+                <a:r>
+                  <a:rPr lang="en-GB" dirty="0" err="1"/>
+                  <a:t>stap</a:t>
+                </a:r>
+                <a:r>
+                  <a:rPr lang="en-GB" dirty="0"/>
+                  <a:t> A tot </a:t>
+                </a:r>
+                <a:r>
+                  <a:rPr lang="en-GB" dirty="0" err="1"/>
+                  <a:t>en</a:t>
+                </a:r>
+                <a:r>
+                  <a:rPr lang="en-GB" dirty="0"/>
+                  <a:t> met C): 5 x 5000 = 25000</a:t>
+                </a:r>
+                <a:endParaRPr lang="en-US" dirty="0"/>
+              </a:p>
+            </p:txBody>
+          </p:sp>
+        </mc:Choice>
+        <mc:Fallback>
+          <p:sp>
+            <p:nvSpPr>
+              <p:cNvPr id="3" name="Content Placeholder 2">
+                <a:extLst>
+                  <a:ext uri="{FF2B5EF4-FFF2-40B4-BE49-F238E27FC236}">
+                    <a16:creationId xmlns:a16="http://schemas.microsoft.com/office/drawing/2014/main" id="{4CF4F08C-CD41-4CB8-9667-08B5918D8509}"/>
+                  </a:ext>
+                </a:extLst>
+              </p:cNvPr>
+              <p:cNvSpPr>
+                <a:spLocks noGrp="1" noRot="1" noChangeAspect="1" noMove="1" noResize="1" noEditPoints="1" noAdjustHandles="1" noChangeArrowheads="1" noChangeShapeType="1" noTextEdit="1"/>
+              </p:cNvSpPr>
+              <p:nvPr>
+                <p:ph idx="1"/>
+              </p:nvPr>
+            </p:nvSpPr>
+            <p:spPr>
+              <a:xfrm>
+                <a:off x="3869268" y="864108"/>
+                <a:ext cx="7315200" cy="3296831"/>
+              </a:xfrm>
+              <a:blipFill>
+                <a:blip r:embed="rId2"/>
+                <a:stretch>
+                  <a:fillRect l="-667" r="-583"/>
+                </a:stretch>
+              </a:blipFill>
+            </p:spPr>
+            <p:txBody>
+              <a:bodyPr/>
+              <a:lstStyle/>
+              <a:p>
+                <a:r>
+                  <a:rPr lang="nl-NL">
+                    <a:noFill/>
+                  </a:rPr>
+                  <a:t> </a:t>
+                </a:r>
+              </a:p>
+            </p:txBody>
+          </p:sp>
+        </mc:Fallback>
+      </mc:AlternateContent>
+      <p:graphicFrame>
+        <p:nvGraphicFramePr>
+          <p:cNvPr id="4" name="Table 3">
             <a:extLst>
               <a:ext uri="{FF2B5EF4-FFF2-40B4-BE49-F238E27FC236}">
-                <a16:creationId xmlns:a16="http://schemas.microsoft.com/office/drawing/2014/main" id="{CFBD34D3-B483-424E-B54A-C9AC601028BD}"/>
+                <a16:creationId xmlns:a16="http://schemas.microsoft.com/office/drawing/2014/main" id="{580127EA-85C4-4094-A268-F4917B905DA0}"/>
+              </a:ext>
+            </a:extLst>
+          </p:cNvPr>
+          <p:cNvGraphicFramePr>
+            <a:graphicFrameLocks noGrp="1"/>
+          </p:cNvGraphicFramePr>
+          <p:nvPr>
+            <p:extLst>
+              <p:ext uri="{D42A27DB-BD31-4B8C-83A1-F6EECF244321}">
+                <p14:modId xmlns:p14="http://schemas.microsoft.com/office/powerpoint/2010/main" val="3220453441"/>
+              </p:ext>
+            </p:extLst>
+          </p:nvPr>
+        </p:nvGraphicFramePr>
+        <p:xfrm>
+          <a:off x="3542018" y="4241660"/>
+          <a:ext cx="8127999" cy="1483360"/>
+        </p:xfrm>
+        <a:graphic>
+          <a:graphicData uri="http://schemas.openxmlformats.org/drawingml/2006/table">
+            <a:tbl>
+              <a:tblPr firstRow="1" bandRow="1">
+                <a:tableStyleId>{5C22544A-7EE6-4342-B048-85BDC9FD1C3A}</a:tableStyleId>
+              </a:tblPr>
+              <a:tblGrid>
+                <a:gridCol w="2709333">
+                  <a:extLst>
+                    <a:ext uri="{9D8B030D-6E8A-4147-A177-3AD203B41FA5}">
+                      <a16:colId xmlns:a16="http://schemas.microsoft.com/office/drawing/2014/main" val="1208802214"/>
+                    </a:ext>
+                  </a:extLst>
+                </a:gridCol>
+                <a:gridCol w="2709333">
+                  <a:extLst>
+                    <a:ext uri="{9D8B030D-6E8A-4147-A177-3AD203B41FA5}">
+                      <a16:colId xmlns:a16="http://schemas.microsoft.com/office/drawing/2014/main" val="3532181517"/>
+                    </a:ext>
+                  </a:extLst>
+                </a:gridCol>
+                <a:gridCol w="2709333">
+                  <a:extLst>
+                    <a:ext uri="{9D8B030D-6E8A-4147-A177-3AD203B41FA5}">
+                      <a16:colId xmlns:a16="http://schemas.microsoft.com/office/drawing/2014/main" val="1657412657"/>
+                    </a:ext>
+                  </a:extLst>
+                </a:gridCol>
+              </a:tblGrid>
+              <a:tr h="370840">
+                <a:tc>
+                  <a:txBody>
+                    <a:bodyPr/>
+                    <a:lstStyle/>
+                    <a:p>
+                      <a:r>
+                        <a:rPr lang="en-GB" dirty="0" err="1"/>
+                        <a:t>Wijk</a:t>
+                      </a:r>
+                      <a:endParaRPr lang="en-US" dirty="0"/>
+                    </a:p>
+                  </a:txBody>
+                  <a:tcPr/>
+                </a:tc>
+                <a:tc>
+                  <a:txBody>
+                    <a:bodyPr/>
+                    <a:lstStyle/>
+                    <a:p>
+                      <a:r>
+                        <a:rPr lang="en-GB" dirty="0"/>
+                        <a:t>Lower</a:t>
+                      </a:r>
+                      <a:endParaRPr lang="en-US" dirty="0"/>
+                    </a:p>
+                  </a:txBody>
+                  <a:tcPr/>
+                </a:tc>
+                <a:tc>
+                  <a:txBody>
+                    <a:bodyPr/>
+                    <a:lstStyle/>
+                    <a:p>
+                      <a:r>
+                        <a:rPr lang="en-GB" dirty="0"/>
+                        <a:t>Upper</a:t>
+                      </a:r>
+                      <a:endParaRPr lang="en-US" dirty="0"/>
+                    </a:p>
+                  </a:txBody>
+                  <a:tcPr/>
+                </a:tc>
+                <a:extLst>
+                  <a:ext uri="{0D108BD9-81ED-4DB2-BD59-A6C34878D82A}">
+                    <a16:rowId xmlns:a16="http://schemas.microsoft.com/office/drawing/2014/main" val="1653422216"/>
+                  </a:ext>
+                </a:extLst>
+              </a:tr>
+              <a:tr h="370840">
+                <a:tc>
+                  <a:txBody>
+                    <a:bodyPr/>
+                    <a:lstStyle/>
+                    <a:p>
+                      <a:r>
+                        <a:rPr lang="en-GB" dirty="0"/>
+                        <a:t>1</a:t>
+                      </a:r>
+                      <a:endParaRPr lang="en-US" dirty="0"/>
+                    </a:p>
+                  </a:txBody>
+                  <a:tcPr/>
+                </a:tc>
+                <a:tc>
+                  <a:txBody>
+                    <a:bodyPr/>
+                    <a:lstStyle/>
+                    <a:p>
+                      <a:r>
+                        <a:rPr lang="en-GB" dirty="0"/>
+                        <a:t>53188</a:t>
+                      </a:r>
+                      <a:endParaRPr lang="en-US" dirty="0"/>
+                    </a:p>
+                  </a:txBody>
+                  <a:tcPr/>
+                </a:tc>
+                <a:tc>
+                  <a:txBody>
+                    <a:bodyPr/>
+                    <a:lstStyle/>
+                    <a:p>
+                      <a:r>
+                        <a:rPr lang="en-GB" dirty="0"/>
+                        <a:t>103030</a:t>
+                      </a:r>
+                      <a:endParaRPr lang="en-US" dirty="0"/>
+                    </a:p>
+                  </a:txBody>
+                  <a:tcPr/>
+                </a:tc>
+                <a:extLst>
+                  <a:ext uri="{0D108BD9-81ED-4DB2-BD59-A6C34878D82A}">
+                    <a16:rowId xmlns:a16="http://schemas.microsoft.com/office/drawing/2014/main" val="2255200865"/>
+                  </a:ext>
+                </a:extLst>
+              </a:tr>
+              <a:tr h="370840">
+                <a:tc>
+                  <a:txBody>
+                    <a:bodyPr/>
+                    <a:lstStyle/>
+                    <a:p>
+                      <a:r>
+                        <a:rPr lang="en-GB" dirty="0"/>
+                        <a:t>2</a:t>
+                      </a:r>
+                      <a:endParaRPr lang="en-US" dirty="0"/>
+                    </a:p>
+                  </a:txBody>
+                  <a:tcPr/>
+                </a:tc>
+                <a:tc>
+                  <a:txBody>
+                    <a:bodyPr/>
+                    <a:lstStyle/>
+                    <a:p>
+                      <a:r>
+                        <a:rPr lang="en-GB" dirty="0"/>
+                        <a:t>45268</a:t>
+                      </a:r>
+                      <a:endParaRPr lang="en-US" dirty="0"/>
+                    </a:p>
+                  </a:txBody>
+                  <a:tcPr/>
+                </a:tc>
+                <a:tc>
+                  <a:txBody>
+                    <a:bodyPr/>
+                    <a:lstStyle/>
+                    <a:p>
+                      <a:r>
+                        <a:rPr lang="en-GB" dirty="0"/>
+                        <a:t>96253</a:t>
+                      </a:r>
+                      <a:endParaRPr lang="en-US" dirty="0"/>
+                    </a:p>
+                  </a:txBody>
+                  <a:tcPr/>
+                </a:tc>
+                <a:extLst>
+                  <a:ext uri="{0D108BD9-81ED-4DB2-BD59-A6C34878D82A}">
+                    <a16:rowId xmlns:a16="http://schemas.microsoft.com/office/drawing/2014/main" val="801549086"/>
+                  </a:ext>
+                </a:extLst>
+              </a:tr>
+              <a:tr h="370840">
+                <a:tc>
+                  <a:txBody>
+                    <a:bodyPr/>
+                    <a:lstStyle/>
+                    <a:p>
+                      <a:r>
+                        <a:rPr lang="en-GB" dirty="0"/>
+                        <a:t>3</a:t>
+                      </a:r>
+                      <a:endParaRPr lang="en-US" dirty="0"/>
+                    </a:p>
+                  </a:txBody>
+                  <a:tcPr/>
+                </a:tc>
+                <a:tc>
+                  <a:txBody>
+                    <a:bodyPr/>
+                    <a:lstStyle/>
+                    <a:p>
+                      <a:r>
+                        <a:rPr lang="en-GB" dirty="0"/>
+                        <a:t>42757</a:t>
+                      </a:r>
+                      <a:endParaRPr lang="en-US" dirty="0"/>
+                    </a:p>
+                  </a:txBody>
+                  <a:tcPr/>
+                </a:tc>
+                <a:tc>
+                  <a:txBody>
+                    <a:bodyPr/>
+                    <a:lstStyle/>
+                    <a:p>
+                      <a:r>
+                        <a:rPr lang="en-GB" dirty="0"/>
+                        <a:t>101491</a:t>
+                      </a:r>
+                      <a:endParaRPr lang="en-US" dirty="0"/>
+                    </a:p>
+                  </a:txBody>
+                  <a:tcPr/>
+                </a:tc>
+                <a:extLst>
+                  <a:ext uri="{0D108BD9-81ED-4DB2-BD59-A6C34878D82A}">
+                    <a16:rowId xmlns:a16="http://schemas.microsoft.com/office/drawing/2014/main" val="367074318"/>
+                  </a:ext>
+                </a:extLst>
+              </a:tr>
+            </a:tbl>
+          </a:graphicData>
+        </a:graphic>
+      </p:graphicFrame>
+      <p:sp>
+        <p:nvSpPr>
+          <p:cNvPr id="5" name="Slide Number Placeholder 4">
+            <a:extLst>
+              <a:ext uri="{FF2B5EF4-FFF2-40B4-BE49-F238E27FC236}">
+                <a16:creationId xmlns:a16="http://schemas.microsoft.com/office/drawing/2014/main" id="{1A619425-C5A6-4124-803D-3F7D637928B1}"/>
               </a:ext>
             </a:extLst>
           </p:cNvPr>
@@ -11296,7 +14593,7 @@
     </p:spTree>
     <p:extLst>
       <p:ext uri="{BB962C8B-B14F-4D97-AF65-F5344CB8AC3E}">
-        <p14:creationId xmlns:p14="http://schemas.microsoft.com/office/powerpoint/2010/main" val="1489237602"/>
+        <p14:creationId xmlns:p14="http://schemas.microsoft.com/office/powerpoint/2010/main" val="3621837407"/>
       </p:ext>
     </p:extLst>
   </p:cSld>
